--- a/Calendario2024/Actividades/Actividad15_VLANs/Act15_VLANs.pptx
+++ b/Calendario2024/Actividades/Actividad15_VLANs/Act15_VLANs.pptx
@@ -14,10 +14,10 @@
     <p:sldId id="360" r:id="rId5"/>
     <p:sldId id="340" r:id="rId6"/>
     <p:sldId id="342" r:id="rId7"/>
-    <p:sldId id="347" r:id="rId8"/>
-    <p:sldId id="353" r:id="rId9"/>
-    <p:sldId id="357" r:id="rId10"/>
-    <p:sldId id="326" r:id="rId11"/>
+    <p:sldId id="357" r:id="rId8"/>
+    <p:sldId id="326" r:id="rId9"/>
+    <p:sldId id="347" r:id="rId10"/>
+    <p:sldId id="353" r:id="rId11"/>
     <p:sldId id="355" r:id="rId12"/>
     <p:sldId id="349" r:id="rId13"/>
     <p:sldId id="350" r:id="rId14"/>
@@ -989,7 +989,7 @@
     </p:spTree>
     <p:extLst>
       <p:ext uri="{BB962C8B-B14F-4D97-AF65-F5344CB8AC3E}">
-        <p14:creationId xmlns:p14="http://schemas.microsoft.com/office/powerpoint/2010/main" val="904724579"/>
+        <p14:creationId xmlns:p14="http://schemas.microsoft.com/office/powerpoint/2010/main" val="3138129432"/>
       </p:ext>
     </p:extLst>
   </p:cSld>
@@ -1040,7 +1040,7 @@
     </p:spTree>
     <p:extLst>
       <p:ext uri="{BB962C8B-B14F-4D97-AF65-F5344CB8AC3E}">
-        <p14:creationId xmlns:p14="http://schemas.microsoft.com/office/powerpoint/2010/main" val="1224374698"/>
+        <p14:creationId xmlns:p14="http://schemas.microsoft.com/office/powerpoint/2010/main" val="146013082"/>
       </p:ext>
     </p:extLst>
   </p:cSld>
@@ -1091,7 +1091,7 @@
     </p:spTree>
     <p:extLst>
       <p:ext uri="{BB962C8B-B14F-4D97-AF65-F5344CB8AC3E}">
-        <p14:creationId xmlns:p14="http://schemas.microsoft.com/office/powerpoint/2010/main" val="3138129432"/>
+        <p14:creationId xmlns:p14="http://schemas.microsoft.com/office/powerpoint/2010/main" val="2519645289"/>
       </p:ext>
     </p:extLst>
   </p:cSld>
@@ -1240,7 +1240,7 @@
           <a:p>
             <a:fld id="{1D8BD707-D9CF-40AE-B4C6-C98DA3205C09}" type="datetimeFigureOut">
               <a:rPr lang="en-US"/>
-              <a:t>6/4/2024</a:t>
+              <a:t>6/5/2024</a:t>
             </a:fld>
             <a:endParaRPr lang="en-US" dirty="0"/>
           </a:p>
@@ -1417,7 +1417,7 @@
           <a:p>
             <a:fld id="{1D8BD707-D9CF-40AE-B4C6-C98DA3205C09}" type="datetimeFigureOut">
               <a:rPr lang="en-US"/>
-              <a:t>6/4/2024</a:t>
+              <a:t>6/5/2024</a:t>
             </a:fld>
             <a:endParaRPr lang="en-US" dirty="0"/>
           </a:p>
@@ -1631,7 +1631,7 @@
           <a:p>
             <a:fld id="{1D8BD707-D9CF-40AE-B4C6-C98DA3205C09}" type="datetimeFigureOut">
               <a:rPr lang="en-US"/>
-              <a:t>6/4/2024</a:t>
+              <a:t>6/5/2024</a:t>
             </a:fld>
             <a:endParaRPr lang="en-US" dirty="0"/>
           </a:p>
@@ -1779,7 +1779,7 @@
           <a:p>
             <a:fld id="{1D8BD707-D9CF-40AE-B4C6-C98DA3205C09}" type="datetimeFigureOut">
               <a:rPr lang="en-US"/>
-              <a:t>6/4/2024</a:t>
+              <a:t>6/5/2024</a:t>
             </a:fld>
             <a:endParaRPr lang="en-US" dirty="0"/>
           </a:p>
@@ -1935,7 +1935,7 @@
           <a:p>
             <a:fld id="{1D8BD707-D9CF-40AE-B4C6-C98DA3205C09}" type="datetimeFigureOut">
               <a:rPr lang="en-US"/>
-              <a:t>6/4/2024</a:t>
+              <a:t>6/5/2024</a:t>
             </a:fld>
             <a:endParaRPr lang="en-US" dirty="0"/>
           </a:p>
@@ -2020,7 +2020,7 @@
           <a:p>
             <a:fld id="{5E75A0DC-66C6-4CEC-A5EB-F8C97CEC3796}" type="datetimeFigureOut">
               <a:rPr lang="es-MX" smtClean="0"/>
-              <a:t>04/06/2024</a:t>
+              <a:t>05/06/2024</a:t>
             </a:fld>
             <a:endParaRPr lang="es-MX" dirty="0"/>
           </a:p>
@@ -2277,7 +2277,7 @@
           <a:p>
             <a:fld id="{5E75A0DC-66C6-4CEC-A5EB-F8C97CEC3796}" type="datetimeFigureOut">
               <a:rPr lang="es-MX" smtClean="0"/>
-              <a:t>04/06/2024</a:t>
+              <a:t>05/06/2024</a:t>
             </a:fld>
             <a:endParaRPr lang="es-MX" dirty="0"/>
           </a:p>
@@ -2527,7 +2527,7 @@
           <a:p>
             <a:fld id="{1D8BD707-D9CF-40AE-B4C6-C98DA3205C09}" type="datetimeFigureOut">
               <a:rPr lang="en-US"/>
-              <a:t>6/4/2024</a:t>
+              <a:t>6/5/2024</a:t>
             </a:fld>
             <a:endParaRPr lang="en-US" dirty="0"/>
           </a:p>
@@ -2952,7 +2952,67 @@
       </p:grpSpPr>
       <p:sp>
         <p:nvSpPr>
-          <p:cNvPr id="35845" name="7 CuadroTexto"/>
+          <p:cNvPr id="2" name="object 2"/>
+          <p:cNvSpPr txBox="1"/>
+          <p:nvPr/>
+        </p:nvSpPr>
+        <p:spPr>
+          <a:xfrm>
+            <a:off x="3513772" y="381000"/>
+            <a:ext cx="5164455" cy="800219"/>
+          </a:xfrm>
+          <a:prstGeom prst="rect">
+            <a:avLst/>
+          </a:prstGeom>
+        </p:spPr>
+        <p:txBody>
+          <a:bodyPr vert="horz" wrap="square" lIns="0" tIns="0" rIns="0" bIns="0" rtlCol="0">
+            <a:spAutoFit/>
+          </a:bodyPr>
+          <a:lstStyle/>
+          <a:p>
+            <a:pPr marL="12700" algn="ctr">
+              <a:lnSpc>
+                <a:spcPct val="100000"/>
+              </a:lnSpc>
+            </a:pPr>
+            <a:r>
+              <a:rPr lang="es-ES" sz="3200" b="1" spc="-25" dirty="0">
+                <a:latin typeface="Calibri"/>
+                <a:cs typeface="Calibri"/>
+              </a:rPr>
+              <a:t>Configuración de VLANs </a:t>
+            </a:r>
+          </a:p>
+          <a:p>
+            <a:pPr marL="12700" algn="ctr">
+              <a:lnSpc>
+                <a:spcPct val="100000"/>
+              </a:lnSpc>
+            </a:pPr>
+            <a:r>
+              <a:rPr lang="es-ES" sz="2000" spc="-25" dirty="0">
+                <a:latin typeface="Calibri"/>
+                <a:cs typeface="Calibri"/>
+              </a:rPr>
+              <a:t>Comandos para el Switch</a:t>
+            </a:r>
+            <a:endParaRPr sz="2000" dirty="0">
+              <a:latin typeface="Calibri"/>
+              <a:cs typeface="Calibri"/>
+            </a:endParaRPr>
+          </a:p>
+        </p:txBody>
+      </p:sp>
+      <p:sp>
+        <p:nvSpPr>
+          <p:cNvPr id="4" name="7 CuadroTexto">
+            <a:extLst>
+              <a:ext uri="{FF2B5EF4-FFF2-40B4-BE49-F238E27FC236}">
+                <a16:creationId xmlns:a16="http://schemas.microsoft.com/office/drawing/2014/main" id="{6003FC0E-25B6-447D-86B1-50C83DB3D68A}"/>
+              </a:ext>
+            </a:extLst>
+          </p:cNvPr>
           <p:cNvSpPr txBox="1">
             <a:spLocks noChangeArrowheads="1"/>
           </p:cNvSpPr>
@@ -2960,8 +3020,8 @@
         </p:nvSpPr>
         <p:spPr bwMode="auto">
           <a:xfrm>
-            <a:off x="1650420" y="1201931"/>
-            <a:ext cx="8891160" cy="5032660"/>
+            <a:off x="1143000" y="1564602"/>
+            <a:ext cx="6248400" cy="3447610"/>
           </a:xfrm>
           <a:prstGeom prst="rect">
             <a:avLst/>
@@ -3093,23 +3153,25 @@
             </a:lvl9pPr>
           </a:lstStyle>
           <a:p>
-            <a:pPr marL="342900" indent="-342900">
+            <a:pPr>
               <a:lnSpc>
                 <a:spcPct val="150000"/>
               </a:lnSpc>
-              <a:buAutoNum type="arabicPeriod"/>
+              <a:spcAft>
+                <a:spcPts val="600"/>
+              </a:spcAft>
             </a:pPr>
             <a:r>
-              <a:rPr lang="es-ES_tradnl" sz="2000" dirty="0">
-                <a:solidFill>
-                  <a:schemeClr val="bg2">
-                    <a:lumMod val="25000"/>
+              <a:rPr lang="es-ES" sz="1600" b="1" dirty="0">
+                <a:solidFill>
+                  <a:schemeClr val="accent6">
+                    <a:lumMod val="75000"/>
                   </a:schemeClr>
                 </a:solidFill>
                 <a:latin typeface="Arial" panose="020B0604020202020204" pitchFamily="34" charset="0"/>
                 <a:cs typeface="Arial" panose="020B0604020202020204" pitchFamily="34" charset="0"/>
               </a:rPr>
-              <a:t>Excluir las direcciones estáticas del pool de DHCP.</a:t>
+              <a:t>1. Creación de las VLANs con nombre</a:t>
             </a:r>
           </a:p>
           <a:p>
@@ -3119,73 +3181,18 @@
               </a:lnSpc>
             </a:pPr>
             <a:r>
-              <a:rPr lang="es-MX" sz="2000" b="1" dirty="0">
-                <a:solidFill>
-                  <a:schemeClr val="accent6">
-                    <a:lumMod val="75000"/>
-                  </a:schemeClr>
-                </a:solidFill>
-                <a:latin typeface="Arial" panose="020B0604020202020204" pitchFamily="34" charset="0"/>
-                <a:cs typeface="Arial" panose="020B0604020202020204" pitchFamily="34" charset="0"/>
-              </a:rPr>
-              <a:t>ip dhcp excluded-address </a:t>
-            </a:r>
-            <a:r>
-              <a:rPr lang="es-MX" sz="2000" dirty="0">
-                <a:solidFill>
-                  <a:schemeClr val="bg2">
-                    <a:lumMod val="25000"/>
-                  </a:schemeClr>
-                </a:solidFill>
-                <a:latin typeface="Arial" panose="020B0604020202020204" pitchFamily="34" charset="0"/>
-                <a:cs typeface="Arial" panose="020B0604020202020204" pitchFamily="34" charset="0"/>
-              </a:rPr>
-              <a:t>Dir_IP_Inicial Dir_IP_Final</a:t>
-            </a:r>
-          </a:p>
-          <a:p>
-            <a:pPr marL="342900" indent="-342900">
-              <a:lnSpc>
-                <a:spcPct val="150000"/>
-              </a:lnSpc>
-              <a:buFont typeface="+mj-lt"/>
-              <a:buAutoNum type="arabicPeriod" startAt="2"/>
-            </a:pPr>
-            <a:r>
-              <a:rPr lang="es-MX" sz="2000" dirty="0">
-                <a:solidFill>
-                  <a:schemeClr val="bg2">
-                    <a:lumMod val="25000"/>
-                  </a:schemeClr>
-                </a:solidFill>
-                <a:latin typeface="Arial" panose="020B0604020202020204" pitchFamily="34" charset="0"/>
-                <a:cs typeface="Arial" panose="020B0604020202020204" pitchFamily="34" charset="0"/>
-              </a:rPr>
-              <a:t>Definir un </a:t>
-            </a:r>
-            <a:r>
-              <a:rPr lang="es-MX" sz="2000" b="1" dirty="0">
-                <a:solidFill>
-                  <a:schemeClr val="bg2">
-                    <a:lumMod val="25000"/>
-                  </a:schemeClr>
-                </a:solidFill>
-                <a:latin typeface="Arial" panose="020B0604020202020204" pitchFamily="34" charset="0"/>
-                <a:cs typeface="Arial" panose="020B0604020202020204" pitchFamily="34" charset="0"/>
-              </a:rPr>
-              <a:t>pool de direcciones dinámicas </a:t>
-            </a:r>
-            <a:r>
-              <a:rPr lang="es-MX" sz="2000" dirty="0">
-                <a:solidFill>
-                  <a:schemeClr val="bg2">
-                    <a:lumMod val="25000"/>
-                  </a:schemeClr>
-                </a:solidFill>
-                <a:latin typeface="Arial" panose="020B0604020202020204" pitchFamily="34" charset="0"/>
-                <a:cs typeface="Arial" panose="020B0604020202020204" pitchFamily="34" charset="0"/>
-              </a:rPr>
-              <a:t>que serán asignadas cuando sean solicitadas.</a:t>
+              <a:rPr lang="es-ES" sz="1600" b="1" dirty="0">
+                <a:latin typeface="Arial" panose="020B0604020202020204" pitchFamily="34" charset="0"/>
+                <a:cs typeface="Arial" panose="020B0604020202020204" pitchFamily="34" charset="0"/>
+              </a:rPr>
+              <a:t>vlan </a:t>
+            </a:r>
+            <a:r>
+              <a:rPr lang="es-ES" sz="1600" dirty="0">
+                <a:latin typeface="Arial" panose="020B0604020202020204" pitchFamily="34" charset="0"/>
+                <a:cs typeface="Arial" panose="020B0604020202020204" pitchFamily="34" charset="0"/>
+              </a:rPr>
+              <a:t>VID</a:t>
             </a:r>
           </a:p>
           <a:p>
@@ -3195,40 +3202,18 @@
               </a:lnSpc>
             </a:pPr>
             <a:r>
-              <a:rPr lang="es-MX" sz="2000" b="1" dirty="0">
-                <a:solidFill>
-                  <a:schemeClr val="accent6">
-                    <a:lumMod val="75000"/>
-                  </a:schemeClr>
-                </a:solidFill>
-                <a:latin typeface="Arial" panose="020B0604020202020204" pitchFamily="34" charset="0"/>
-                <a:cs typeface="Arial" panose="020B0604020202020204" pitchFamily="34" charset="0"/>
-              </a:rPr>
-              <a:t>ip dhcp pool</a:t>
-            </a:r>
-            <a:r>
-              <a:rPr lang="es-MX" sz="2000" dirty="0">
-                <a:solidFill>
-                  <a:schemeClr val="accent6">
-                    <a:lumMod val="75000"/>
-                  </a:schemeClr>
-                </a:solidFill>
-                <a:latin typeface="Arial" panose="020B0604020202020204" pitchFamily="34" charset="0"/>
-                <a:cs typeface="Arial" panose="020B0604020202020204" pitchFamily="34" charset="0"/>
-              </a:rPr>
-              <a:t> </a:t>
-            </a:r>
-            <a:r>
-              <a:rPr lang="es-MX" sz="2000" b="1" dirty="0">
-                <a:solidFill>
-                  <a:schemeClr val="bg2">
-                    <a:lumMod val="25000"/>
-                  </a:schemeClr>
-                </a:solidFill>
-                <a:latin typeface="Arial" panose="020B0604020202020204" pitchFamily="34" charset="0"/>
-                <a:cs typeface="Arial" panose="020B0604020202020204" pitchFamily="34" charset="0"/>
-              </a:rPr>
-              <a:t>NombrePool</a:t>
+              <a:rPr lang="es-ES" sz="1600" b="1" dirty="0">
+                <a:latin typeface="Arial" panose="020B0604020202020204" pitchFamily="34" charset="0"/>
+                <a:cs typeface="Arial" panose="020B0604020202020204" pitchFamily="34" charset="0"/>
+              </a:rPr>
+              <a:t>name </a:t>
+            </a:r>
+            <a:r>
+              <a:rPr lang="es-ES" sz="1600" dirty="0">
+                <a:latin typeface="Arial" panose="020B0604020202020204" pitchFamily="34" charset="0"/>
+                <a:cs typeface="Arial" panose="020B0604020202020204" pitchFamily="34" charset="0"/>
+              </a:rPr>
+              <a:t>NombreVLAN-asociadaVID</a:t>
             </a:r>
           </a:p>
           <a:p>
@@ -3238,7 +3223,32 @@
               </a:lnSpc>
             </a:pPr>
             <a:r>
-              <a:rPr lang="es-MX" sz="2000" b="1" dirty="0" err="1">
+              <a:rPr lang="es-ES" sz="1600" b="1" dirty="0">
+                <a:latin typeface="Arial" panose="020B0604020202020204" pitchFamily="34" charset="0"/>
+                <a:cs typeface="Arial" panose="020B0604020202020204" pitchFamily="34" charset="0"/>
+              </a:rPr>
+              <a:t>exit</a:t>
+            </a:r>
+          </a:p>
+          <a:p>
+            <a:pPr>
+              <a:lnSpc>
+                <a:spcPct val="150000"/>
+              </a:lnSpc>
+            </a:pPr>
+            <a:endParaRPr lang="es-ES" sz="1600" dirty="0">
+              <a:latin typeface="Arial" panose="020B0604020202020204" pitchFamily="34" charset="0"/>
+              <a:cs typeface="Arial" panose="020B0604020202020204" pitchFamily="34" charset="0"/>
+            </a:endParaRPr>
+          </a:p>
+          <a:p>
+            <a:pPr>
+              <a:lnSpc>
+                <a:spcPct val="150000"/>
+              </a:lnSpc>
+            </a:pPr>
+            <a:r>
+              <a:rPr lang="es-ES" sz="1600" b="1" dirty="0">
                 <a:solidFill>
                   <a:schemeClr val="accent6">
                     <a:lumMod val="75000"/>
@@ -3247,10 +3257,10 @@
                 <a:latin typeface="Arial" panose="020B0604020202020204" pitchFamily="34" charset="0"/>
                 <a:cs typeface="Arial" panose="020B0604020202020204" pitchFamily="34" charset="0"/>
               </a:rPr>
-              <a:t>network</a:t>
-            </a:r>
-            <a:r>
-              <a:rPr lang="es-MX" sz="2000" b="1" dirty="0">
+              <a:t>2. Asignación de los </a:t>
+            </a:r>
+            <a:r>
+              <a:rPr lang="es-ES" sz="1600" b="1" u="sng" dirty="0">
                 <a:solidFill>
                   <a:schemeClr val="accent6">
                     <a:lumMod val="75000"/>
@@ -3259,40 +3269,19 @@
                 <a:latin typeface="Arial" panose="020B0604020202020204" pitchFamily="34" charset="0"/>
                 <a:cs typeface="Arial" panose="020B0604020202020204" pitchFamily="34" charset="0"/>
               </a:rPr>
-              <a:t> </a:t>
-            </a:r>
-            <a:r>
-              <a:rPr lang="es-MX" sz="2000" dirty="0">
-                <a:solidFill>
-                  <a:schemeClr val="bg2">
-                    <a:lumMod val="25000"/>
+              <a:t>puertos de acceso </a:t>
+            </a:r>
+            <a:r>
+              <a:rPr lang="es-ES" sz="1600" b="1" dirty="0">
+                <a:solidFill>
+                  <a:schemeClr val="accent6">
+                    <a:lumMod val="75000"/>
                   </a:schemeClr>
                 </a:solidFill>
                 <a:latin typeface="Arial" panose="020B0604020202020204" pitchFamily="34" charset="0"/>
                 <a:cs typeface="Arial" panose="020B0604020202020204" pitchFamily="34" charset="0"/>
               </a:rPr>
-              <a:t>Dirección de red Máscara de subred</a:t>
-            </a:r>
-          </a:p>
-          <a:p>
-            <a:pPr marL="342900" indent="-342900">
-              <a:lnSpc>
-                <a:spcPct val="150000"/>
-              </a:lnSpc>
-              <a:buFont typeface="+mj-lt"/>
-              <a:buAutoNum type="arabicPeriod" startAt="2"/>
-            </a:pPr>
-            <a:r>
-              <a:rPr lang="es-MX" sz="2000" dirty="0">
-                <a:solidFill>
-                  <a:schemeClr val="bg2">
-                    <a:lumMod val="25000"/>
-                  </a:schemeClr>
-                </a:solidFill>
-                <a:latin typeface="Arial" panose="020B0604020202020204" pitchFamily="34" charset="0"/>
-                <a:cs typeface="Arial" panose="020B0604020202020204" pitchFamily="34" charset="0"/>
-              </a:rPr>
-              <a:t>Establecer la  puerta de enlace predeterminada (default Gateway):</a:t>
+              <a:t>a cada VLAN  VID</a:t>
             </a:r>
           </a:p>
           <a:p>
@@ -3302,82 +3291,18 @@
               </a:lnSpc>
             </a:pPr>
             <a:r>
-              <a:rPr lang="es-MX" sz="2000" b="1" dirty="0">
-                <a:solidFill>
-                  <a:schemeClr val="accent6">
-                    <a:lumMod val="75000"/>
-                  </a:schemeClr>
-                </a:solidFill>
-                <a:latin typeface="Arial" panose="020B0604020202020204" pitchFamily="34" charset="0"/>
-                <a:cs typeface="Arial" panose="020B0604020202020204" pitchFamily="34" charset="0"/>
-              </a:rPr>
-              <a:t>default-</a:t>
-            </a:r>
-            <a:r>
-              <a:rPr lang="es-MX" sz="2000" b="1" dirty="0" err="1">
-                <a:solidFill>
-                  <a:schemeClr val="accent6">
-                    <a:lumMod val="75000"/>
-                  </a:schemeClr>
-                </a:solidFill>
-                <a:latin typeface="Arial" panose="020B0604020202020204" pitchFamily="34" charset="0"/>
-                <a:cs typeface="Arial" panose="020B0604020202020204" pitchFamily="34" charset="0"/>
-              </a:rPr>
-              <a:t>router</a:t>
-            </a:r>
-            <a:r>
-              <a:rPr lang="es-MX" sz="2000" dirty="0">
-                <a:solidFill>
-                  <a:schemeClr val="accent6">
-                    <a:lumMod val="75000"/>
-                  </a:schemeClr>
-                </a:solidFill>
-                <a:latin typeface="Arial" panose="020B0604020202020204" pitchFamily="34" charset="0"/>
-                <a:cs typeface="Arial" panose="020B0604020202020204" pitchFamily="34" charset="0"/>
-              </a:rPr>
-              <a:t> </a:t>
-            </a:r>
-            <a:r>
-              <a:rPr lang="es-MX" sz="2000" dirty="0" err="1">
-                <a:solidFill>
-                  <a:schemeClr val="bg2">
-                    <a:lumMod val="25000"/>
-                  </a:schemeClr>
-                </a:solidFill>
-                <a:latin typeface="Arial" panose="020B0604020202020204" pitchFamily="34" charset="0"/>
-                <a:cs typeface="Arial" panose="020B0604020202020204" pitchFamily="34" charset="0"/>
-              </a:rPr>
-              <a:t>dirIP</a:t>
-            </a:r>
-            <a:endParaRPr lang="es-MX" sz="2000" dirty="0">
-              <a:solidFill>
-                <a:schemeClr val="bg2">
-                  <a:lumMod val="25000"/>
-                </a:schemeClr>
-              </a:solidFill>
-              <a:latin typeface="Arial" panose="020B0604020202020204" pitchFamily="34" charset="0"/>
-              <a:cs typeface="Arial" panose="020B0604020202020204" pitchFamily="34" charset="0"/>
-            </a:endParaRPr>
-          </a:p>
-          <a:p>
-            <a:pPr marL="171450" indent="-457200">
-              <a:lnSpc>
-                <a:spcPct val="150000"/>
-              </a:lnSpc>
-              <a:buFont typeface="+mj-lt"/>
-              <a:buAutoNum type="arabicPeriod" startAt="2"/>
-            </a:pPr>
-            <a:r>
-              <a:rPr lang="es-MX" sz="2000" dirty="0">
-                <a:solidFill>
-                  <a:schemeClr val="bg2">
-                    <a:lumMod val="25000"/>
-                  </a:schemeClr>
-                </a:solidFill>
-                <a:latin typeface="Arial" panose="020B0604020202020204" pitchFamily="34" charset="0"/>
-                <a:cs typeface="Arial" panose="020B0604020202020204" pitchFamily="34" charset="0"/>
-              </a:rPr>
-              <a:t>Establecer el servidor DNS</a:t>
+              <a:rPr lang="es-ES" sz="1600" b="1" dirty="0">
+                <a:latin typeface="Arial" panose="020B0604020202020204" pitchFamily="34" charset="0"/>
+                <a:cs typeface="Arial" panose="020B0604020202020204" pitchFamily="34" charset="0"/>
+              </a:rPr>
+              <a:t>interface </a:t>
+            </a:r>
+            <a:r>
+              <a:rPr lang="es-ES" sz="1600" dirty="0">
+                <a:latin typeface="Arial" panose="020B0604020202020204" pitchFamily="34" charset="0"/>
+                <a:cs typeface="Arial" panose="020B0604020202020204" pitchFamily="34" charset="0"/>
+              </a:rPr>
+              <a:t>Nombre_Interfaz</a:t>
             </a:r>
           </a:p>
           <a:p>
@@ -3387,52 +3312,21 @@
               </a:lnSpc>
             </a:pPr>
             <a:r>
-              <a:rPr lang="es-MX" sz="2000" b="1" dirty="0" err="1">
-                <a:solidFill>
-                  <a:schemeClr val="accent6">
-                    <a:lumMod val="75000"/>
-                  </a:schemeClr>
-                </a:solidFill>
-                <a:latin typeface="Arial" panose="020B0604020202020204" pitchFamily="34" charset="0"/>
-                <a:cs typeface="Arial" panose="020B0604020202020204" pitchFamily="34" charset="0"/>
-              </a:rPr>
-              <a:t>dns</a:t>
-            </a:r>
-            <a:r>
-              <a:rPr lang="es-MX" sz="2000" b="1" dirty="0">
-                <a:solidFill>
-                  <a:schemeClr val="accent6">
-                    <a:lumMod val="75000"/>
-                  </a:schemeClr>
-                </a:solidFill>
-                <a:latin typeface="Arial" panose="020B0604020202020204" pitchFamily="34" charset="0"/>
-                <a:cs typeface="Arial" panose="020B0604020202020204" pitchFamily="34" charset="0"/>
-              </a:rPr>
-              <a:t>-server </a:t>
-            </a:r>
-            <a:r>
-              <a:rPr lang="es-MX" sz="2000" dirty="0" err="1">
-                <a:solidFill>
-                  <a:schemeClr val="bg2">
-                    <a:lumMod val="25000"/>
-                  </a:schemeClr>
-                </a:solidFill>
-                <a:latin typeface="Arial" panose="020B0604020202020204" pitchFamily="34" charset="0"/>
-                <a:cs typeface="Arial" panose="020B0604020202020204" pitchFamily="34" charset="0"/>
-              </a:rPr>
-              <a:t>dirIP</a:t>
-            </a:r>
-            <a:r>
-              <a:rPr lang="es-MX" sz="2000" dirty="0">
-                <a:solidFill>
-                  <a:schemeClr val="bg2">
-                    <a:lumMod val="25000"/>
-                  </a:schemeClr>
-                </a:solidFill>
-                <a:latin typeface="Arial" panose="020B0604020202020204" pitchFamily="34" charset="0"/>
-                <a:cs typeface="Arial" panose="020B0604020202020204" pitchFamily="34" charset="0"/>
-              </a:rPr>
-              <a:t>-Server</a:t>
+              <a:rPr lang="es-ES" sz="1600" b="1" dirty="0">
+                <a:latin typeface="Arial" panose="020B0604020202020204" pitchFamily="34" charset="0"/>
+                <a:cs typeface="Arial" panose="020B0604020202020204" pitchFamily="34" charset="0"/>
+              </a:rPr>
+              <a:t>switchport mode </a:t>
+            </a:r>
+            <a:r>
+              <a:rPr lang="es-ES" sz="1600" b="1" dirty="0">
+                <a:solidFill>
+                  <a:srgbClr val="FF0000"/>
+                </a:solidFill>
+                <a:latin typeface="Arial" panose="020B0604020202020204" pitchFamily="34" charset="0"/>
+                <a:cs typeface="Arial" panose="020B0604020202020204" pitchFamily="34" charset="0"/>
+              </a:rPr>
+              <a:t>access</a:t>
             </a:r>
           </a:p>
           <a:p>
@@ -3440,11 +3334,22 @@
               <a:lnSpc>
                 <a:spcPct val="150000"/>
               </a:lnSpc>
-              <a:spcAft>
-                <a:spcPts val="1200"/>
-              </a:spcAft>
             </a:pPr>
-            <a:endParaRPr lang="es-MX" sz="1600" dirty="0">
+            <a:r>
+              <a:rPr lang="es-ES" sz="1600" b="1" dirty="0">
+                <a:latin typeface="Arial" panose="020B0604020202020204" pitchFamily="34" charset="0"/>
+                <a:cs typeface="Arial" panose="020B0604020202020204" pitchFamily="34" charset="0"/>
+              </a:rPr>
+              <a:t>switchport access vlan  </a:t>
+            </a:r>
+            <a:r>
+              <a:rPr lang="es-ES" sz="1600" dirty="0">
+                <a:latin typeface="Arial" panose="020B0604020202020204" pitchFamily="34" charset="0"/>
+                <a:cs typeface="Arial" panose="020B0604020202020204" pitchFamily="34" charset="0"/>
+              </a:rPr>
+              <a:t>VID</a:t>
+            </a:r>
+            <a:endParaRPr lang="es-MX" sz="1800" b="1" dirty="0">
               <a:solidFill>
                 <a:schemeClr val="bg2">
                   <a:lumMod val="25000"/>
@@ -3458,82 +3363,257 @@
       </p:sp>
       <p:sp>
         <p:nvSpPr>
-          <p:cNvPr id="8" name="Rectangle 2"/>
+          <p:cNvPr id="8" name="7 CuadroTexto">
+            <a:extLst>
+              <a:ext uri="{FF2B5EF4-FFF2-40B4-BE49-F238E27FC236}">
+                <a16:creationId xmlns:a16="http://schemas.microsoft.com/office/drawing/2014/main" id="{7588CF2B-42DE-4476-B511-687DB7E195DC}"/>
+              </a:ext>
+            </a:extLst>
+          </p:cNvPr>
           <p:cNvSpPr txBox="1">
             <a:spLocks noChangeArrowheads="1"/>
           </p:cNvSpPr>
           <p:nvPr/>
         </p:nvSpPr>
-        <p:spPr>
+        <p:spPr bwMode="auto">
           <a:xfrm>
-            <a:off x="1371600" y="58931"/>
-            <a:ext cx="8964488" cy="1143000"/>
+            <a:off x="7696200" y="3488205"/>
+            <a:ext cx="3810000" cy="1524007"/>
           </a:xfrm>
           <a:prstGeom prst="rect">
             <a:avLst/>
           </a:prstGeom>
+          <a:noFill/>
+          <a:ln>
+            <a:noFill/>
+          </a:ln>
+          <a:extLst>
+            <a:ext uri="{909E8E84-426E-40DD-AFC4-6F175D3DCCD1}">
+              <a14:hiddenFill xmlns:a14="http://schemas.microsoft.com/office/drawing/2010/main">
+                <a:solidFill>
+                  <a:srgbClr val="FFFFFF"/>
+                </a:solidFill>
+              </a14:hiddenFill>
+            </a:ext>
+            <a:ext uri="{91240B29-F687-4F45-9708-019B960494DF}">
+              <a14:hiddenLine xmlns:a14="http://schemas.microsoft.com/office/drawing/2010/main" w="9525">
+                <a:solidFill>
+                  <a:srgbClr val="000000"/>
+                </a:solidFill>
+                <a:miter lim="800000"/>
+                <a:headEnd/>
+                <a:tailEnd/>
+              </a14:hiddenLine>
+            </a:ext>
+          </a:extLst>
         </p:spPr>
         <p:txBody>
-          <a:bodyPr vert="horz" lIns="92075" tIns="46038" rIns="92075" bIns="46038" rtlCol="0" anchor="ctr">
-            <a:noAutofit/>
+          <a:bodyPr wrap="square">
+            <a:spAutoFit/>
           </a:bodyPr>
           <a:lstStyle>
-            <a:lvl1pPr algn="ctr" defTabSz="914400" rtl="0" eaLnBrk="1" latinLnBrk="0" hangingPunct="1">
+            <a:lvl1pPr eaLnBrk="0" hangingPunct="0">
+              <a:defRPr sz="2400">
+                <a:solidFill>
+                  <a:schemeClr val="tx1"/>
+                </a:solidFill>
+                <a:latin typeface="Times New Roman" pitchFamily="18" charset="0"/>
+              </a:defRPr>
+            </a:lvl1pPr>
+            <a:lvl2pPr marL="742950" indent="-285750" eaLnBrk="0" hangingPunct="0">
+              <a:defRPr sz="2400">
+                <a:solidFill>
+                  <a:schemeClr val="tx1"/>
+                </a:solidFill>
+                <a:latin typeface="Times New Roman" pitchFamily="18" charset="0"/>
+              </a:defRPr>
+            </a:lvl2pPr>
+            <a:lvl3pPr marL="1143000" indent="-228600" eaLnBrk="0" hangingPunct="0">
+              <a:defRPr sz="2400">
+                <a:solidFill>
+                  <a:schemeClr val="tx1"/>
+                </a:solidFill>
+                <a:latin typeface="Times New Roman" pitchFamily="18" charset="0"/>
+              </a:defRPr>
+            </a:lvl3pPr>
+            <a:lvl4pPr marL="1600200" indent="-228600" eaLnBrk="0" hangingPunct="0">
+              <a:defRPr sz="2400">
+                <a:solidFill>
+                  <a:schemeClr val="tx1"/>
+                </a:solidFill>
+                <a:latin typeface="Times New Roman" pitchFamily="18" charset="0"/>
+              </a:defRPr>
+            </a:lvl4pPr>
+            <a:lvl5pPr marL="2057400" indent="-228600" eaLnBrk="0" hangingPunct="0">
+              <a:defRPr sz="2400">
+                <a:solidFill>
+                  <a:schemeClr val="tx1"/>
+                </a:solidFill>
+                <a:latin typeface="Times New Roman" pitchFamily="18" charset="0"/>
+              </a:defRPr>
+            </a:lvl5pPr>
+            <a:lvl6pPr marL="2514600" indent="-228600" eaLnBrk="0" fontAlgn="base" hangingPunct="0">
               <a:spcBef>
                 <a:spcPct val="0"/>
               </a:spcBef>
-              <a:buNone/>
-              <a:defRPr sz="4400" kern="1200">
+              <a:spcAft>
+                <a:spcPct val="0"/>
+              </a:spcAft>
+              <a:defRPr sz="2400">
                 <a:solidFill>
                   <a:schemeClr val="tx1"/>
                 </a:solidFill>
-                <a:latin typeface="+mj-lt"/>
-                <a:ea typeface="+mj-ea"/>
-                <a:cs typeface="+mj-cs"/>
+                <a:latin typeface="Times New Roman" pitchFamily="18" charset="0"/>
               </a:defRPr>
-            </a:lvl1pPr>
+            </a:lvl6pPr>
+            <a:lvl7pPr marL="2971800" indent="-228600" eaLnBrk="0" fontAlgn="base" hangingPunct="0">
+              <a:spcBef>
+                <a:spcPct val="0"/>
+              </a:spcBef>
+              <a:spcAft>
+                <a:spcPct val="0"/>
+              </a:spcAft>
+              <a:defRPr sz="2400">
+                <a:solidFill>
+                  <a:schemeClr val="tx1"/>
+                </a:solidFill>
+                <a:latin typeface="Times New Roman" pitchFamily="18" charset="0"/>
+              </a:defRPr>
+            </a:lvl7pPr>
+            <a:lvl8pPr marL="3429000" indent="-228600" eaLnBrk="0" fontAlgn="base" hangingPunct="0">
+              <a:spcBef>
+                <a:spcPct val="0"/>
+              </a:spcBef>
+              <a:spcAft>
+                <a:spcPct val="0"/>
+              </a:spcAft>
+              <a:defRPr sz="2400">
+                <a:solidFill>
+                  <a:schemeClr val="tx1"/>
+                </a:solidFill>
+                <a:latin typeface="Times New Roman" pitchFamily="18" charset="0"/>
+              </a:defRPr>
+            </a:lvl8pPr>
+            <a:lvl9pPr marL="3886200" indent="-228600" eaLnBrk="0" fontAlgn="base" hangingPunct="0">
+              <a:spcBef>
+                <a:spcPct val="0"/>
+              </a:spcBef>
+              <a:spcAft>
+                <a:spcPct val="0"/>
+              </a:spcAft>
+              <a:defRPr sz="2400">
+                <a:solidFill>
+                  <a:schemeClr val="tx1"/>
+                </a:solidFill>
+                <a:latin typeface="Times New Roman" pitchFamily="18" charset="0"/>
+              </a:defRPr>
+            </a:lvl9pPr>
           </a:lstStyle>
           <a:p>
             <a:pPr>
-              <a:defRPr/>
+              <a:lnSpc>
+                <a:spcPct val="150000"/>
+              </a:lnSpc>
             </a:pPr>
             <a:r>
-              <a:rPr lang="es-ES_tradnl" sz="3200" dirty="0">
-                <a:solidFill>
-                  <a:srgbClr val="3333CC"/>
-                </a:solidFill>
-                <a:effectLst>
-                  <a:outerShdw blurRad="38100" dist="38100" dir="2700000" algn="tl">
-                    <a:srgbClr val="C0C0C0"/>
-                  </a:outerShdw>
-                </a:effectLst>
-                <a:latin typeface="Dom Casual" charset="0"/>
-              </a:rPr>
-              <a:t> </a:t>
-            </a:r>
-            <a:r>
-              <a:rPr lang="es-ES_tradnl" sz="3200" b="1" dirty="0">
-                <a:solidFill>
-                  <a:schemeClr val="accent4">
-                    <a:lumMod val="50000"/>
+              <a:rPr lang="es-ES" sz="1600" b="1" dirty="0">
+                <a:solidFill>
+                  <a:schemeClr val="accent6">
+                    <a:lumMod val="75000"/>
                   </a:schemeClr>
                 </a:solidFill>
-                <a:effectLst>
-                  <a:outerShdw blurRad="38100" dist="38100" dir="2700000" algn="tl">
-                    <a:srgbClr val="C0C0C0"/>
-                  </a:outerShdw>
-                </a:effectLst>
-                <a:latin typeface="Dom Casual" charset="0"/>
-              </a:rPr>
-              <a:t>Configuración mínima de un servicio DHCP</a:t>
-            </a:r>
+                <a:latin typeface="Arial" panose="020B0604020202020204" pitchFamily="34" charset="0"/>
+                <a:cs typeface="Arial" panose="020B0604020202020204" pitchFamily="34" charset="0"/>
+              </a:rPr>
+              <a:t>3. Definición del </a:t>
+            </a:r>
+            <a:r>
+              <a:rPr lang="es-ES" sz="1600" b="1" u="sng" dirty="0">
+                <a:solidFill>
+                  <a:schemeClr val="accent6">
+                    <a:lumMod val="75000"/>
+                  </a:schemeClr>
+                </a:solidFill>
+                <a:latin typeface="Arial" panose="020B0604020202020204" pitchFamily="34" charset="0"/>
+                <a:cs typeface="Arial" panose="020B0604020202020204" pitchFamily="34" charset="0"/>
+              </a:rPr>
+              <a:t>puerto troncal</a:t>
+            </a:r>
+          </a:p>
+          <a:p>
+            <a:pPr lvl="1">
+              <a:lnSpc>
+                <a:spcPct val="150000"/>
+              </a:lnSpc>
+            </a:pPr>
+            <a:r>
+              <a:rPr lang="es-ES" sz="1600" b="1" dirty="0">
+                <a:latin typeface="Arial" panose="020B0604020202020204" pitchFamily="34" charset="0"/>
+                <a:cs typeface="Arial" panose="020B0604020202020204" pitchFamily="34" charset="0"/>
+              </a:rPr>
+              <a:t>interface  </a:t>
+            </a:r>
+            <a:r>
+              <a:rPr lang="es-ES" sz="1600" dirty="0">
+                <a:latin typeface="Arial" panose="020B0604020202020204" pitchFamily="34" charset="0"/>
+                <a:cs typeface="Arial" panose="020B0604020202020204" pitchFamily="34" charset="0"/>
+              </a:rPr>
+              <a:t>Nombre_Interfaz</a:t>
+            </a:r>
+          </a:p>
+          <a:p>
+            <a:pPr lvl="1">
+              <a:lnSpc>
+                <a:spcPct val="150000"/>
+              </a:lnSpc>
+            </a:pPr>
+            <a:r>
+              <a:rPr lang="es-ES" sz="1600" b="1" dirty="0">
+                <a:latin typeface="Arial" panose="020B0604020202020204" pitchFamily="34" charset="0"/>
+                <a:cs typeface="Arial" panose="020B0604020202020204" pitchFamily="34" charset="0"/>
+              </a:rPr>
+              <a:t>switchport mode </a:t>
+            </a:r>
+            <a:r>
+              <a:rPr lang="es-ES" sz="1600" b="1" dirty="0">
+                <a:solidFill>
+                  <a:srgbClr val="FF0000"/>
+                </a:solidFill>
+                <a:latin typeface="Arial" panose="020B0604020202020204" pitchFamily="34" charset="0"/>
+                <a:cs typeface="Arial" panose="020B0604020202020204" pitchFamily="34" charset="0"/>
+              </a:rPr>
+              <a:t>trunk</a:t>
+            </a:r>
+          </a:p>
+          <a:p>
+            <a:pPr lvl="1">
+              <a:lnSpc>
+                <a:spcPct val="150000"/>
+              </a:lnSpc>
+            </a:pPr>
+            <a:r>
+              <a:rPr lang="es-ES" sz="1600" b="1" dirty="0">
+                <a:latin typeface="Arial" panose="020B0604020202020204" pitchFamily="34" charset="0"/>
+                <a:cs typeface="Arial" panose="020B0604020202020204" pitchFamily="34" charset="0"/>
+              </a:rPr>
+              <a:t>no shut</a:t>
+            </a:r>
+            <a:endParaRPr lang="es-MX" sz="1800" b="1" dirty="0">
+              <a:solidFill>
+                <a:schemeClr val="bg2">
+                  <a:lumMod val="25000"/>
+                </a:schemeClr>
+              </a:solidFill>
+              <a:latin typeface="Arial" panose="020B0604020202020204" pitchFamily="34" charset="0"/>
+              <a:cs typeface="Arial" panose="020B0604020202020204" pitchFamily="34" charset="0"/>
+            </a:endParaRPr>
           </a:p>
         </p:txBody>
       </p:sp>
     </p:spTree>
     <p:extLst>
       <p:ext uri="{BB962C8B-B14F-4D97-AF65-F5344CB8AC3E}">
-        <p14:creationId xmlns:p14="http://schemas.microsoft.com/office/powerpoint/2010/main" val="2220096870"/>
+        <p14:creationId xmlns:p14="http://schemas.microsoft.com/office/powerpoint/2010/main" val="2290387677"/>
       </p:ext>
     </p:extLst>
   </p:cSld>
@@ -3574,7 +3654,52 @@
                                           </p:stCondLst>
                                         </p:cTn>
                                         <p:tgtEl>
-                                          <p:spTgt spid="35845"/>
+                                          <p:spTgt spid="4"/>
+                                        </p:tgtEl>
+                                        <p:attrNameLst>
+                                          <p:attrName>style.visibility</p:attrName>
+                                        </p:attrNameLst>
+                                      </p:cBhvr>
+                                      <p:to>
+                                        <p:strVal val="visible"/>
+                                      </p:to>
+                                    </p:set>
+                                  </p:childTnLst>
+                                </p:cTn>
+                              </p:par>
+                            </p:childTnLst>
+                          </p:cTn>
+                        </p:par>
+                      </p:childTnLst>
+                    </p:cTn>
+                  </p:par>
+                  <p:par>
+                    <p:cTn id="7" fill="hold">
+                      <p:stCondLst>
+                        <p:cond delay="indefinite"/>
+                      </p:stCondLst>
+                      <p:childTnLst>
+                        <p:par>
+                          <p:cTn id="8" fill="hold">
+                            <p:stCondLst>
+                              <p:cond delay="0"/>
+                            </p:stCondLst>
+                            <p:childTnLst>
+                              <p:par>
+                                <p:cTn id="9" presetID="1" presetClass="entr" presetSubtype="0" fill="hold" grpId="0" nodeType="clickEffect">
+                                  <p:stCondLst>
+                                    <p:cond delay="0"/>
+                                  </p:stCondLst>
+                                  <p:childTnLst>
+                                    <p:set>
+                                      <p:cBhvr>
+                                        <p:cTn id="10" dur="1" fill="hold">
+                                          <p:stCondLst>
+                                            <p:cond delay="0"/>
+                                          </p:stCondLst>
+                                        </p:cTn>
+                                        <p:tgtEl>
+                                          <p:spTgt spid="8"/>
                                         </p:tgtEl>
                                         <p:attrNameLst>
                                           <p:attrName>style.visibility</p:attrName>
@@ -3615,7 +3740,8 @@
       </p:par>
     </p:tnLst>
     <p:bldLst>
-      <p:bldP spid="35845" grpId="0"/>
+      <p:bldP spid="4" grpId="0"/>
+      <p:bldP spid="8" grpId="0"/>
     </p:bldLst>
   </p:timing>
 </p:sld>
@@ -5225,7 +5351,7 @@
         </p:blipFill>
         <p:spPr>
           <a:xfrm>
-            <a:off x="8763000" y="1371600"/>
+            <a:off x="8839200" y="1294041"/>
             <a:ext cx="2895600" cy="2173059"/>
           </a:xfrm>
           <a:prstGeom prst="rect">
@@ -5322,7 +5448,7 @@
         <p:spPr>
           <a:xfrm>
             <a:off x="826740" y="842431"/>
-            <a:ext cx="10287000" cy="5709255"/>
+            <a:ext cx="8393460" cy="5709255"/>
           </a:xfrm>
           <a:prstGeom prst="rect">
             <a:avLst/>
@@ -5358,7 +5484,7 @@
           <a:p>
             <a:r>
               <a:rPr lang="es-MX" b="1" dirty="0"/>
-              <a:t>De                     Hacia	Dirección IP	Ping </a:t>
+              <a:t>De                     Hacia	 Dirección IP	Ping </a:t>
             </a:r>
             <a:r>
               <a:rPr lang="es-MX" b="1" dirty="0" err="1"/>
@@ -5400,7 +5526,7 @@
           <a:p>
             <a:r>
               <a:rPr lang="es-MX" dirty="0"/>
-              <a:t>Printer1            pisos.com        193.168.1.145</a:t>
+              <a:t>Printer1            pisos.com         193.168.1.145</a:t>
             </a:r>
           </a:p>
           <a:p>
@@ -6618,7 +6744,7 @@
         </p:nvSpPr>
         <p:spPr>
           <a:xfrm>
-            <a:off x="685800" y="1361747"/>
+            <a:off x="742950" y="1277144"/>
             <a:ext cx="11053119" cy="3510961"/>
           </a:xfrm>
           <a:prstGeom prst="rect">
@@ -7317,6 +7443,13 @@
               <a:t>,</a:t>
             </a:r>
             <a:r>
+              <a:rPr lang="es-MX" sz="2000" spc="-10" dirty="0">
+                <a:latin typeface="Calibri"/>
+                <a:cs typeface="Calibri"/>
+              </a:rPr>
+              <a:t>s</a:t>
+            </a:r>
+            <a:r>
               <a:rPr sz="2000" spc="-25" dirty="0">
                 <a:latin typeface="Calibri"/>
                 <a:cs typeface="Calibri"/>
@@ -7352,11 +7485,11 @@
               <a:t>s</a:t>
             </a:r>
             <a:r>
-              <a:rPr sz="2000" spc="-10" dirty="0">
-                <a:latin typeface="Calibri"/>
-                <a:cs typeface="Calibri"/>
-              </a:rPr>
-              <a:t>,</a:t>
+              <a:rPr lang="es-MX" sz="2000" spc="-5" dirty="0">
+                <a:latin typeface="Calibri"/>
+                <a:cs typeface="Calibri"/>
+              </a:rPr>
+              <a:t> y</a:t>
             </a:r>
             <a:r>
               <a:rPr sz="2000" spc="-5" dirty="0">
@@ -7406,207 +7539,214 @@
               <a:t>Las tres </a:t>
             </a:r>
             <a:r>
+              <a:rPr lang="es-MX" sz="2000" b="1" spc="-5" dirty="0" err="1">
+                <a:latin typeface="Calibri"/>
+                <a:cs typeface="Calibri"/>
+              </a:rPr>
+              <a:t>VLANs</a:t>
+            </a:r>
+            <a:r>
+              <a:rPr lang="es-MX" sz="2000" spc="-5" dirty="0">
+                <a:latin typeface="Calibri"/>
+                <a:cs typeface="Calibri"/>
+              </a:rPr>
+              <a:t> (M</a:t>
+            </a:r>
+            <a:r>
+              <a:rPr lang="es-MX" sz="2000" spc="5" dirty="0">
+                <a:latin typeface="Calibri"/>
+                <a:cs typeface="Calibri"/>
+              </a:rPr>
+              <a:t>a</a:t>
+            </a:r>
+            <a:r>
+              <a:rPr lang="es-MX" sz="2000" spc="-5" dirty="0">
+                <a:latin typeface="Calibri"/>
+                <a:cs typeface="Calibri"/>
+              </a:rPr>
+              <a:t>na</a:t>
+            </a:r>
+            <a:r>
+              <a:rPr lang="es-MX" sz="2000" spc="-25" dirty="0">
+                <a:latin typeface="Calibri"/>
+                <a:cs typeface="Calibri"/>
+              </a:rPr>
+              <a:t>g</a:t>
+            </a:r>
+            <a:r>
+              <a:rPr lang="es-MX" sz="2000" spc="-15" dirty="0">
+                <a:latin typeface="Calibri"/>
+                <a:cs typeface="Calibri"/>
+              </a:rPr>
+              <a:t>e</a:t>
+            </a:r>
+            <a:r>
+              <a:rPr lang="es-MX" sz="2000" spc="-210" dirty="0">
+                <a:latin typeface="Calibri"/>
+                <a:cs typeface="Calibri"/>
+              </a:rPr>
+              <a:t>rs</a:t>
+            </a:r>
+            <a:r>
+              <a:rPr lang="es-MX" sz="2000" spc="-10" dirty="0">
+                <a:latin typeface="Calibri"/>
+                <a:cs typeface="Calibri"/>
+              </a:rPr>
+              <a:t>,</a:t>
+            </a:r>
+            <a:r>
+              <a:rPr lang="es-MX" sz="2000" spc="-25" dirty="0">
+                <a:latin typeface="Calibri"/>
+                <a:cs typeface="Calibri"/>
+              </a:rPr>
+              <a:t> </a:t>
+            </a:r>
+            <a:r>
+              <a:rPr lang="es-MX" sz="2000" spc="-20" dirty="0" err="1">
+                <a:latin typeface="Calibri"/>
+                <a:cs typeface="Calibri"/>
+              </a:rPr>
+              <a:t>Us</a:t>
+            </a:r>
+            <a:r>
+              <a:rPr lang="es-MX" sz="2000" spc="-15" dirty="0" err="1">
+                <a:latin typeface="Calibri"/>
+                <a:cs typeface="Calibri"/>
+              </a:rPr>
+              <a:t>e</a:t>
+            </a:r>
+            <a:r>
+              <a:rPr lang="es-MX" sz="2000" spc="-40" dirty="0" err="1">
+                <a:latin typeface="Calibri"/>
+                <a:cs typeface="Calibri"/>
+              </a:rPr>
+              <a:t>r</a:t>
+            </a:r>
+            <a:r>
               <a:rPr lang="es-MX" sz="2000" spc="-5" dirty="0" err="1">
                 <a:latin typeface="Calibri"/>
                 <a:cs typeface="Calibri"/>
               </a:rPr>
-              <a:t>VLANs</a:t>
+              <a:t>s</a:t>
             </a:r>
             <a:r>
               <a:rPr lang="es-MX" sz="2000" spc="-5" dirty="0">
                 <a:latin typeface="Calibri"/>
                 <a:cs typeface="Calibri"/>
               </a:rPr>
-              <a:t> (M</a:t>
+              <a:t> y S</a:t>
             </a:r>
             <a:r>
               <a:rPr lang="es-MX" sz="2000" spc="5" dirty="0">
                 <a:latin typeface="Calibri"/>
                 <a:cs typeface="Calibri"/>
               </a:rPr>
+              <a:t>er</a:t>
+            </a:r>
+            <a:r>
+              <a:rPr lang="es-MX" sz="2000" spc="-10" dirty="0">
+                <a:latin typeface="Calibri"/>
+                <a:cs typeface="Calibri"/>
+              </a:rPr>
+              <a:t>vice</a:t>
+            </a:r>
+            <a:r>
+              <a:rPr lang="es-MX" sz="2000" dirty="0">
+                <a:latin typeface="Calibri"/>
+                <a:cs typeface="Calibri"/>
+              </a:rPr>
+              <a:t>s) </a:t>
+            </a:r>
+            <a:r>
+              <a:rPr lang="es-MX" sz="2000" spc="-5" dirty="0">
+                <a:latin typeface="Calibri"/>
+                <a:cs typeface="Calibri"/>
+              </a:rPr>
+              <a:t>obtendrán </a:t>
+            </a:r>
+            <a:r>
+              <a:rPr sz="2000" spc="-5" dirty="0" err="1">
+                <a:latin typeface="Calibri"/>
+                <a:cs typeface="Calibri"/>
+              </a:rPr>
+              <a:t>di</a:t>
+            </a:r>
+            <a:r>
+              <a:rPr sz="2000" spc="-35" dirty="0" err="1">
+                <a:latin typeface="Calibri"/>
+                <a:cs typeface="Calibri"/>
+              </a:rPr>
+              <a:t>r</a:t>
+            </a:r>
+            <a:r>
+              <a:rPr sz="2000" spc="-15" dirty="0" err="1">
+                <a:latin typeface="Calibri"/>
+                <a:cs typeface="Calibri"/>
+              </a:rPr>
+              <a:t>e</a:t>
+            </a:r>
+            <a:r>
+              <a:rPr sz="2000" spc="-10" dirty="0" err="1">
+                <a:latin typeface="Calibri"/>
+                <a:cs typeface="Calibri"/>
+              </a:rPr>
+              <a:t>c</a:t>
+            </a:r>
+            <a:r>
+              <a:rPr sz="2000" dirty="0" err="1">
+                <a:latin typeface="Calibri"/>
+                <a:cs typeface="Calibri"/>
+              </a:rPr>
+              <a:t>ci</a:t>
+            </a:r>
+            <a:r>
+              <a:rPr lang="es-MX" sz="2000" dirty="0" err="1">
+                <a:latin typeface="Calibri"/>
+                <a:cs typeface="Calibri"/>
+              </a:rPr>
+              <a:t>ones</a:t>
+            </a:r>
+            <a:r>
+              <a:rPr sz="2000" spc="-15" dirty="0">
+                <a:latin typeface="Calibri"/>
+                <a:cs typeface="Calibri"/>
+              </a:rPr>
+              <a:t> IP</a:t>
+            </a:r>
+            <a:r>
+              <a:rPr sz="2000" spc="-10" dirty="0">
+                <a:latin typeface="Calibri"/>
+                <a:cs typeface="Calibri"/>
+              </a:rPr>
+              <a:t> </a:t>
+            </a:r>
+            <a:r>
+              <a:rPr sz="2000" spc="-5" dirty="0" err="1">
+                <a:latin typeface="Calibri"/>
+                <a:cs typeface="Calibri"/>
+              </a:rPr>
+              <a:t>dinámi</a:t>
+            </a:r>
+            <a:r>
+              <a:rPr sz="2000" spc="-10" dirty="0" err="1">
+                <a:latin typeface="Calibri"/>
+                <a:cs typeface="Calibri"/>
+              </a:rPr>
+              <a:t>c</a:t>
+            </a:r>
+            <a:r>
+              <a:rPr sz="2000" dirty="0" err="1">
+                <a:latin typeface="Calibri"/>
+                <a:cs typeface="Calibri"/>
+              </a:rPr>
               <a:t>a</a:t>
             </a:r>
             <a:r>
-              <a:rPr lang="es-MX" sz="2000" spc="-5" dirty="0">
-                <a:latin typeface="Calibri"/>
-                <a:cs typeface="Calibri"/>
-              </a:rPr>
-              <a:t>na</a:t>
-            </a:r>
-            <a:r>
-              <a:rPr lang="es-MX" sz="2000" spc="-25" dirty="0">
-                <a:latin typeface="Calibri"/>
-                <a:cs typeface="Calibri"/>
-              </a:rPr>
-              <a:t>g</a:t>
-            </a:r>
-            <a:r>
-              <a:rPr lang="es-MX" sz="2000" spc="-15" dirty="0">
-                <a:latin typeface="Calibri"/>
-                <a:cs typeface="Calibri"/>
-              </a:rPr>
-              <a:t>e</a:t>
-            </a:r>
-            <a:r>
-              <a:rPr lang="es-MX" sz="2000" spc="-210" dirty="0">
-                <a:latin typeface="Calibri"/>
-                <a:cs typeface="Calibri"/>
-              </a:rPr>
-              <a:t>r</a:t>
-            </a:r>
-            <a:r>
-              <a:rPr lang="es-MX" sz="2000" spc="-10" dirty="0">
-                <a:latin typeface="Calibri"/>
-                <a:cs typeface="Calibri"/>
-              </a:rPr>
-              <a:t>,</a:t>
-            </a:r>
-            <a:r>
-              <a:rPr lang="es-MX" sz="2000" spc="-25" dirty="0">
-                <a:latin typeface="Calibri"/>
-                <a:cs typeface="Calibri"/>
-              </a:rPr>
-              <a:t> </a:t>
-            </a:r>
-            <a:r>
-              <a:rPr lang="es-MX" sz="2000" spc="-20" dirty="0" err="1">
-                <a:latin typeface="Calibri"/>
-                <a:cs typeface="Calibri"/>
-              </a:rPr>
-              <a:t>Us</a:t>
-            </a:r>
-            <a:r>
-              <a:rPr lang="es-MX" sz="2000" spc="-15" dirty="0" err="1">
-                <a:latin typeface="Calibri"/>
-                <a:cs typeface="Calibri"/>
-              </a:rPr>
-              <a:t>e</a:t>
-            </a:r>
-            <a:r>
-              <a:rPr lang="es-MX" sz="2000" spc="-40" dirty="0" err="1">
-                <a:latin typeface="Calibri"/>
-                <a:cs typeface="Calibri"/>
-              </a:rPr>
-              <a:t>r</a:t>
-            </a:r>
-            <a:r>
-              <a:rPr lang="es-MX" sz="2000" spc="-5" dirty="0" err="1">
+              <a:rPr lang="es-MX" sz="2000" dirty="0">
                 <a:latin typeface="Calibri"/>
                 <a:cs typeface="Calibri"/>
               </a:rPr>
               <a:t>s</a:t>
-            </a:r>
-            <a:r>
-              <a:rPr lang="es-MX" sz="2000" spc="-10" dirty="0">
-                <a:latin typeface="Calibri"/>
-                <a:cs typeface="Calibri"/>
-              </a:rPr>
-              <a:t>,</a:t>
-            </a:r>
-            <a:r>
-              <a:rPr lang="es-MX" sz="2000" spc="-5" dirty="0">
-                <a:latin typeface="Calibri"/>
-                <a:cs typeface="Calibri"/>
-              </a:rPr>
-              <a:t> S</a:t>
-            </a:r>
-            <a:r>
-              <a:rPr lang="es-MX" sz="2000" spc="5" dirty="0">
-                <a:latin typeface="Calibri"/>
-                <a:cs typeface="Calibri"/>
-              </a:rPr>
-              <a:t>er</a:t>
-            </a:r>
-            <a:r>
-              <a:rPr lang="es-MX" sz="2000" spc="-10" dirty="0">
-                <a:latin typeface="Calibri"/>
-                <a:cs typeface="Calibri"/>
-              </a:rPr>
-              <a:t>vice</a:t>
-            </a:r>
-            <a:r>
-              <a:rPr lang="es-MX" sz="2000" dirty="0">
-                <a:latin typeface="Calibri"/>
-                <a:cs typeface="Calibri"/>
-              </a:rPr>
-              <a:t>s) </a:t>
-            </a:r>
-            <a:r>
-              <a:rPr lang="es-MX" sz="2000" spc="-5" dirty="0">
-                <a:latin typeface="Calibri"/>
-                <a:cs typeface="Calibri"/>
-              </a:rPr>
-              <a:t>obtendrán </a:t>
-            </a:r>
-            <a:r>
-              <a:rPr sz="2000" spc="-5" dirty="0" err="1">
-                <a:latin typeface="Calibri"/>
-                <a:cs typeface="Calibri"/>
-              </a:rPr>
-              <a:t>di</a:t>
-            </a:r>
-            <a:r>
-              <a:rPr sz="2000" spc="-35" dirty="0" err="1">
-                <a:latin typeface="Calibri"/>
-                <a:cs typeface="Calibri"/>
-              </a:rPr>
-              <a:t>r</a:t>
-            </a:r>
-            <a:r>
-              <a:rPr sz="2000" spc="-15" dirty="0" err="1">
-                <a:latin typeface="Calibri"/>
-                <a:cs typeface="Calibri"/>
-              </a:rPr>
-              <a:t>e</a:t>
-            </a:r>
-            <a:r>
-              <a:rPr sz="2000" spc="-10" dirty="0" err="1">
-                <a:latin typeface="Calibri"/>
-                <a:cs typeface="Calibri"/>
-              </a:rPr>
-              <a:t>c</a:t>
-            </a:r>
-            <a:r>
-              <a:rPr sz="2000" dirty="0" err="1">
-                <a:latin typeface="Calibri"/>
-                <a:cs typeface="Calibri"/>
-              </a:rPr>
-              <a:t>ción</a:t>
-            </a:r>
-            <a:r>
-              <a:rPr sz="2000" spc="-15" dirty="0">
-                <a:latin typeface="Calibri"/>
-                <a:cs typeface="Calibri"/>
-              </a:rPr>
-              <a:t> IP</a:t>
-            </a:r>
-            <a:r>
-              <a:rPr sz="2000" spc="-10" dirty="0">
-                <a:latin typeface="Calibri"/>
-                <a:cs typeface="Calibri"/>
-              </a:rPr>
-              <a:t> </a:t>
-            </a:r>
-            <a:r>
-              <a:rPr sz="2000" spc="-5" dirty="0">
-                <a:latin typeface="Calibri"/>
-                <a:cs typeface="Calibri"/>
-              </a:rPr>
-              <a:t>dinámi</a:t>
-            </a:r>
-            <a:r>
-              <a:rPr sz="2000" spc="-10" dirty="0">
-                <a:latin typeface="Calibri"/>
-                <a:cs typeface="Calibri"/>
-              </a:rPr>
-              <a:t>c</a:t>
-            </a:r>
-            <a:r>
-              <a:rPr sz="2000" dirty="0">
-                <a:latin typeface="Calibri"/>
-                <a:cs typeface="Calibri"/>
-              </a:rPr>
-              <a:t>a</a:t>
             </a:r>
             <a:r>
               <a:rPr sz="2000" spc="-10" dirty="0">
@@ -11527,14 +11667,28 @@
                 <a:latin typeface="Arial" panose="020B0604020202020204" pitchFamily="34" charset="0"/>
                 <a:cs typeface="Arial" panose="020B0604020202020204" pitchFamily="34" charset="0"/>
               </a:rPr>
-              <a:t>subinteface asociada </a:t>
+              <a:t>subinteface </a:t>
             </a:r>
             <a:r>
               <a:rPr lang="es-ES" sz="1400" dirty="0">
                 <a:latin typeface="Arial" panose="020B0604020202020204" pitchFamily="34" charset="0"/>
                 <a:cs typeface="Arial" panose="020B0604020202020204" pitchFamily="34" charset="0"/>
               </a:rPr>
-              <a:t>con la vlan </a:t>
+              <a:t>asociada con la </a:t>
+            </a:r>
+            <a:r>
+              <a:rPr lang="es-ES" sz="1400" dirty="0" err="1">
+                <a:latin typeface="Arial" panose="020B0604020202020204" pitchFamily="34" charset="0"/>
+                <a:cs typeface="Arial" panose="020B0604020202020204" pitchFamily="34" charset="0"/>
+              </a:rPr>
+              <a:t>vlan</a:t>
+            </a:r>
+            <a:r>
+              <a:rPr lang="es-ES" sz="1400" dirty="0">
+                <a:latin typeface="Arial" panose="020B0604020202020204" pitchFamily="34" charset="0"/>
+                <a:cs typeface="Arial" panose="020B0604020202020204" pitchFamily="34" charset="0"/>
+              </a:rPr>
+              <a:t> </a:t>
             </a:r>
             <a:r>
               <a:rPr lang="es-ES" sz="1400" b="1" dirty="0">
@@ -11543,13 +11697,10 @@
               </a:rPr>
               <a:t>g0/0.10</a:t>
             </a:r>
-            <a:r>
-              <a:rPr lang="es-ES" sz="1400" dirty="0">
-                <a:latin typeface="Arial" panose="020B0604020202020204" pitchFamily="34" charset="0"/>
-                <a:cs typeface="Arial" panose="020B0604020202020204" pitchFamily="34" charset="0"/>
-              </a:rPr>
-              <a:t>.</a:t>
-            </a:r>
+            <a:endParaRPr lang="es-ES" sz="1400" dirty="0">
+              <a:latin typeface="Arial" panose="020B0604020202020204" pitchFamily="34" charset="0"/>
+              <a:cs typeface="Arial" panose="020B0604020202020204" pitchFamily="34" charset="0"/>
+            </a:endParaRPr>
           </a:p>
           <a:p>
             <a:pPr marL="285750" indent="-285750">
@@ -12281,6 +12432,76 @@
           <a:chExt cx="0" cy="0"/>
         </a:xfrm>
       </p:grpSpPr>
+      <p:pic>
+        <p:nvPicPr>
+          <p:cNvPr id="7" name="Picture 6">
+            <a:extLst>
+              <a:ext uri="{FF2B5EF4-FFF2-40B4-BE49-F238E27FC236}">
+                <a16:creationId xmlns:a16="http://schemas.microsoft.com/office/drawing/2014/main" id="{B916FC02-F353-5C1B-DED7-13384B338C83}"/>
+              </a:ext>
+            </a:extLst>
+          </p:cNvPr>
+          <p:cNvPicPr>
+            <a:picLocks noChangeAspect="1"/>
+          </p:cNvPicPr>
+          <p:nvPr/>
+        </p:nvPicPr>
+        <p:blipFill>
+          <a:blip r:embed="rId3"/>
+          <a:stretch>
+            <a:fillRect/>
+          </a:stretch>
+        </p:blipFill>
+        <p:spPr>
+          <a:xfrm>
+            <a:off x="3581400" y="1981200"/>
+            <a:ext cx="7696200" cy="4373642"/>
+          </a:xfrm>
+          <a:prstGeom prst="rect">
+            <a:avLst/>
+          </a:prstGeom>
+        </p:spPr>
+      </p:pic>
+      <p:sp>
+        <p:nvSpPr>
+          <p:cNvPr id="2" name="object 2"/>
+          <p:cNvSpPr txBox="1"/>
+          <p:nvPr/>
+        </p:nvSpPr>
+        <p:spPr>
+          <a:xfrm>
+            <a:off x="2743200" y="326195"/>
+            <a:ext cx="6011227" cy="492443"/>
+          </a:xfrm>
+          <a:prstGeom prst="rect">
+            <a:avLst/>
+          </a:prstGeom>
+        </p:spPr>
+        <p:txBody>
+          <a:bodyPr vert="horz" wrap="square" lIns="0" tIns="0" rIns="0" bIns="0" rtlCol="0">
+            <a:spAutoFit/>
+          </a:bodyPr>
+          <a:lstStyle/>
+          <a:p>
+            <a:pPr marL="12700">
+              <a:lnSpc>
+                <a:spcPct val="100000"/>
+              </a:lnSpc>
+            </a:pPr>
+            <a:r>
+              <a:rPr lang="es-ES" sz="3200" b="1" spc="-25" dirty="0">
+                <a:latin typeface="Calibri"/>
+                <a:cs typeface="Calibri"/>
+              </a:rPr>
+              <a:t>Configuración del servicio de DHCP</a:t>
+            </a:r>
+            <a:endParaRPr sz="3200" dirty="0">
+              <a:latin typeface="Calibri"/>
+              <a:cs typeface="Calibri"/>
+            </a:endParaRPr>
+          </a:p>
+        </p:txBody>
+      </p:sp>
       <p:sp>
         <p:nvSpPr>
           <p:cNvPr id="9" name="7 CuadroTexto">
@@ -12297,8 +12518,8 @@
         </p:nvSpPr>
         <p:spPr bwMode="auto">
           <a:xfrm>
-            <a:off x="533400" y="1154668"/>
-            <a:ext cx="9448800" cy="1677895"/>
+            <a:off x="762000" y="990593"/>
+            <a:ext cx="10820400" cy="1524007"/>
           </a:xfrm>
           <a:prstGeom prst="rect">
             <a:avLst/>
@@ -12430,48 +12651,50 @@
             </a:lvl9pPr>
           </a:lstStyle>
           <a:p>
-            <a:pPr>
+            <a:pPr marL="342900" indent="-342900">
               <a:lnSpc>
                 <a:spcPct val="150000"/>
               </a:lnSpc>
-              <a:spcAft>
-                <a:spcPts val="1200"/>
-              </a:spcAft>
+              <a:buAutoNum type="arabicPeriod"/>
             </a:pPr>
             <a:r>
-              <a:rPr lang="es-ES" sz="1600" dirty="0">
-                <a:latin typeface="Arial" panose="020B0604020202020204" pitchFamily="34" charset="0"/>
-                <a:cs typeface="Arial" panose="020B0604020202020204" pitchFamily="34" charset="0"/>
-              </a:rPr>
-              <a:t>Pasos para configurar las </a:t>
-            </a:r>
-            <a:r>
-              <a:rPr lang="es-ES" sz="1600" b="1" dirty="0">
-                <a:latin typeface="Arial" panose="020B0604020202020204" pitchFamily="34" charset="0"/>
-                <a:cs typeface="Arial" panose="020B0604020202020204" pitchFamily="34" charset="0"/>
-              </a:rPr>
-              <a:t>VLANs </a:t>
-            </a:r>
-            <a:r>
-              <a:rPr lang="es-ES" sz="1600" dirty="0">
-                <a:latin typeface="Arial" panose="020B0604020202020204" pitchFamily="34" charset="0"/>
-                <a:cs typeface="Arial" panose="020B0604020202020204" pitchFamily="34" charset="0"/>
-              </a:rPr>
-              <a:t>en el </a:t>
-            </a:r>
-            <a:r>
-              <a:rPr lang="es-ES" sz="1600" b="1" dirty="0">
-                <a:latin typeface="Arial" panose="020B0604020202020204" pitchFamily="34" charset="0"/>
-                <a:cs typeface="Arial" panose="020B0604020202020204" pitchFamily="34" charset="0"/>
-              </a:rPr>
-              <a:t>switch</a:t>
-            </a:r>
-            <a:r>
-              <a:rPr lang="es-ES" sz="1600" dirty="0">
-                <a:latin typeface="Arial" panose="020B0604020202020204" pitchFamily="34" charset="0"/>
-                <a:cs typeface="Arial" panose="020B0604020202020204" pitchFamily="34" charset="0"/>
-              </a:rPr>
-              <a:t>:</a:t>
+              <a:rPr lang="es-ES_tradnl" sz="1600" dirty="0">
+                <a:solidFill>
+                  <a:schemeClr val="tx1">
+                    <a:lumMod val="95000"/>
+                    <a:lumOff val="5000"/>
+                  </a:schemeClr>
+                </a:solidFill>
+                <a:latin typeface="Arial" panose="020B0604020202020204" pitchFamily="34" charset="0"/>
+                <a:cs typeface="Arial" panose="020B0604020202020204" pitchFamily="34" charset="0"/>
+              </a:rPr>
+              <a:t>Tenemos tres subredes asociadas con las </a:t>
+            </a:r>
+            <a:r>
+              <a:rPr lang="es-ES_tradnl" sz="1600" b="1" dirty="0">
+                <a:solidFill>
+                  <a:schemeClr val="tx1">
+                    <a:lumMod val="95000"/>
+                    <a:lumOff val="5000"/>
+                  </a:schemeClr>
+                </a:solidFill>
+                <a:latin typeface="Arial" panose="020B0604020202020204" pitchFamily="34" charset="0"/>
+                <a:cs typeface="Arial" panose="020B0604020202020204" pitchFamily="34" charset="0"/>
+              </a:rPr>
+              <a:t>VLANs 10, 20 y 30</a:t>
+            </a:r>
+            <a:r>
+              <a:rPr lang="es-ES_tradnl" sz="1600" dirty="0">
+                <a:solidFill>
+                  <a:schemeClr val="tx1">
+                    <a:lumMod val="95000"/>
+                    <a:lumOff val="5000"/>
+                  </a:schemeClr>
+                </a:solidFill>
+                <a:latin typeface="Arial" panose="020B0604020202020204" pitchFamily="34" charset="0"/>
+                <a:cs typeface="Arial" panose="020B0604020202020204" pitchFamily="34" charset="0"/>
+              </a:rPr>
+              <a:t>. </a:t>
             </a:r>
           </a:p>
           <a:p>
@@ -12479,36 +12702,357 @@
               <a:lnSpc>
                 <a:spcPct val="150000"/>
               </a:lnSpc>
-              <a:buFont typeface="+mj-lt"/>
               <a:buAutoNum type="arabicPeriod"/>
             </a:pPr>
             <a:r>
-              <a:rPr lang="es-ES" sz="1600" dirty="0">
-                <a:latin typeface="Arial" panose="020B0604020202020204" pitchFamily="34" charset="0"/>
-                <a:cs typeface="Arial" panose="020B0604020202020204" pitchFamily="34" charset="0"/>
-              </a:rPr>
-              <a:t>Crear la </a:t>
-            </a:r>
-            <a:r>
-              <a:rPr lang="es-ES" sz="1600" b="1" dirty="0">
-                <a:latin typeface="Arial" panose="020B0604020202020204" pitchFamily="34" charset="0"/>
-                <a:cs typeface="Arial" panose="020B0604020202020204" pitchFamily="34" charset="0"/>
-              </a:rPr>
-              <a:t>base de datos </a:t>
-            </a:r>
-            <a:r>
-              <a:rPr lang="es-ES" sz="1600" dirty="0">
-                <a:latin typeface="Arial" panose="020B0604020202020204" pitchFamily="34" charset="0"/>
-                <a:cs typeface="Arial" panose="020B0604020202020204" pitchFamily="34" charset="0"/>
-              </a:rPr>
-              <a:t>de las </a:t>
-            </a:r>
-            <a:r>
-              <a:rPr lang="es-ES" sz="1600" b="1" dirty="0">
+              <a:rPr lang="es-MX" sz="1600" spc="-5" dirty="0">
+                <a:solidFill>
+                  <a:prstClr val="black"/>
+                </a:solidFill>
+                <a:latin typeface="Arial" panose="020B0604020202020204" pitchFamily="34" charset="0"/>
+                <a:cs typeface="Arial" panose="020B0604020202020204" pitchFamily="34" charset="0"/>
+              </a:rPr>
+              <a:t>Las tres </a:t>
+            </a:r>
+            <a:r>
+              <a:rPr lang="es-MX" sz="1600" spc="-5" dirty="0" err="1">
+                <a:solidFill>
+                  <a:prstClr val="black"/>
+                </a:solidFill>
                 <a:latin typeface="Arial" panose="020B0604020202020204" pitchFamily="34" charset="0"/>
                 <a:cs typeface="Arial" panose="020B0604020202020204" pitchFamily="34" charset="0"/>
               </a:rPr>
               <a:t>VLANs</a:t>
+            </a:r>
+            <a:r>
+              <a:rPr lang="es-MX" sz="1600" spc="-5" dirty="0">
+                <a:solidFill>
+                  <a:prstClr val="black"/>
+                </a:solidFill>
+                <a:latin typeface="Arial" panose="020B0604020202020204" pitchFamily="34" charset="0"/>
+                <a:cs typeface="Arial" panose="020B0604020202020204" pitchFamily="34" charset="0"/>
+              </a:rPr>
+              <a:t> (</a:t>
+            </a:r>
+            <a:r>
+              <a:rPr lang="es-MX" sz="1600" b="1" spc="-5" dirty="0">
+                <a:solidFill>
+                  <a:prstClr val="black"/>
+                </a:solidFill>
+                <a:latin typeface="Arial" panose="020B0604020202020204" pitchFamily="34" charset="0"/>
+                <a:cs typeface="Arial" panose="020B0604020202020204" pitchFamily="34" charset="0"/>
+              </a:rPr>
+              <a:t>M</a:t>
+            </a:r>
+            <a:r>
+              <a:rPr lang="es-MX" sz="1600" b="1" spc="5" dirty="0">
+                <a:solidFill>
+                  <a:prstClr val="black"/>
+                </a:solidFill>
+                <a:latin typeface="Arial" panose="020B0604020202020204" pitchFamily="34" charset="0"/>
+                <a:cs typeface="Arial" panose="020B0604020202020204" pitchFamily="34" charset="0"/>
+              </a:rPr>
+              <a:t>a</a:t>
+            </a:r>
+            <a:r>
+              <a:rPr lang="es-MX" sz="1600" b="1" spc="-5" dirty="0">
+                <a:solidFill>
+                  <a:prstClr val="black"/>
+                </a:solidFill>
+                <a:latin typeface="Arial" panose="020B0604020202020204" pitchFamily="34" charset="0"/>
+                <a:cs typeface="Arial" panose="020B0604020202020204" pitchFamily="34" charset="0"/>
+              </a:rPr>
+              <a:t>na</a:t>
+            </a:r>
+            <a:r>
+              <a:rPr lang="es-MX" sz="1600" b="1" spc="-25" dirty="0">
+                <a:solidFill>
+                  <a:prstClr val="black"/>
+                </a:solidFill>
+                <a:latin typeface="Arial" panose="020B0604020202020204" pitchFamily="34" charset="0"/>
+                <a:cs typeface="Arial" panose="020B0604020202020204" pitchFamily="34" charset="0"/>
+              </a:rPr>
+              <a:t>g</a:t>
+            </a:r>
+            <a:r>
+              <a:rPr lang="es-MX" sz="1600" b="1" spc="-15" dirty="0">
+                <a:solidFill>
+                  <a:prstClr val="black"/>
+                </a:solidFill>
+                <a:latin typeface="Arial" panose="020B0604020202020204" pitchFamily="34" charset="0"/>
+                <a:cs typeface="Arial" panose="020B0604020202020204" pitchFamily="34" charset="0"/>
+              </a:rPr>
+              <a:t>e</a:t>
+            </a:r>
+            <a:r>
+              <a:rPr lang="es-MX" sz="1600" b="1" spc="-210" dirty="0">
+                <a:solidFill>
+                  <a:prstClr val="black"/>
+                </a:solidFill>
+                <a:latin typeface="Arial" panose="020B0604020202020204" pitchFamily="34" charset="0"/>
+                <a:cs typeface="Arial" panose="020B0604020202020204" pitchFamily="34" charset="0"/>
+              </a:rPr>
+              <a:t>rs</a:t>
+            </a:r>
+            <a:r>
+              <a:rPr lang="es-MX" sz="1600" b="1" spc="-10" dirty="0">
+                <a:solidFill>
+                  <a:prstClr val="black"/>
+                </a:solidFill>
+                <a:latin typeface="Arial" panose="020B0604020202020204" pitchFamily="34" charset="0"/>
+                <a:cs typeface="Arial" panose="020B0604020202020204" pitchFamily="34" charset="0"/>
+              </a:rPr>
+              <a:t>,</a:t>
+            </a:r>
+            <a:r>
+              <a:rPr lang="es-MX" sz="1600" b="1" spc="-25" dirty="0">
+                <a:solidFill>
+                  <a:prstClr val="black"/>
+                </a:solidFill>
+                <a:latin typeface="Arial" panose="020B0604020202020204" pitchFamily="34" charset="0"/>
+                <a:cs typeface="Arial" panose="020B0604020202020204" pitchFamily="34" charset="0"/>
+              </a:rPr>
+              <a:t> </a:t>
+            </a:r>
+            <a:r>
+              <a:rPr lang="es-MX" sz="1600" b="1" spc="-20" dirty="0" err="1">
+                <a:solidFill>
+                  <a:prstClr val="black"/>
+                </a:solidFill>
+                <a:latin typeface="Arial" panose="020B0604020202020204" pitchFamily="34" charset="0"/>
+                <a:cs typeface="Arial" panose="020B0604020202020204" pitchFamily="34" charset="0"/>
+              </a:rPr>
+              <a:t>Us</a:t>
+            </a:r>
+            <a:r>
+              <a:rPr lang="es-MX" sz="1600" b="1" spc="-15" dirty="0" err="1">
+                <a:solidFill>
+                  <a:prstClr val="black"/>
+                </a:solidFill>
+                <a:latin typeface="Arial" panose="020B0604020202020204" pitchFamily="34" charset="0"/>
+                <a:cs typeface="Arial" panose="020B0604020202020204" pitchFamily="34" charset="0"/>
+              </a:rPr>
+              <a:t>e</a:t>
+            </a:r>
+            <a:r>
+              <a:rPr lang="es-MX" sz="1600" b="1" spc="-40" dirty="0" err="1">
+                <a:solidFill>
+                  <a:prstClr val="black"/>
+                </a:solidFill>
+                <a:latin typeface="Arial" panose="020B0604020202020204" pitchFamily="34" charset="0"/>
+                <a:cs typeface="Arial" panose="020B0604020202020204" pitchFamily="34" charset="0"/>
+              </a:rPr>
+              <a:t>r</a:t>
+            </a:r>
+            <a:r>
+              <a:rPr lang="es-MX" sz="1600" b="1" spc="-5" dirty="0" err="1">
+                <a:solidFill>
+                  <a:prstClr val="black"/>
+                </a:solidFill>
+                <a:latin typeface="Arial" panose="020B0604020202020204" pitchFamily="34" charset="0"/>
+                <a:cs typeface="Arial" panose="020B0604020202020204" pitchFamily="34" charset="0"/>
+              </a:rPr>
+              <a:t>s</a:t>
+            </a:r>
+            <a:r>
+              <a:rPr lang="es-MX" sz="1600" spc="-5" dirty="0">
+                <a:solidFill>
+                  <a:prstClr val="black"/>
+                </a:solidFill>
+                <a:latin typeface="Arial" panose="020B0604020202020204" pitchFamily="34" charset="0"/>
+                <a:cs typeface="Arial" panose="020B0604020202020204" pitchFamily="34" charset="0"/>
+              </a:rPr>
+              <a:t> y</a:t>
+            </a:r>
+            <a:r>
+              <a:rPr lang="es-MX" sz="1600" b="1" spc="-5" dirty="0">
+                <a:solidFill>
+                  <a:prstClr val="black"/>
+                </a:solidFill>
+                <a:latin typeface="Arial" panose="020B0604020202020204" pitchFamily="34" charset="0"/>
+                <a:cs typeface="Arial" panose="020B0604020202020204" pitchFamily="34" charset="0"/>
+              </a:rPr>
+              <a:t> S</a:t>
+            </a:r>
+            <a:r>
+              <a:rPr lang="es-MX" sz="1600" b="1" spc="5" dirty="0">
+                <a:solidFill>
+                  <a:prstClr val="black"/>
+                </a:solidFill>
+                <a:latin typeface="Arial" panose="020B0604020202020204" pitchFamily="34" charset="0"/>
+                <a:cs typeface="Arial" panose="020B0604020202020204" pitchFamily="34" charset="0"/>
+              </a:rPr>
+              <a:t>er</a:t>
+            </a:r>
+            <a:r>
+              <a:rPr lang="es-MX" sz="1600" b="1" spc="-10" dirty="0">
+                <a:solidFill>
+                  <a:prstClr val="black"/>
+                </a:solidFill>
+                <a:latin typeface="Arial" panose="020B0604020202020204" pitchFamily="34" charset="0"/>
+                <a:cs typeface="Arial" panose="020B0604020202020204" pitchFamily="34" charset="0"/>
+              </a:rPr>
+              <a:t>vice</a:t>
+            </a:r>
+            <a:r>
+              <a:rPr lang="es-MX" sz="1600" b="1" dirty="0">
+                <a:solidFill>
+                  <a:prstClr val="black"/>
+                </a:solidFill>
+                <a:latin typeface="Arial" panose="020B0604020202020204" pitchFamily="34" charset="0"/>
+                <a:cs typeface="Arial" panose="020B0604020202020204" pitchFamily="34" charset="0"/>
+              </a:rPr>
+              <a:t>s</a:t>
+            </a:r>
+            <a:r>
+              <a:rPr lang="es-MX" sz="1600" dirty="0">
+                <a:solidFill>
+                  <a:prstClr val="black"/>
+                </a:solidFill>
+                <a:latin typeface="Arial" panose="020B0604020202020204" pitchFamily="34" charset="0"/>
+                <a:cs typeface="Arial" panose="020B0604020202020204" pitchFamily="34" charset="0"/>
+              </a:rPr>
+              <a:t>) </a:t>
+            </a:r>
+            <a:r>
+              <a:rPr lang="es-MX" sz="1600" spc="-5" dirty="0">
+                <a:solidFill>
+                  <a:prstClr val="black"/>
+                </a:solidFill>
+                <a:latin typeface="Arial" panose="020B0604020202020204" pitchFamily="34" charset="0"/>
+                <a:cs typeface="Arial" panose="020B0604020202020204" pitchFamily="34" charset="0"/>
+              </a:rPr>
+              <a:t>obtendrán di</a:t>
+            </a:r>
+            <a:r>
+              <a:rPr lang="es-MX" sz="1600" spc="-35" dirty="0">
+                <a:solidFill>
+                  <a:prstClr val="black"/>
+                </a:solidFill>
+                <a:latin typeface="Arial" panose="020B0604020202020204" pitchFamily="34" charset="0"/>
+                <a:cs typeface="Arial" panose="020B0604020202020204" pitchFamily="34" charset="0"/>
+              </a:rPr>
+              <a:t>r</a:t>
+            </a:r>
+            <a:r>
+              <a:rPr lang="es-MX" sz="1600" spc="-15" dirty="0">
+                <a:solidFill>
+                  <a:prstClr val="black"/>
+                </a:solidFill>
+                <a:latin typeface="Arial" panose="020B0604020202020204" pitchFamily="34" charset="0"/>
+                <a:cs typeface="Arial" panose="020B0604020202020204" pitchFamily="34" charset="0"/>
+              </a:rPr>
+              <a:t>e</a:t>
+            </a:r>
+            <a:r>
+              <a:rPr lang="es-MX" sz="1600" spc="-10" dirty="0">
+                <a:solidFill>
+                  <a:prstClr val="black"/>
+                </a:solidFill>
+                <a:latin typeface="Arial" panose="020B0604020202020204" pitchFamily="34" charset="0"/>
+                <a:cs typeface="Arial" panose="020B0604020202020204" pitchFamily="34" charset="0"/>
+              </a:rPr>
+              <a:t>c</a:t>
+            </a:r>
+            <a:r>
+              <a:rPr lang="es-MX" sz="1600" dirty="0">
+                <a:solidFill>
+                  <a:prstClr val="black"/>
+                </a:solidFill>
+                <a:latin typeface="Arial" panose="020B0604020202020204" pitchFamily="34" charset="0"/>
+                <a:cs typeface="Arial" panose="020B0604020202020204" pitchFamily="34" charset="0"/>
+              </a:rPr>
+              <a:t>ción</a:t>
+            </a:r>
+            <a:r>
+              <a:rPr lang="es-MX" sz="1600" spc="-15" dirty="0">
+                <a:solidFill>
+                  <a:prstClr val="black"/>
+                </a:solidFill>
+                <a:latin typeface="Arial" panose="020B0604020202020204" pitchFamily="34" charset="0"/>
+                <a:cs typeface="Arial" panose="020B0604020202020204" pitchFamily="34" charset="0"/>
+              </a:rPr>
+              <a:t> IP</a:t>
+            </a:r>
+            <a:r>
+              <a:rPr lang="es-MX" sz="1600" spc="-10" dirty="0">
+                <a:solidFill>
+                  <a:prstClr val="black"/>
+                </a:solidFill>
+                <a:latin typeface="Arial" panose="020B0604020202020204" pitchFamily="34" charset="0"/>
+                <a:cs typeface="Arial" panose="020B0604020202020204" pitchFamily="34" charset="0"/>
+              </a:rPr>
+              <a:t> </a:t>
+            </a:r>
+            <a:r>
+              <a:rPr lang="es-MX" sz="1600" spc="-5" dirty="0">
+                <a:solidFill>
+                  <a:prstClr val="black"/>
+                </a:solidFill>
+                <a:latin typeface="Arial" panose="020B0604020202020204" pitchFamily="34" charset="0"/>
+                <a:cs typeface="Arial" panose="020B0604020202020204" pitchFamily="34" charset="0"/>
+              </a:rPr>
+              <a:t>dinámi</a:t>
+            </a:r>
+            <a:r>
+              <a:rPr lang="es-MX" sz="1600" spc="-10" dirty="0">
+                <a:solidFill>
+                  <a:prstClr val="black"/>
+                </a:solidFill>
+                <a:latin typeface="Arial" panose="020B0604020202020204" pitchFamily="34" charset="0"/>
+                <a:cs typeface="Arial" panose="020B0604020202020204" pitchFamily="34" charset="0"/>
+              </a:rPr>
+              <a:t>c</a:t>
+            </a:r>
+            <a:r>
+              <a:rPr lang="es-MX" sz="1600" dirty="0">
+                <a:solidFill>
+                  <a:prstClr val="black"/>
+                </a:solidFill>
+                <a:latin typeface="Arial" panose="020B0604020202020204" pitchFamily="34" charset="0"/>
+                <a:cs typeface="Arial" panose="020B0604020202020204" pitchFamily="34" charset="0"/>
+              </a:rPr>
+              <a:t>a</a:t>
+            </a:r>
+            <a:r>
+              <a:rPr lang="es-MX" sz="1600" spc="-10" dirty="0">
+                <a:solidFill>
+                  <a:prstClr val="black"/>
+                </a:solidFill>
+                <a:latin typeface="Arial" panose="020B0604020202020204" pitchFamily="34" charset="0"/>
+                <a:cs typeface="Arial" panose="020B0604020202020204" pitchFamily="34" charset="0"/>
+              </a:rPr>
+              <a:t> </a:t>
+            </a:r>
+            <a:r>
+              <a:rPr lang="es-MX" sz="1600" dirty="0">
+                <a:solidFill>
+                  <a:prstClr val="black"/>
+                </a:solidFill>
+                <a:latin typeface="Arial" panose="020B0604020202020204" pitchFamily="34" charset="0"/>
+                <a:cs typeface="Arial" panose="020B0604020202020204" pitchFamily="34" charset="0"/>
+              </a:rPr>
+              <a:t>(</a:t>
+            </a:r>
+            <a:r>
+              <a:rPr lang="es-MX" sz="1600" b="1" spc="-5" dirty="0">
+                <a:solidFill>
+                  <a:prstClr val="black"/>
+                </a:solidFill>
+                <a:latin typeface="Arial" panose="020B0604020202020204" pitchFamily="34" charset="0"/>
+                <a:cs typeface="Arial" panose="020B0604020202020204" pitchFamily="34" charset="0"/>
+              </a:rPr>
+              <a:t>DHCP</a:t>
+            </a:r>
+            <a:r>
+              <a:rPr lang="es-MX" sz="1600" dirty="0">
+                <a:solidFill>
+                  <a:prstClr val="black"/>
+                </a:solidFill>
+                <a:latin typeface="Arial" panose="020B0604020202020204" pitchFamily="34" charset="0"/>
+                <a:cs typeface="Arial" panose="020B0604020202020204" pitchFamily="34" charset="0"/>
+              </a:rPr>
+              <a:t>)</a:t>
             </a:r>
           </a:p>
           <a:p>
@@ -12516,29 +13060,20 @@
               <a:lnSpc>
                 <a:spcPct val="150000"/>
               </a:lnSpc>
-              <a:buFont typeface="+mj-lt"/>
               <a:buAutoNum type="arabicPeriod"/>
             </a:pPr>
             <a:r>
-              <a:rPr lang="es-ES" sz="1600" dirty="0">
-                <a:latin typeface="Arial" panose="020B0604020202020204" pitchFamily="34" charset="0"/>
-                <a:cs typeface="Arial" panose="020B0604020202020204" pitchFamily="34" charset="0"/>
-              </a:rPr>
-              <a:t>Asignar los </a:t>
-            </a:r>
-            <a:r>
-              <a:rPr lang="es-ES" sz="1600" b="1" dirty="0">
-                <a:latin typeface="Arial" panose="020B0604020202020204" pitchFamily="34" charset="0"/>
-                <a:cs typeface="Arial" panose="020B0604020202020204" pitchFamily="34" charset="0"/>
-              </a:rPr>
-              <a:t>puertos de acceso </a:t>
-            </a:r>
-            <a:r>
-              <a:rPr lang="es-ES" sz="1600" dirty="0">
-                <a:latin typeface="Arial" panose="020B0604020202020204" pitchFamily="34" charset="0"/>
-                <a:cs typeface="Arial" panose="020B0604020202020204" pitchFamily="34" charset="0"/>
-              </a:rPr>
-              <a:t>del switch a la VLAN correspondiente. </a:t>
+              <a:rPr lang="es-ES_tradnl" sz="1600" dirty="0">
+                <a:solidFill>
+                  <a:schemeClr val="tx1">
+                    <a:lumMod val="95000"/>
+                    <a:lumOff val="5000"/>
+                  </a:schemeClr>
+                </a:solidFill>
+                <a:latin typeface="Arial" panose="020B0604020202020204" pitchFamily="34" charset="0"/>
+                <a:cs typeface="Arial" panose="020B0604020202020204" pitchFamily="34" charset="0"/>
+              </a:rPr>
+              <a:t>Configurar primero las excepciones.</a:t>
             </a:r>
           </a:p>
           <a:p>
@@ -12546,34 +13081,78 @@
               <a:lnSpc>
                 <a:spcPct val="150000"/>
               </a:lnSpc>
-              <a:buFont typeface="+mj-lt"/>
               <a:buAutoNum type="arabicPeriod"/>
             </a:pPr>
             <a:r>
-              <a:rPr lang="es-ES" sz="1600" dirty="0">
-                <a:latin typeface="Arial" panose="020B0604020202020204" pitchFamily="34" charset="0"/>
-                <a:cs typeface="Arial" panose="020B0604020202020204" pitchFamily="34" charset="0"/>
-              </a:rPr>
-              <a:t>Definir el </a:t>
-            </a:r>
-            <a:r>
-              <a:rPr lang="es-ES" sz="1600" b="1" dirty="0">
-                <a:latin typeface="Arial" panose="020B0604020202020204" pitchFamily="34" charset="0"/>
-                <a:cs typeface="Arial" panose="020B0604020202020204" pitchFamily="34" charset="0"/>
-              </a:rPr>
-              <a:t>puerto troncal</a:t>
-            </a:r>
-            <a:r>
-              <a:rPr lang="es-ES" sz="1600" dirty="0">
-                <a:latin typeface="Arial" panose="020B0604020202020204" pitchFamily="34" charset="0"/>
-                <a:cs typeface="Arial" panose="020B0604020202020204" pitchFamily="34" charset="0"/>
-              </a:rPr>
-              <a:t> (puerto por el que va a salir el tráfico de las distintas VLANs). </a:t>
-            </a:r>
-            <a:endParaRPr lang="es-MX" sz="1800" dirty="0">
+              <a:rPr lang="es-ES_tradnl" sz="1600" dirty="0">
+                <a:solidFill>
+                  <a:schemeClr val="tx1">
+                    <a:lumMod val="95000"/>
+                    <a:lumOff val="5000"/>
+                  </a:schemeClr>
+                </a:solidFill>
+                <a:latin typeface="Arial" panose="020B0604020202020204" pitchFamily="34" charset="0"/>
+                <a:cs typeface="Arial" panose="020B0604020202020204" pitchFamily="34" charset="0"/>
+              </a:rPr>
+              <a:t>Configurar </a:t>
+            </a:r>
+            <a:r>
+              <a:rPr lang="es-ES_tradnl" sz="1600" b="1" dirty="0">
+                <a:solidFill>
+                  <a:schemeClr val="tx1">
+                    <a:lumMod val="95000"/>
+                    <a:lumOff val="5000"/>
+                  </a:schemeClr>
+                </a:solidFill>
+                <a:latin typeface="Arial" panose="020B0604020202020204" pitchFamily="34" charset="0"/>
+                <a:cs typeface="Arial" panose="020B0604020202020204" pitchFamily="34" charset="0"/>
+              </a:rPr>
+              <a:t>DHCP</a:t>
+            </a:r>
+            <a:r>
+              <a:rPr lang="es-ES_tradnl" sz="1600" dirty="0">
+                <a:solidFill>
+                  <a:schemeClr val="tx1">
+                    <a:lumMod val="95000"/>
+                    <a:lumOff val="5000"/>
+                  </a:schemeClr>
+                </a:solidFill>
+                <a:latin typeface="Arial" panose="020B0604020202020204" pitchFamily="34" charset="0"/>
+                <a:cs typeface="Arial" panose="020B0604020202020204" pitchFamily="34" charset="0"/>
+              </a:rPr>
+              <a:t> en </a:t>
+            </a:r>
+            <a:r>
+              <a:rPr lang="es-ES_tradnl" sz="1600" b="1" dirty="0" err="1">
+                <a:solidFill>
+                  <a:schemeClr val="tx1">
+                    <a:lumMod val="95000"/>
+                    <a:lumOff val="5000"/>
+                  </a:schemeClr>
+                </a:solidFill>
+                <a:latin typeface="Arial" panose="020B0604020202020204" pitchFamily="34" charset="0"/>
+                <a:cs typeface="Arial" panose="020B0604020202020204" pitchFamily="34" charset="0"/>
+              </a:rPr>
+              <a:t>RFrontera</a:t>
+            </a:r>
+            <a:r>
+              <a:rPr lang="es-ES_tradnl" sz="1600" dirty="0">
+                <a:solidFill>
+                  <a:schemeClr val="tx1">
+                    <a:lumMod val="95000"/>
+                    <a:lumOff val="5000"/>
+                  </a:schemeClr>
+                </a:solidFill>
+                <a:latin typeface="Arial" panose="020B0604020202020204" pitchFamily="34" charset="0"/>
+                <a:cs typeface="Arial" panose="020B0604020202020204" pitchFamily="34" charset="0"/>
+              </a:rPr>
+              <a:t>.</a:t>
+            </a:r>
+            <a:endParaRPr lang="es-MX" sz="1600" dirty="0">
               <a:solidFill>
-                <a:schemeClr val="bg2">
-                  <a:lumMod val="25000"/>
+                <a:schemeClr val="tx1">
+                  <a:lumMod val="95000"/>
+                  <a:lumOff val="5000"/>
                 </a:schemeClr>
               </a:solidFill>
               <a:latin typeface="Arial" panose="020B0604020202020204" pitchFamily="34" charset="0"/>
@@ -12582,2092 +13161,10 @@
           </a:p>
         </p:txBody>
       </p:sp>
-      <p:sp>
-        <p:nvSpPr>
-          <p:cNvPr id="6" name="CuadroTexto 5">
-            <a:extLst>
-              <a:ext uri="{FF2B5EF4-FFF2-40B4-BE49-F238E27FC236}">
-                <a16:creationId xmlns:a16="http://schemas.microsoft.com/office/drawing/2014/main" id="{8B4E578D-7BAF-4681-BF75-AC5FE3AD8971}"/>
-              </a:ext>
-            </a:extLst>
-          </p:cNvPr>
-          <p:cNvSpPr txBox="1"/>
-          <p:nvPr/>
-        </p:nvSpPr>
-        <p:spPr>
-          <a:xfrm>
-            <a:off x="834271" y="2923903"/>
-            <a:ext cx="8382000" cy="416011"/>
-          </a:xfrm>
-          <a:prstGeom prst="rect">
-            <a:avLst/>
-          </a:prstGeom>
-          <a:noFill/>
-        </p:spPr>
-        <p:txBody>
-          <a:bodyPr wrap="square">
-            <a:spAutoFit/>
-          </a:bodyPr>
-          <a:lstStyle/>
-          <a:p>
-            <a:pPr>
-              <a:lnSpc>
-                <a:spcPct val="150000"/>
-              </a:lnSpc>
-              <a:spcAft>
-                <a:spcPts val="600"/>
-              </a:spcAft>
-            </a:pPr>
-            <a:r>
-              <a:rPr lang="es-ES" sz="1600" dirty="0">
-                <a:latin typeface="Arial" panose="020B0604020202020204" pitchFamily="34" charset="0"/>
-                <a:cs typeface="Arial" panose="020B0604020202020204" pitchFamily="34" charset="0"/>
-              </a:rPr>
-              <a:t>Las subredes y los puertos del switch han sido divididos de la siguiente forma:</a:t>
-            </a:r>
-            <a:endParaRPr lang="es-ES" sz="1600" b="1" dirty="0">
-              <a:solidFill>
-                <a:schemeClr val="accent5">
-                  <a:lumMod val="75000"/>
-                </a:schemeClr>
-              </a:solidFill>
-              <a:latin typeface="Arial" panose="020B0604020202020204" pitchFamily="34" charset="0"/>
-              <a:cs typeface="Arial" panose="020B0604020202020204" pitchFamily="34" charset="0"/>
-            </a:endParaRPr>
-          </a:p>
-        </p:txBody>
-      </p:sp>
-      <p:sp>
-        <p:nvSpPr>
-          <p:cNvPr id="7" name="CuadroTexto 6">
-            <a:extLst>
-              <a:ext uri="{FF2B5EF4-FFF2-40B4-BE49-F238E27FC236}">
-                <a16:creationId xmlns:a16="http://schemas.microsoft.com/office/drawing/2014/main" id="{74967D43-4562-4C9A-BFA7-1485C888EFE6}"/>
-              </a:ext>
-            </a:extLst>
-          </p:cNvPr>
-          <p:cNvSpPr txBox="1"/>
-          <p:nvPr/>
-        </p:nvSpPr>
-        <p:spPr>
-          <a:xfrm>
-            <a:off x="829558" y="5703332"/>
-            <a:ext cx="6127424" cy="369332"/>
-          </a:xfrm>
-          <a:prstGeom prst="rect">
-            <a:avLst/>
-          </a:prstGeom>
-          <a:noFill/>
-        </p:spPr>
-        <p:txBody>
-          <a:bodyPr wrap="square">
-            <a:spAutoFit/>
-          </a:bodyPr>
-          <a:lstStyle/>
-          <a:p>
-            <a:r>
-              <a:rPr lang="es-ES" sz="1800" b="1" dirty="0">
-                <a:effectLst/>
-                <a:latin typeface="Arial" panose="020B0604020202020204" pitchFamily="34" charset="0"/>
-                <a:ea typeface="Calibri" panose="020F0502020204030204" pitchFamily="34" charset="0"/>
-              </a:rPr>
-              <a:t>vlan 1 </a:t>
-            </a:r>
-            <a:r>
-              <a:rPr lang="es-ES" sz="1800" dirty="0">
-                <a:effectLst/>
-                <a:latin typeface="Arial" panose="020B0604020202020204" pitchFamily="34" charset="0"/>
-                <a:ea typeface="Calibri" panose="020F0502020204030204" pitchFamily="34" charset="0"/>
-              </a:rPr>
-              <a:t>que es la</a:t>
-            </a:r>
-            <a:r>
-              <a:rPr lang="es-ES" sz="1800" b="1" dirty="0">
-                <a:effectLst/>
-                <a:latin typeface="Arial" panose="020B0604020202020204" pitchFamily="34" charset="0"/>
-                <a:ea typeface="Calibri" panose="020F0502020204030204" pitchFamily="34" charset="0"/>
-              </a:rPr>
-              <a:t> nativa</a:t>
-            </a:r>
-            <a:r>
-              <a:rPr lang="es-ES" sz="1800" dirty="0">
-                <a:effectLst/>
-                <a:latin typeface="Arial" panose="020B0604020202020204" pitchFamily="34" charset="0"/>
-                <a:ea typeface="Calibri" panose="020F0502020204030204" pitchFamily="34" charset="0"/>
-              </a:rPr>
-              <a:t>, está creada siempre por default.</a:t>
-            </a:r>
-            <a:r>
-              <a:rPr lang="es-ES" sz="1800" b="1" dirty="0">
-                <a:effectLst/>
-                <a:latin typeface="Arial" panose="020B0604020202020204" pitchFamily="34" charset="0"/>
-                <a:ea typeface="Calibri" panose="020F0502020204030204" pitchFamily="34" charset="0"/>
-              </a:rPr>
-              <a:t> </a:t>
-            </a:r>
-            <a:endParaRPr lang="es-MX" dirty="0"/>
-          </a:p>
-        </p:txBody>
-      </p:sp>
-      <p:graphicFrame>
-        <p:nvGraphicFramePr>
-          <p:cNvPr id="5" name="Tabla 4">
-            <a:extLst>
-              <a:ext uri="{FF2B5EF4-FFF2-40B4-BE49-F238E27FC236}">
-                <a16:creationId xmlns:a16="http://schemas.microsoft.com/office/drawing/2014/main" id="{D5DA73BA-9C18-4089-BD14-C3684A90530F}"/>
-              </a:ext>
-            </a:extLst>
-          </p:cNvPr>
-          <p:cNvGraphicFramePr>
-            <a:graphicFrameLocks noGrp="1"/>
-          </p:cNvGraphicFramePr>
-          <p:nvPr>
-            <p:extLst>
-              <p:ext uri="{D42A27DB-BD31-4B8C-83A1-F6EECF244321}">
-                <p14:modId xmlns:p14="http://schemas.microsoft.com/office/powerpoint/2010/main" val="1729165407"/>
-              </p:ext>
-            </p:extLst>
-          </p:nvPr>
-        </p:nvGraphicFramePr>
-        <p:xfrm>
-          <a:off x="952499" y="3630221"/>
-          <a:ext cx="8610601" cy="1822766"/>
-        </p:xfrm>
-        <a:graphic>
-          <a:graphicData uri="http://schemas.openxmlformats.org/drawingml/2006/table">
-            <a:tbl>
-              <a:tblPr firstRow="1" firstCol="1" lastRow="1" lastCol="1" bandRow="1" bandCol="1">
-                <a:tableStyleId>{5C22544A-7EE6-4342-B048-85BDC9FD1C3A}</a:tableStyleId>
-              </a:tblPr>
-              <a:tblGrid>
-                <a:gridCol w="1477293">
-                  <a:extLst>
-                    <a:ext uri="{9D8B030D-6E8A-4147-A177-3AD203B41FA5}">
-                      <a16:colId xmlns:a16="http://schemas.microsoft.com/office/drawing/2014/main" val="3615906484"/>
-                    </a:ext>
-                  </a:extLst>
-                </a:gridCol>
-                <a:gridCol w="885544">
-                  <a:extLst>
-                    <a:ext uri="{9D8B030D-6E8A-4147-A177-3AD203B41FA5}">
-                      <a16:colId xmlns:a16="http://schemas.microsoft.com/office/drawing/2014/main" val="56571631"/>
-                    </a:ext>
-                  </a:extLst>
-                </a:gridCol>
-                <a:gridCol w="1790064">
-                  <a:extLst>
-                    <a:ext uri="{9D8B030D-6E8A-4147-A177-3AD203B41FA5}">
-                      <a16:colId xmlns:a16="http://schemas.microsoft.com/office/drawing/2014/main" val="1977572645"/>
-                    </a:ext>
-                  </a:extLst>
-                </a:gridCol>
-                <a:gridCol w="2125237">
-                  <a:extLst>
-                    <a:ext uri="{9D8B030D-6E8A-4147-A177-3AD203B41FA5}">
-                      <a16:colId xmlns:a16="http://schemas.microsoft.com/office/drawing/2014/main" val="912248757"/>
-                    </a:ext>
-                  </a:extLst>
-                </a:gridCol>
-                <a:gridCol w="2332463">
-                  <a:extLst>
-                    <a:ext uri="{9D8B030D-6E8A-4147-A177-3AD203B41FA5}">
-                      <a16:colId xmlns:a16="http://schemas.microsoft.com/office/drawing/2014/main" val="445826148"/>
-                    </a:ext>
-                  </a:extLst>
-                </a:gridCol>
-              </a:tblGrid>
-              <a:tr h="369886">
-                <a:tc>
-                  <a:txBody>
-                    <a:bodyPr/>
-                    <a:lstStyle/>
-                    <a:p>
-                      <a:pPr marL="1905" algn="ctr">
-                        <a:lnSpc>
-                          <a:spcPts val="1800"/>
-                        </a:lnSpc>
-                      </a:pPr>
-                      <a:r>
-                        <a:rPr lang="es-MX" sz="1400" spc="-5" dirty="0">
-                          <a:effectLst/>
-                          <a:latin typeface="Arial" panose="020B0604020202020204" pitchFamily="34" charset="0"/>
-                          <a:cs typeface="Arial" panose="020B0604020202020204" pitchFamily="34" charset="0"/>
-                        </a:rPr>
-                        <a:t>Segmento</a:t>
-                      </a:r>
-                      <a:endParaRPr lang="es-MX" sz="1400" dirty="0">
-                        <a:effectLst/>
-                        <a:latin typeface="Arial" panose="020B0604020202020204" pitchFamily="34" charset="0"/>
-                        <a:ea typeface="Calibri" panose="020F0502020204030204" pitchFamily="34" charset="0"/>
-                        <a:cs typeface="Arial" panose="020B0604020202020204" pitchFamily="34" charset="0"/>
-                      </a:endParaRPr>
-                    </a:p>
-                  </a:txBody>
-                  <a:tcPr marL="0" marR="0" marT="0" marB="0" anchor="ctr">
-                    <a:lnL w="12700" cap="flat" cmpd="sng" algn="ctr">
-                      <a:solidFill>
-                        <a:schemeClr val="tx1"/>
-                      </a:solidFill>
-                      <a:prstDash val="solid"/>
-                      <a:round/>
-                      <a:headEnd type="none" w="med" len="med"/>
-                      <a:tailEnd type="none" w="med" len="med"/>
-                    </a:lnL>
-                    <a:lnR w="12700" cap="flat" cmpd="sng" algn="ctr">
-                      <a:solidFill>
-                        <a:schemeClr val="tx1"/>
-                      </a:solidFill>
-                      <a:prstDash val="solid"/>
-                      <a:round/>
-                      <a:headEnd type="none" w="med" len="med"/>
-                      <a:tailEnd type="none" w="med" len="med"/>
-                    </a:lnR>
-                    <a:lnT w="12700" cap="flat" cmpd="sng" algn="ctr">
-                      <a:solidFill>
-                        <a:schemeClr val="tx1"/>
-                      </a:solidFill>
-                      <a:prstDash val="solid"/>
-                      <a:round/>
-                      <a:headEnd type="none" w="med" len="med"/>
-                      <a:tailEnd type="none" w="med" len="med"/>
-                    </a:lnT>
-                    <a:lnB w="12700" cap="flat" cmpd="sng" algn="ctr">
-                      <a:solidFill>
-                        <a:schemeClr val="tx1"/>
-                      </a:solidFill>
-                      <a:prstDash val="solid"/>
-                      <a:round/>
-                      <a:headEnd type="none" w="med" len="med"/>
-                      <a:tailEnd type="none" w="med" len="med"/>
-                    </a:lnB>
-                  </a:tcPr>
-                </a:tc>
-                <a:tc>
-                  <a:txBody>
-                    <a:bodyPr/>
-                    <a:lstStyle/>
-                    <a:p>
-                      <a:pPr algn="ctr">
-                        <a:lnSpc>
-                          <a:spcPts val="1800"/>
-                        </a:lnSpc>
-                      </a:pPr>
-                      <a:r>
-                        <a:rPr lang="es-MX" sz="1400" dirty="0">
-                          <a:effectLst/>
-                          <a:latin typeface="Arial" panose="020B0604020202020204" pitchFamily="34" charset="0"/>
-                          <a:cs typeface="Arial" panose="020B0604020202020204" pitchFamily="34" charset="0"/>
-                        </a:rPr>
-                        <a:t>VLAN</a:t>
-                      </a:r>
-                      <a:endParaRPr lang="es-MX" sz="1400" dirty="0">
-                        <a:effectLst/>
-                        <a:latin typeface="Arial" panose="020B0604020202020204" pitchFamily="34" charset="0"/>
-                        <a:ea typeface="Calibri" panose="020F0502020204030204" pitchFamily="34" charset="0"/>
-                        <a:cs typeface="Arial" panose="020B0604020202020204" pitchFamily="34" charset="0"/>
-                      </a:endParaRPr>
-                    </a:p>
-                  </a:txBody>
-                  <a:tcPr marL="0" marR="0" marT="0" marB="0" anchor="ctr">
-                    <a:lnL w="12700" cap="flat" cmpd="sng" algn="ctr">
-                      <a:solidFill>
-                        <a:schemeClr val="tx1"/>
-                      </a:solidFill>
-                      <a:prstDash val="solid"/>
-                      <a:round/>
-                      <a:headEnd type="none" w="med" len="med"/>
-                      <a:tailEnd type="none" w="med" len="med"/>
-                    </a:lnL>
-                    <a:lnR w="12700" cap="flat" cmpd="sng" algn="ctr">
-                      <a:solidFill>
-                        <a:schemeClr val="tx1"/>
-                      </a:solidFill>
-                      <a:prstDash val="solid"/>
-                      <a:round/>
-                      <a:headEnd type="none" w="med" len="med"/>
-                      <a:tailEnd type="none" w="med" len="med"/>
-                    </a:lnR>
-                    <a:lnT w="12700" cap="flat" cmpd="sng" algn="ctr">
-                      <a:solidFill>
-                        <a:schemeClr val="tx1"/>
-                      </a:solidFill>
-                      <a:prstDash val="solid"/>
-                      <a:round/>
-                      <a:headEnd type="none" w="med" len="med"/>
-                      <a:tailEnd type="none" w="med" len="med"/>
-                    </a:lnT>
-                    <a:lnB w="12700" cap="flat" cmpd="sng" algn="ctr">
-                      <a:solidFill>
-                        <a:schemeClr val="tx1"/>
-                      </a:solidFill>
-                      <a:prstDash val="solid"/>
-                      <a:round/>
-                      <a:headEnd type="none" w="med" len="med"/>
-                      <a:tailEnd type="none" w="med" len="med"/>
-                    </a:lnB>
-                  </a:tcPr>
-                </a:tc>
-                <a:tc>
-                  <a:txBody>
-                    <a:bodyPr/>
-                    <a:lstStyle/>
-                    <a:p>
-                      <a:pPr algn="ctr">
-                        <a:lnSpc>
-                          <a:spcPts val="1800"/>
-                        </a:lnSpc>
-                      </a:pPr>
-                      <a:r>
-                        <a:rPr lang="es-MX" sz="1400" spc="-5" dirty="0">
-                          <a:effectLst/>
-                          <a:latin typeface="Arial" panose="020B0604020202020204" pitchFamily="34" charset="0"/>
-                          <a:cs typeface="Arial" panose="020B0604020202020204" pitchFamily="34" charset="0"/>
-                        </a:rPr>
-                        <a:t>Puertos</a:t>
-                      </a:r>
-                      <a:r>
-                        <a:rPr lang="es-MX" sz="1400" spc="120" dirty="0">
-                          <a:effectLst/>
-                          <a:latin typeface="Arial" panose="020B0604020202020204" pitchFamily="34" charset="0"/>
-                          <a:cs typeface="Arial" panose="020B0604020202020204" pitchFamily="34" charset="0"/>
-                        </a:rPr>
-                        <a:t> </a:t>
-                      </a:r>
-                      <a:r>
-                        <a:rPr lang="es-MX" sz="1400" spc="-5" dirty="0">
-                          <a:effectLst/>
-                          <a:latin typeface="Arial" panose="020B0604020202020204" pitchFamily="34" charset="0"/>
-                          <a:cs typeface="Arial" panose="020B0604020202020204" pitchFamily="34" charset="0"/>
-                        </a:rPr>
-                        <a:t>asignados</a:t>
-                      </a:r>
-                      <a:endParaRPr lang="es-MX" sz="1400" dirty="0">
-                        <a:effectLst/>
-                        <a:latin typeface="Arial" panose="020B0604020202020204" pitchFamily="34" charset="0"/>
-                        <a:ea typeface="Calibri" panose="020F0502020204030204" pitchFamily="34" charset="0"/>
-                        <a:cs typeface="Arial" panose="020B0604020202020204" pitchFamily="34" charset="0"/>
-                      </a:endParaRPr>
-                    </a:p>
-                  </a:txBody>
-                  <a:tcPr marL="0" marR="0" marT="0" marB="0" anchor="ctr">
-                    <a:lnL w="12700" cap="flat" cmpd="sng" algn="ctr">
-                      <a:solidFill>
-                        <a:schemeClr val="tx1"/>
-                      </a:solidFill>
-                      <a:prstDash val="solid"/>
-                      <a:round/>
-                      <a:headEnd type="none" w="med" len="med"/>
-                      <a:tailEnd type="none" w="med" len="med"/>
-                    </a:lnL>
-                    <a:lnR w="12700" cap="flat" cmpd="sng" algn="ctr">
-                      <a:solidFill>
-                        <a:schemeClr val="tx1"/>
-                      </a:solidFill>
-                      <a:prstDash val="solid"/>
-                      <a:round/>
-                      <a:headEnd type="none" w="med" len="med"/>
-                      <a:tailEnd type="none" w="med" len="med"/>
-                    </a:lnR>
-                    <a:lnT w="12700" cap="flat" cmpd="sng" algn="ctr">
-                      <a:solidFill>
-                        <a:schemeClr val="tx1"/>
-                      </a:solidFill>
-                      <a:prstDash val="solid"/>
-                      <a:round/>
-                      <a:headEnd type="none" w="med" len="med"/>
-                      <a:tailEnd type="none" w="med" len="med"/>
-                    </a:lnT>
-                    <a:lnB w="12700" cap="flat" cmpd="sng" algn="ctr">
-                      <a:solidFill>
-                        <a:schemeClr val="tx1"/>
-                      </a:solidFill>
-                      <a:prstDash val="solid"/>
-                      <a:round/>
-                      <a:headEnd type="none" w="med" len="med"/>
-                      <a:tailEnd type="none" w="med" len="med"/>
-                    </a:lnB>
-                  </a:tcPr>
-                </a:tc>
-                <a:tc>
-                  <a:txBody>
-                    <a:bodyPr/>
-                    <a:lstStyle/>
-                    <a:p>
-                      <a:pPr algn="ctr">
-                        <a:lnSpc>
-                          <a:spcPts val="1800"/>
-                        </a:lnSpc>
-                        <a:spcAft>
-                          <a:spcPts val="0"/>
-                        </a:spcAft>
-                      </a:pPr>
-                      <a:r>
-                        <a:rPr lang="es-MX" sz="1400" spc="-5" dirty="0">
-                          <a:effectLst/>
-                          <a:latin typeface="Arial" panose="020B0604020202020204" pitchFamily="34" charset="0"/>
-                          <a:cs typeface="Arial" panose="020B0604020202020204" pitchFamily="34" charset="0"/>
-                        </a:rPr>
-                        <a:t>Dirección de subred</a:t>
-                      </a:r>
-                      <a:endParaRPr lang="es-MX" sz="1400" dirty="0">
-                        <a:effectLst/>
-                        <a:latin typeface="Arial" panose="020B0604020202020204" pitchFamily="34" charset="0"/>
-                        <a:ea typeface="Calibri" panose="020F0502020204030204" pitchFamily="34" charset="0"/>
-                        <a:cs typeface="Arial" panose="020B0604020202020204" pitchFamily="34" charset="0"/>
-                      </a:endParaRPr>
-                    </a:p>
-                  </a:txBody>
-                  <a:tcPr marL="0" marR="0" marT="0" marB="0" anchor="ctr">
-                    <a:lnL w="12700" cap="flat" cmpd="sng" algn="ctr">
-                      <a:solidFill>
-                        <a:schemeClr val="tx1"/>
-                      </a:solidFill>
-                      <a:prstDash val="solid"/>
-                      <a:round/>
-                      <a:headEnd type="none" w="med" len="med"/>
-                      <a:tailEnd type="none" w="med" len="med"/>
-                    </a:lnL>
-                    <a:lnR w="12700" cap="flat" cmpd="sng" algn="ctr">
-                      <a:solidFill>
-                        <a:schemeClr val="tx1"/>
-                      </a:solidFill>
-                      <a:prstDash val="solid"/>
-                      <a:round/>
-                      <a:headEnd type="none" w="med" len="med"/>
-                      <a:tailEnd type="none" w="med" len="med"/>
-                    </a:lnR>
-                    <a:lnT w="12700" cap="flat" cmpd="sng" algn="ctr">
-                      <a:solidFill>
-                        <a:schemeClr val="tx1"/>
-                      </a:solidFill>
-                      <a:prstDash val="solid"/>
-                      <a:round/>
-                      <a:headEnd type="none" w="med" len="med"/>
-                      <a:tailEnd type="none" w="med" len="med"/>
-                    </a:lnT>
-                    <a:lnB w="12700" cap="flat" cmpd="sng" algn="ctr">
-                      <a:solidFill>
-                        <a:schemeClr val="tx1"/>
-                      </a:solidFill>
-                      <a:prstDash val="solid"/>
-                      <a:round/>
-                      <a:headEnd type="none" w="med" len="med"/>
-                      <a:tailEnd type="none" w="med" len="med"/>
-                    </a:lnB>
-                  </a:tcPr>
-                </a:tc>
-                <a:tc>
-                  <a:txBody>
-                    <a:bodyPr/>
-                    <a:lstStyle/>
-                    <a:p>
-                      <a:pPr algn="ctr">
-                        <a:lnSpc>
-                          <a:spcPts val="1800"/>
-                        </a:lnSpc>
-                      </a:pPr>
-                      <a:r>
-                        <a:rPr lang="es-MX" sz="1400" spc="-5" dirty="0">
-                          <a:effectLst/>
-                          <a:latin typeface="Arial" panose="020B0604020202020204" pitchFamily="34" charset="0"/>
-                          <a:cs typeface="Arial" panose="020B0604020202020204" pitchFamily="34" charset="0"/>
-                        </a:rPr>
-                        <a:t>Máscara</a:t>
-                      </a:r>
-                      <a:r>
-                        <a:rPr lang="es-MX" sz="1400" dirty="0">
-                          <a:effectLst/>
-                          <a:latin typeface="Arial" panose="020B0604020202020204" pitchFamily="34" charset="0"/>
-                          <a:cs typeface="Arial" panose="020B0604020202020204" pitchFamily="34" charset="0"/>
-                        </a:rPr>
-                        <a:t> de</a:t>
-                      </a:r>
-                      <a:r>
-                        <a:rPr lang="es-MX" sz="1400" spc="110" dirty="0">
-                          <a:effectLst/>
-                          <a:latin typeface="Arial" panose="020B0604020202020204" pitchFamily="34" charset="0"/>
-                          <a:cs typeface="Arial" panose="020B0604020202020204" pitchFamily="34" charset="0"/>
-                        </a:rPr>
-                        <a:t> </a:t>
-                      </a:r>
-                      <a:r>
-                        <a:rPr lang="es-MX" sz="1400" spc="-5" dirty="0">
-                          <a:effectLst/>
-                          <a:latin typeface="Arial" panose="020B0604020202020204" pitchFamily="34" charset="0"/>
-                          <a:cs typeface="Arial" panose="020B0604020202020204" pitchFamily="34" charset="0"/>
-                        </a:rPr>
-                        <a:t>subred</a:t>
-                      </a:r>
-                      <a:endParaRPr lang="es-MX" sz="1400" dirty="0">
-                        <a:effectLst/>
-                        <a:latin typeface="Arial" panose="020B0604020202020204" pitchFamily="34" charset="0"/>
-                        <a:ea typeface="Calibri" panose="020F0502020204030204" pitchFamily="34" charset="0"/>
-                        <a:cs typeface="Arial" panose="020B0604020202020204" pitchFamily="34" charset="0"/>
-                      </a:endParaRPr>
-                    </a:p>
-                  </a:txBody>
-                  <a:tcPr marL="0" marR="0" marT="0" marB="0" anchor="ctr">
-                    <a:lnL w="12700" cap="flat" cmpd="sng" algn="ctr">
-                      <a:solidFill>
-                        <a:schemeClr val="tx1"/>
-                      </a:solidFill>
-                      <a:prstDash val="solid"/>
-                      <a:round/>
-                      <a:headEnd type="none" w="med" len="med"/>
-                      <a:tailEnd type="none" w="med" len="med"/>
-                    </a:lnL>
-                    <a:lnR w="12700" cap="flat" cmpd="sng" algn="ctr">
-                      <a:solidFill>
-                        <a:schemeClr val="tx1"/>
-                      </a:solidFill>
-                      <a:prstDash val="solid"/>
-                      <a:round/>
-                      <a:headEnd type="none" w="med" len="med"/>
-                      <a:tailEnd type="none" w="med" len="med"/>
-                    </a:lnR>
-                    <a:lnT w="12700" cap="flat" cmpd="sng" algn="ctr">
-                      <a:solidFill>
-                        <a:schemeClr val="tx1"/>
-                      </a:solidFill>
-                      <a:prstDash val="solid"/>
-                      <a:round/>
-                      <a:headEnd type="none" w="med" len="med"/>
-                      <a:tailEnd type="none" w="med" len="med"/>
-                    </a:lnT>
-                    <a:lnB w="12700" cap="flat" cmpd="sng" algn="ctr">
-                      <a:solidFill>
-                        <a:schemeClr val="tx1"/>
-                      </a:solidFill>
-                      <a:prstDash val="solid"/>
-                      <a:round/>
-                      <a:headEnd type="none" w="med" len="med"/>
-                      <a:tailEnd type="none" w="med" len="med"/>
-                    </a:lnB>
-                  </a:tcPr>
-                </a:tc>
-                <a:extLst>
-                  <a:ext uri="{0D108BD9-81ED-4DB2-BD59-A6C34878D82A}">
-                    <a16:rowId xmlns:a16="http://schemas.microsoft.com/office/drawing/2014/main" val="3039771022"/>
-                  </a:ext>
-                </a:extLst>
-              </a:tr>
-              <a:tr h="361315">
-                <a:tc>
-                  <a:txBody>
-                    <a:bodyPr/>
-                    <a:lstStyle/>
-                    <a:p>
-                      <a:pPr marL="5080" algn="ctr">
-                        <a:lnSpc>
-                          <a:spcPts val="1800"/>
-                        </a:lnSpc>
-                      </a:pPr>
-                      <a:r>
-                        <a:rPr lang="es-MX" sz="1400" b="1" spc="-5" dirty="0">
-                          <a:solidFill>
-                            <a:schemeClr val="tx1"/>
-                          </a:solidFill>
-                          <a:effectLst/>
-                          <a:latin typeface="Arial" panose="020B0604020202020204" pitchFamily="34" charset="0"/>
-                          <a:cs typeface="Arial" panose="020B0604020202020204" pitchFamily="34" charset="0"/>
-                        </a:rPr>
-                        <a:t>Management</a:t>
-                      </a:r>
-                      <a:endParaRPr lang="es-MX" sz="1400" b="1" dirty="0">
-                        <a:solidFill>
-                          <a:schemeClr val="tx1"/>
-                        </a:solidFill>
-                        <a:effectLst/>
-                        <a:latin typeface="Arial" panose="020B0604020202020204" pitchFamily="34" charset="0"/>
-                        <a:ea typeface="Calibri" panose="020F0502020204030204" pitchFamily="34" charset="0"/>
-                        <a:cs typeface="Arial" panose="020B0604020202020204" pitchFamily="34" charset="0"/>
-                      </a:endParaRPr>
-                    </a:p>
-                  </a:txBody>
-                  <a:tcPr marL="0" marR="0" marT="0" marB="0" anchor="ctr">
-                    <a:lnL w="12700" cap="flat" cmpd="sng" algn="ctr">
-                      <a:solidFill>
-                        <a:schemeClr val="tx1"/>
-                      </a:solidFill>
-                      <a:prstDash val="solid"/>
-                      <a:round/>
-                      <a:headEnd type="none" w="med" len="med"/>
-                      <a:tailEnd type="none" w="med" len="med"/>
-                    </a:lnL>
-                    <a:lnR w="12700" cap="flat" cmpd="sng" algn="ctr">
-                      <a:solidFill>
-                        <a:schemeClr val="tx1"/>
-                      </a:solidFill>
-                      <a:prstDash val="solid"/>
-                      <a:round/>
-                      <a:headEnd type="none" w="med" len="med"/>
-                      <a:tailEnd type="none" w="med" len="med"/>
-                    </a:lnR>
-                    <a:lnT w="12700" cap="flat" cmpd="sng" algn="ctr">
-                      <a:solidFill>
-                        <a:schemeClr val="tx1"/>
-                      </a:solidFill>
-                      <a:prstDash val="solid"/>
-                      <a:round/>
-                      <a:headEnd type="none" w="med" len="med"/>
-                      <a:tailEnd type="none" w="med" len="med"/>
-                    </a:lnT>
-                    <a:lnB w="12700" cap="flat" cmpd="sng" algn="ctr">
-                      <a:solidFill>
-                        <a:schemeClr val="tx1"/>
-                      </a:solidFill>
-                      <a:prstDash val="solid"/>
-                      <a:round/>
-                      <a:headEnd type="none" w="med" len="med"/>
-                      <a:tailEnd type="none" w="med" len="med"/>
-                    </a:lnB>
-                    <a:noFill/>
-                  </a:tcPr>
-                </a:tc>
-                <a:tc>
-                  <a:txBody>
-                    <a:bodyPr/>
-                    <a:lstStyle/>
-                    <a:p>
-                      <a:pPr marL="3810" algn="ctr">
-                        <a:lnSpc>
-                          <a:spcPts val="1800"/>
-                        </a:lnSpc>
-                      </a:pPr>
-                      <a:r>
-                        <a:rPr lang="es-MX" sz="1400" b="0" spc="-5" dirty="0">
-                          <a:solidFill>
-                            <a:schemeClr val="tx1"/>
-                          </a:solidFill>
-                          <a:effectLst/>
-                          <a:latin typeface="Arial" panose="020B0604020202020204" pitchFamily="34" charset="0"/>
-                          <a:cs typeface="Arial" panose="020B0604020202020204" pitchFamily="34" charset="0"/>
-                        </a:rPr>
-                        <a:t>10</a:t>
-                      </a:r>
-                      <a:endParaRPr lang="es-MX" sz="1400" b="0" dirty="0">
-                        <a:solidFill>
-                          <a:schemeClr val="tx1"/>
-                        </a:solidFill>
-                        <a:effectLst/>
-                        <a:latin typeface="Arial" panose="020B0604020202020204" pitchFamily="34" charset="0"/>
-                        <a:ea typeface="Calibri" panose="020F0502020204030204" pitchFamily="34" charset="0"/>
-                        <a:cs typeface="Arial" panose="020B0604020202020204" pitchFamily="34" charset="0"/>
-                      </a:endParaRPr>
-                    </a:p>
-                  </a:txBody>
-                  <a:tcPr marL="0" marR="0" marT="0" marB="0" anchor="ctr">
-                    <a:lnL w="12700" cap="flat" cmpd="sng" algn="ctr">
-                      <a:solidFill>
-                        <a:schemeClr val="tx1"/>
-                      </a:solidFill>
-                      <a:prstDash val="solid"/>
-                      <a:round/>
-                      <a:headEnd type="none" w="med" len="med"/>
-                      <a:tailEnd type="none" w="med" len="med"/>
-                    </a:lnL>
-                    <a:lnR w="12700" cap="flat" cmpd="sng" algn="ctr">
-                      <a:solidFill>
-                        <a:schemeClr val="tx1"/>
-                      </a:solidFill>
-                      <a:prstDash val="solid"/>
-                      <a:round/>
-                      <a:headEnd type="none" w="med" len="med"/>
-                      <a:tailEnd type="none" w="med" len="med"/>
-                    </a:lnR>
-                    <a:lnT w="12700" cap="flat" cmpd="sng" algn="ctr">
-                      <a:solidFill>
-                        <a:schemeClr val="tx1"/>
-                      </a:solidFill>
-                      <a:prstDash val="solid"/>
-                      <a:round/>
-                      <a:headEnd type="none" w="med" len="med"/>
-                      <a:tailEnd type="none" w="med" len="med"/>
-                    </a:lnT>
-                    <a:lnB w="12700" cap="flat" cmpd="sng" algn="ctr">
-                      <a:solidFill>
-                        <a:schemeClr val="tx1"/>
-                      </a:solidFill>
-                      <a:prstDash val="solid"/>
-                      <a:round/>
-                      <a:headEnd type="none" w="med" len="med"/>
-                      <a:tailEnd type="none" w="med" len="med"/>
-                    </a:lnB>
-                    <a:noFill/>
-                  </a:tcPr>
-                </a:tc>
-                <a:tc>
-                  <a:txBody>
-                    <a:bodyPr/>
-                    <a:lstStyle/>
-                    <a:p>
-                      <a:pPr marL="5080" algn="ctr">
-                        <a:lnSpc>
-                          <a:spcPts val="1800"/>
-                        </a:lnSpc>
-                      </a:pPr>
-                      <a:r>
-                        <a:rPr lang="es-MX" sz="1400" b="0" spc="-5" dirty="0">
-                          <a:solidFill>
-                            <a:schemeClr val="tx1"/>
-                          </a:solidFill>
-                          <a:effectLst/>
-                          <a:latin typeface="Arial" panose="020B0604020202020204" pitchFamily="34" charset="0"/>
-                          <a:cs typeface="Arial" panose="020B0604020202020204" pitchFamily="34" charset="0"/>
-                        </a:rPr>
-                        <a:t>F0/1-6</a:t>
-                      </a:r>
-                      <a:endParaRPr lang="es-MX" sz="1400" b="0" dirty="0">
-                        <a:solidFill>
-                          <a:schemeClr val="tx1"/>
-                        </a:solidFill>
-                        <a:effectLst/>
-                        <a:latin typeface="Arial" panose="020B0604020202020204" pitchFamily="34" charset="0"/>
-                        <a:ea typeface="Calibri" panose="020F0502020204030204" pitchFamily="34" charset="0"/>
-                        <a:cs typeface="Arial" panose="020B0604020202020204" pitchFamily="34" charset="0"/>
-                      </a:endParaRPr>
-                    </a:p>
-                  </a:txBody>
-                  <a:tcPr marL="0" marR="0" marT="0" marB="0" anchor="ctr">
-                    <a:lnL w="12700" cap="flat" cmpd="sng" algn="ctr">
-                      <a:solidFill>
-                        <a:schemeClr val="tx1"/>
-                      </a:solidFill>
-                      <a:prstDash val="solid"/>
-                      <a:round/>
-                      <a:headEnd type="none" w="med" len="med"/>
-                      <a:tailEnd type="none" w="med" len="med"/>
-                    </a:lnL>
-                    <a:lnR w="12700" cap="flat" cmpd="sng" algn="ctr">
-                      <a:solidFill>
-                        <a:schemeClr val="tx1"/>
-                      </a:solidFill>
-                      <a:prstDash val="solid"/>
-                      <a:round/>
-                      <a:headEnd type="none" w="med" len="med"/>
-                      <a:tailEnd type="none" w="med" len="med"/>
-                    </a:lnR>
-                    <a:lnT w="12700" cap="flat" cmpd="sng" algn="ctr">
-                      <a:solidFill>
-                        <a:schemeClr val="tx1"/>
-                      </a:solidFill>
-                      <a:prstDash val="solid"/>
-                      <a:round/>
-                      <a:headEnd type="none" w="med" len="med"/>
-                      <a:tailEnd type="none" w="med" len="med"/>
-                    </a:lnT>
-                    <a:lnB w="12700" cap="flat" cmpd="sng" algn="ctr">
-                      <a:solidFill>
-                        <a:schemeClr val="tx1"/>
-                      </a:solidFill>
-                      <a:prstDash val="solid"/>
-                      <a:round/>
-                      <a:headEnd type="none" w="med" len="med"/>
-                      <a:tailEnd type="none" w="med" len="med"/>
-                    </a:lnB>
-                    <a:noFill/>
-                  </a:tcPr>
-                </a:tc>
-                <a:tc>
-                  <a:txBody>
-                    <a:bodyPr/>
-                    <a:lstStyle/>
-                    <a:p>
-                      <a:pPr marL="3810" algn="ctr">
-                        <a:lnSpc>
-                          <a:spcPts val="1800"/>
-                        </a:lnSpc>
-                      </a:pPr>
-                      <a:r>
-                        <a:rPr lang="es-MX" sz="1400" b="0" spc="-5" dirty="0">
-                          <a:solidFill>
-                            <a:schemeClr val="tx1"/>
-                          </a:solidFill>
-                          <a:effectLst/>
-                          <a:latin typeface="Arial" panose="020B0604020202020204" pitchFamily="34" charset="0"/>
-                          <a:cs typeface="Arial" panose="020B0604020202020204" pitchFamily="34" charset="0"/>
-                        </a:rPr>
-                        <a:t>193.168.1.128</a:t>
-                      </a:r>
-                      <a:endParaRPr lang="es-MX" sz="1400" b="0" dirty="0">
-                        <a:solidFill>
-                          <a:schemeClr val="tx1"/>
-                        </a:solidFill>
-                        <a:effectLst/>
-                        <a:latin typeface="Arial" panose="020B0604020202020204" pitchFamily="34" charset="0"/>
-                        <a:ea typeface="Calibri" panose="020F0502020204030204" pitchFamily="34" charset="0"/>
-                        <a:cs typeface="Arial" panose="020B0604020202020204" pitchFamily="34" charset="0"/>
-                      </a:endParaRPr>
-                    </a:p>
-                  </a:txBody>
-                  <a:tcPr marL="0" marR="0" marT="0" marB="0" anchor="ctr">
-                    <a:lnL w="12700" cap="flat" cmpd="sng" algn="ctr">
-                      <a:solidFill>
-                        <a:schemeClr val="tx1"/>
-                      </a:solidFill>
-                      <a:prstDash val="solid"/>
-                      <a:round/>
-                      <a:headEnd type="none" w="med" len="med"/>
-                      <a:tailEnd type="none" w="med" len="med"/>
-                    </a:lnL>
-                    <a:lnR w="12700" cap="flat" cmpd="sng" algn="ctr">
-                      <a:solidFill>
-                        <a:schemeClr val="tx1"/>
-                      </a:solidFill>
-                      <a:prstDash val="solid"/>
-                      <a:round/>
-                      <a:headEnd type="none" w="med" len="med"/>
-                      <a:tailEnd type="none" w="med" len="med"/>
-                    </a:lnR>
-                    <a:lnT w="12700" cap="flat" cmpd="sng" algn="ctr">
-                      <a:solidFill>
-                        <a:schemeClr val="tx1"/>
-                      </a:solidFill>
-                      <a:prstDash val="solid"/>
-                      <a:round/>
-                      <a:headEnd type="none" w="med" len="med"/>
-                      <a:tailEnd type="none" w="med" len="med"/>
-                    </a:lnT>
-                    <a:lnB w="12700" cap="flat" cmpd="sng" algn="ctr">
-                      <a:solidFill>
-                        <a:schemeClr val="tx1"/>
-                      </a:solidFill>
-                      <a:prstDash val="solid"/>
-                      <a:round/>
-                      <a:headEnd type="none" w="med" len="med"/>
-                      <a:tailEnd type="none" w="med" len="med"/>
-                    </a:lnB>
-                    <a:noFill/>
-                  </a:tcPr>
-                </a:tc>
-                <a:tc>
-                  <a:txBody>
-                    <a:bodyPr/>
-                    <a:lstStyle/>
-                    <a:p>
-                      <a:pPr marL="5080" algn="ctr">
-                        <a:lnSpc>
-                          <a:spcPts val="1800"/>
-                        </a:lnSpc>
-                      </a:pPr>
-                      <a:r>
-                        <a:rPr lang="es-MX" sz="1400" b="0" spc="-5" dirty="0">
-                          <a:solidFill>
-                            <a:schemeClr val="tx1"/>
-                          </a:solidFill>
-                          <a:effectLst/>
-                          <a:latin typeface="Arial" panose="020B0604020202020204" pitchFamily="34" charset="0"/>
-                          <a:cs typeface="Arial" panose="020B0604020202020204" pitchFamily="34" charset="0"/>
-                        </a:rPr>
-                        <a:t>255.255.255.240</a:t>
-                      </a:r>
-                      <a:endParaRPr lang="es-MX" sz="1400" b="0" dirty="0">
-                        <a:solidFill>
-                          <a:schemeClr val="tx1"/>
-                        </a:solidFill>
-                        <a:effectLst/>
-                        <a:latin typeface="Arial" panose="020B0604020202020204" pitchFamily="34" charset="0"/>
-                        <a:ea typeface="Calibri" panose="020F0502020204030204" pitchFamily="34" charset="0"/>
-                        <a:cs typeface="Arial" panose="020B0604020202020204" pitchFamily="34" charset="0"/>
-                      </a:endParaRPr>
-                    </a:p>
-                  </a:txBody>
-                  <a:tcPr marL="0" marR="0" marT="0" marB="0" anchor="ctr">
-                    <a:lnL w="12700" cap="flat" cmpd="sng" algn="ctr">
-                      <a:solidFill>
-                        <a:schemeClr val="tx1"/>
-                      </a:solidFill>
-                      <a:prstDash val="solid"/>
-                      <a:round/>
-                      <a:headEnd type="none" w="med" len="med"/>
-                      <a:tailEnd type="none" w="med" len="med"/>
-                    </a:lnL>
-                    <a:lnR w="12700" cap="flat" cmpd="sng" algn="ctr">
-                      <a:solidFill>
-                        <a:schemeClr val="tx1"/>
-                      </a:solidFill>
-                      <a:prstDash val="solid"/>
-                      <a:round/>
-                      <a:headEnd type="none" w="med" len="med"/>
-                      <a:tailEnd type="none" w="med" len="med"/>
-                    </a:lnR>
-                    <a:lnT w="12700" cap="flat" cmpd="sng" algn="ctr">
-                      <a:solidFill>
-                        <a:schemeClr val="tx1"/>
-                      </a:solidFill>
-                      <a:prstDash val="solid"/>
-                      <a:round/>
-                      <a:headEnd type="none" w="med" len="med"/>
-                      <a:tailEnd type="none" w="med" len="med"/>
-                    </a:lnT>
-                    <a:lnB w="12700" cap="flat" cmpd="sng" algn="ctr">
-                      <a:solidFill>
-                        <a:schemeClr val="tx1"/>
-                      </a:solidFill>
-                      <a:prstDash val="solid"/>
-                      <a:round/>
-                      <a:headEnd type="none" w="med" len="med"/>
-                      <a:tailEnd type="none" w="med" len="med"/>
-                    </a:lnB>
-                    <a:noFill/>
-                  </a:tcPr>
-                </a:tc>
-                <a:extLst>
-                  <a:ext uri="{0D108BD9-81ED-4DB2-BD59-A6C34878D82A}">
-                    <a16:rowId xmlns:a16="http://schemas.microsoft.com/office/drawing/2014/main" val="1575077248"/>
-                  </a:ext>
-                </a:extLst>
-              </a:tr>
-              <a:tr h="363855">
-                <a:tc>
-                  <a:txBody>
-                    <a:bodyPr/>
-                    <a:lstStyle/>
-                    <a:p>
-                      <a:pPr marL="5080" algn="ctr">
-                        <a:lnSpc>
-                          <a:spcPts val="1800"/>
-                        </a:lnSpc>
-                      </a:pPr>
-                      <a:r>
-                        <a:rPr lang="es-MX" sz="1400" b="1" spc="-5" dirty="0">
-                          <a:solidFill>
-                            <a:schemeClr val="tx1"/>
-                          </a:solidFill>
-                          <a:effectLst/>
-                          <a:latin typeface="Arial" panose="020B0604020202020204" pitchFamily="34" charset="0"/>
-                          <a:ea typeface="Calibri" panose="020F0502020204030204" pitchFamily="34" charset="0"/>
-                          <a:cs typeface="Arial" panose="020B0604020202020204" pitchFamily="34" charset="0"/>
-                        </a:rPr>
-                        <a:t>Users</a:t>
-                      </a:r>
-                      <a:endParaRPr lang="es-MX" sz="1400" b="1" dirty="0">
-                        <a:solidFill>
-                          <a:schemeClr val="tx1"/>
-                        </a:solidFill>
-                        <a:effectLst/>
-                        <a:latin typeface="Arial" panose="020B0604020202020204" pitchFamily="34" charset="0"/>
-                        <a:ea typeface="Calibri" panose="020F0502020204030204" pitchFamily="34" charset="0"/>
-                        <a:cs typeface="Arial" panose="020B0604020202020204" pitchFamily="34" charset="0"/>
-                      </a:endParaRPr>
-                    </a:p>
-                  </a:txBody>
-                  <a:tcPr marL="0" marR="0" marT="0" marB="0" anchor="ctr">
-                    <a:lnL w="12700" cap="flat" cmpd="sng" algn="ctr">
-                      <a:solidFill>
-                        <a:schemeClr val="tx1"/>
-                      </a:solidFill>
-                      <a:prstDash val="solid"/>
-                      <a:round/>
-                      <a:headEnd type="none" w="med" len="med"/>
-                      <a:tailEnd type="none" w="med" len="med"/>
-                    </a:lnL>
-                    <a:lnR w="12700" cap="flat" cmpd="sng" algn="ctr">
-                      <a:solidFill>
-                        <a:schemeClr val="tx1"/>
-                      </a:solidFill>
-                      <a:prstDash val="solid"/>
-                      <a:round/>
-                      <a:headEnd type="none" w="med" len="med"/>
-                      <a:tailEnd type="none" w="med" len="med"/>
-                    </a:lnR>
-                    <a:lnT w="12700" cap="flat" cmpd="sng" algn="ctr">
-                      <a:solidFill>
-                        <a:schemeClr val="tx1"/>
-                      </a:solidFill>
-                      <a:prstDash val="solid"/>
-                      <a:round/>
-                      <a:headEnd type="none" w="med" len="med"/>
-                      <a:tailEnd type="none" w="med" len="med"/>
-                    </a:lnT>
-                    <a:lnB w="12700" cap="flat" cmpd="sng" algn="ctr">
-                      <a:solidFill>
-                        <a:schemeClr val="tx1"/>
-                      </a:solidFill>
-                      <a:prstDash val="solid"/>
-                      <a:round/>
-                      <a:headEnd type="none" w="med" len="med"/>
-                      <a:tailEnd type="none" w="med" len="med"/>
-                    </a:lnB>
-                    <a:noFill/>
-                  </a:tcPr>
-                </a:tc>
-                <a:tc>
-                  <a:txBody>
-                    <a:bodyPr/>
-                    <a:lstStyle/>
-                    <a:p>
-                      <a:pPr marL="3810" algn="ctr">
-                        <a:lnSpc>
-                          <a:spcPts val="1800"/>
-                        </a:lnSpc>
-                      </a:pPr>
-                      <a:r>
-                        <a:rPr lang="es-MX" sz="1400" b="0" spc="-5" dirty="0">
-                          <a:solidFill>
-                            <a:schemeClr val="tx1"/>
-                          </a:solidFill>
-                          <a:effectLst/>
-                          <a:latin typeface="Arial" panose="020B0604020202020204" pitchFamily="34" charset="0"/>
-                          <a:cs typeface="Arial" panose="020B0604020202020204" pitchFamily="34" charset="0"/>
-                        </a:rPr>
-                        <a:t>20</a:t>
-                      </a:r>
-                      <a:endParaRPr lang="es-MX" sz="1400" b="0" dirty="0">
-                        <a:solidFill>
-                          <a:schemeClr val="tx1"/>
-                        </a:solidFill>
-                        <a:effectLst/>
-                        <a:latin typeface="Arial" panose="020B0604020202020204" pitchFamily="34" charset="0"/>
-                        <a:ea typeface="Calibri" panose="020F0502020204030204" pitchFamily="34" charset="0"/>
-                        <a:cs typeface="Arial" panose="020B0604020202020204" pitchFamily="34" charset="0"/>
-                      </a:endParaRPr>
-                    </a:p>
-                  </a:txBody>
-                  <a:tcPr marL="0" marR="0" marT="0" marB="0" anchor="ctr">
-                    <a:lnL w="12700" cap="flat" cmpd="sng" algn="ctr">
-                      <a:solidFill>
-                        <a:schemeClr val="tx1"/>
-                      </a:solidFill>
-                      <a:prstDash val="solid"/>
-                      <a:round/>
-                      <a:headEnd type="none" w="med" len="med"/>
-                      <a:tailEnd type="none" w="med" len="med"/>
-                    </a:lnL>
-                    <a:lnR w="12700" cap="flat" cmpd="sng" algn="ctr">
-                      <a:solidFill>
-                        <a:schemeClr val="tx1"/>
-                      </a:solidFill>
-                      <a:prstDash val="solid"/>
-                      <a:round/>
-                      <a:headEnd type="none" w="med" len="med"/>
-                      <a:tailEnd type="none" w="med" len="med"/>
-                    </a:lnR>
-                    <a:lnT w="12700" cap="flat" cmpd="sng" algn="ctr">
-                      <a:solidFill>
-                        <a:schemeClr val="tx1"/>
-                      </a:solidFill>
-                      <a:prstDash val="solid"/>
-                      <a:round/>
-                      <a:headEnd type="none" w="med" len="med"/>
-                      <a:tailEnd type="none" w="med" len="med"/>
-                    </a:lnT>
-                    <a:lnB w="12700" cap="flat" cmpd="sng" algn="ctr">
-                      <a:solidFill>
-                        <a:schemeClr val="tx1"/>
-                      </a:solidFill>
-                      <a:prstDash val="solid"/>
-                      <a:round/>
-                      <a:headEnd type="none" w="med" len="med"/>
-                      <a:tailEnd type="none" w="med" len="med"/>
-                    </a:lnB>
-                    <a:noFill/>
-                  </a:tcPr>
-                </a:tc>
-                <a:tc>
-                  <a:txBody>
-                    <a:bodyPr/>
-                    <a:lstStyle/>
-                    <a:p>
-                      <a:pPr marL="5080" algn="ctr">
-                        <a:lnSpc>
-                          <a:spcPts val="1800"/>
-                        </a:lnSpc>
-                      </a:pPr>
-                      <a:r>
-                        <a:rPr lang="es-MX" sz="1400" b="0" spc="-5" dirty="0">
-                          <a:solidFill>
-                            <a:schemeClr val="tx1"/>
-                          </a:solidFill>
-                          <a:effectLst/>
-                          <a:latin typeface="Arial" panose="020B0604020202020204" pitchFamily="34" charset="0"/>
-                          <a:cs typeface="Arial" panose="020B0604020202020204" pitchFamily="34" charset="0"/>
-                        </a:rPr>
-                        <a:t>F0/7-19</a:t>
-                      </a:r>
-                      <a:endParaRPr lang="es-MX" sz="1400" b="0" dirty="0">
-                        <a:solidFill>
-                          <a:schemeClr val="tx1"/>
-                        </a:solidFill>
-                        <a:effectLst/>
-                        <a:latin typeface="Arial" panose="020B0604020202020204" pitchFamily="34" charset="0"/>
-                        <a:ea typeface="Calibri" panose="020F0502020204030204" pitchFamily="34" charset="0"/>
-                        <a:cs typeface="Arial" panose="020B0604020202020204" pitchFamily="34" charset="0"/>
-                      </a:endParaRPr>
-                    </a:p>
-                  </a:txBody>
-                  <a:tcPr marL="0" marR="0" marT="0" marB="0" anchor="ctr">
-                    <a:lnL w="12700" cap="flat" cmpd="sng" algn="ctr">
-                      <a:solidFill>
-                        <a:schemeClr val="tx1"/>
-                      </a:solidFill>
-                      <a:prstDash val="solid"/>
-                      <a:round/>
-                      <a:headEnd type="none" w="med" len="med"/>
-                      <a:tailEnd type="none" w="med" len="med"/>
-                    </a:lnL>
-                    <a:lnR w="12700" cap="flat" cmpd="sng" algn="ctr">
-                      <a:solidFill>
-                        <a:schemeClr val="tx1"/>
-                      </a:solidFill>
-                      <a:prstDash val="solid"/>
-                      <a:round/>
-                      <a:headEnd type="none" w="med" len="med"/>
-                      <a:tailEnd type="none" w="med" len="med"/>
-                    </a:lnR>
-                    <a:lnT w="12700" cap="flat" cmpd="sng" algn="ctr">
-                      <a:solidFill>
-                        <a:schemeClr val="tx1"/>
-                      </a:solidFill>
-                      <a:prstDash val="solid"/>
-                      <a:round/>
-                      <a:headEnd type="none" w="med" len="med"/>
-                      <a:tailEnd type="none" w="med" len="med"/>
-                    </a:lnT>
-                    <a:lnB w="12700" cap="flat" cmpd="sng" algn="ctr">
-                      <a:solidFill>
-                        <a:schemeClr val="tx1"/>
-                      </a:solidFill>
-                      <a:prstDash val="solid"/>
-                      <a:round/>
-                      <a:headEnd type="none" w="med" len="med"/>
-                      <a:tailEnd type="none" w="med" len="med"/>
-                    </a:lnB>
-                    <a:noFill/>
-                  </a:tcPr>
-                </a:tc>
-                <a:tc>
-                  <a:txBody>
-                    <a:bodyPr/>
-                    <a:lstStyle/>
-                    <a:p>
-                      <a:pPr marL="3810" algn="ctr">
-                        <a:lnSpc>
-                          <a:spcPts val="1800"/>
-                        </a:lnSpc>
-                      </a:pPr>
-                      <a:r>
-                        <a:rPr lang="es-MX" sz="1400" b="0" spc="-5" dirty="0">
-                          <a:solidFill>
-                            <a:schemeClr val="tx1"/>
-                          </a:solidFill>
-                          <a:effectLst/>
-                          <a:latin typeface="Arial" panose="020B0604020202020204" pitchFamily="34" charset="0"/>
-                          <a:cs typeface="Arial" panose="020B0604020202020204" pitchFamily="34" charset="0"/>
-                        </a:rPr>
-                        <a:t>193.168.1.0</a:t>
-                      </a:r>
-                      <a:endParaRPr lang="es-MX" sz="1400" b="0" dirty="0">
-                        <a:solidFill>
-                          <a:schemeClr val="tx1"/>
-                        </a:solidFill>
-                        <a:effectLst/>
-                        <a:latin typeface="Arial" panose="020B0604020202020204" pitchFamily="34" charset="0"/>
-                        <a:ea typeface="Calibri" panose="020F0502020204030204" pitchFamily="34" charset="0"/>
-                        <a:cs typeface="Arial" panose="020B0604020202020204" pitchFamily="34" charset="0"/>
-                      </a:endParaRPr>
-                    </a:p>
-                  </a:txBody>
-                  <a:tcPr marL="0" marR="0" marT="0" marB="0" anchor="ctr">
-                    <a:lnL w="12700" cap="flat" cmpd="sng" algn="ctr">
-                      <a:solidFill>
-                        <a:schemeClr val="tx1"/>
-                      </a:solidFill>
-                      <a:prstDash val="solid"/>
-                      <a:round/>
-                      <a:headEnd type="none" w="med" len="med"/>
-                      <a:tailEnd type="none" w="med" len="med"/>
-                    </a:lnL>
-                    <a:lnR w="12700" cap="flat" cmpd="sng" algn="ctr">
-                      <a:solidFill>
-                        <a:schemeClr val="tx1"/>
-                      </a:solidFill>
-                      <a:prstDash val="solid"/>
-                      <a:round/>
-                      <a:headEnd type="none" w="med" len="med"/>
-                      <a:tailEnd type="none" w="med" len="med"/>
-                    </a:lnR>
-                    <a:lnT w="12700" cap="flat" cmpd="sng" algn="ctr">
-                      <a:solidFill>
-                        <a:schemeClr val="tx1"/>
-                      </a:solidFill>
-                      <a:prstDash val="solid"/>
-                      <a:round/>
-                      <a:headEnd type="none" w="med" len="med"/>
-                      <a:tailEnd type="none" w="med" len="med"/>
-                    </a:lnT>
-                    <a:lnB w="12700" cap="flat" cmpd="sng" algn="ctr">
-                      <a:solidFill>
-                        <a:schemeClr val="tx1"/>
-                      </a:solidFill>
-                      <a:prstDash val="solid"/>
-                      <a:round/>
-                      <a:headEnd type="none" w="med" len="med"/>
-                      <a:tailEnd type="none" w="med" len="med"/>
-                    </a:lnB>
-                    <a:noFill/>
-                  </a:tcPr>
-                </a:tc>
-                <a:tc>
-                  <a:txBody>
-                    <a:bodyPr/>
-                    <a:lstStyle/>
-                    <a:p>
-                      <a:pPr marL="5080" algn="ctr">
-                        <a:lnSpc>
-                          <a:spcPts val="1800"/>
-                        </a:lnSpc>
-                      </a:pPr>
-                      <a:r>
-                        <a:rPr lang="es-MX" sz="1400" b="0" spc="-5" dirty="0">
-                          <a:solidFill>
-                            <a:schemeClr val="tx1"/>
-                          </a:solidFill>
-                          <a:effectLst/>
-                          <a:latin typeface="Arial" panose="020B0604020202020204" pitchFamily="34" charset="0"/>
-                          <a:cs typeface="Arial" panose="020B0604020202020204" pitchFamily="34" charset="0"/>
-                        </a:rPr>
-                        <a:t>255.255.255.128</a:t>
-                      </a:r>
-                      <a:endParaRPr lang="es-MX" sz="1400" b="0" dirty="0">
-                        <a:solidFill>
-                          <a:schemeClr val="tx1"/>
-                        </a:solidFill>
-                        <a:effectLst/>
-                        <a:latin typeface="Arial" panose="020B0604020202020204" pitchFamily="34" charset="0"/>
-                        <a:ea typeface="Calibri" panose="020F0502020204030204" pitchFamily="34" charset="0"/>
-                        <a:cs typeface="Arial" panose="020B0604020202020204" pitchFamily="34" charset="0"/>
-                      </a:endParaRPr>
-                    </a:p>
-                  </a:txBody>
-                  <a:tcPr marL="0" marR="0" marT="0" marB="0" anchor="ctr">
-                    <a:lnL w="12700" cap="flat" cmpd="sng" algn="ctr">
-                      <a:solidFill>
-                        <a:schemeClr val="tx1"/>
-                      </a:solidFill>
-                      <a:prstDash val="solid"/>
-                      <a:round/>
-                      <a:headEnd type="none" w="med" len="med"/>
-                      <a:tailEnd type="none" w="med" len="med"/>
-                    </a:lnL>
-                    <a:lnR w="12700" cap="flat" cmpd="sng" algn="ctr">
-                      <a:solidFill>
-                        <a:schemeClr val="tx1"/>
-                      </a:solidFill>
-                      <a:prstDash val="solid"/>
-                      <a:round/>
-                      <a:headEnd type="none" w="med" len="med"/>
-                      <a:tailEnd type="none" w="med" len="med"/>
-                    </a:lnR>
-                    <a:lnT w="12700" cap="flat" cmpd="sng" algn="ctr">
-                      <a:solidFill>
-                        <a:schemeClr val="tx1"/>
-                      </a:solidFill>
-                      <a:prstDash val="solid"/>
-                      <a:round/>
-                      <a:headEnd type="none" w="med" len="med"/>
-                      <a:tailEnd type="none" w="med" len="med"/>
-                    </a:lnT>
-                    <a:lnB w="12700" cap="flat" cmpd="sng" algn="ctr">
-                      <a:solidFill>
-                        <a:schemeClr val="tx1"/>
-                      </a:solidFill>
-                      <a:prstDash val="solid"/>
-                      <a:round/>
-                      <a:headEnd type="none" w="med" len="med"/>
-                      <a:tailEnd type="none" w="med" len="med"/>
-                    </a:lnB>
-                    <a:noFill/>
-                  </a:tcPr>
-                </a:tc>
-                <a:extLst>
-                  <a:ext uri="{0D108BD9-81ED-4DB2-BD59-A6C34878D82A}">
-                    <a16:rowId xmlns:a16="http://schemas.microsoft.com/office/drawing/2014/main" val="3763312521"/>
-                  </a:ext>
-                </a:extLst>
-              </a:tr>
-              <a:tr h="363855">
-                <a:tc>
-                  <a:txBody>
-                    <a:bodyPr/>
-                    <a:lstStyle/>
-                    <a:p>
-                      <a:pPr marL="5080" algn="ctr">
-                        <a:lnSpc>
-                          <a:spcPts val="1800"/>
-                        </a:lnSpc>
-                      </a:pPr>
-                      <a:r>
-                        <a:rPr lang="es-MX" sz="1400" b="1" spc="-5" dirty="0">
-                          <a:solidFill>
-                            <a:schemeClr val="tx1"/>
-                          </a:solidFill>
-                          <a:effectLst/>
-                          <a:latin typeface="Arial" panose="020B0604020202020204" pitchFamily="34" charset="0"/>
-                          <a:cs typeface="Arial" panose="020B0604020202020204" pitchFamily="34" charset="0"/>
-                        </a:rPr>
-                        <a:t>Services</a:t>
-                      </a:r>
-                      <a:endParaRPr lang="es-MX" sz="1400" b="1" dirty="0">
-                        <a:solidFill>
-                          <a:schemeClr val="tx1"/>
-                        </a:solidFill>
-                        <a:effectLst/>
-                        <a:latin typeface="Arial" panose="020B0604020202020204" pitchFamily="34" charset="0"/>
-                        <a:ea typeface="Calibri" panose="020F0502020204030204" pitchFamily="34" charset="0"/>
-                        <a:cs typeface="Arial" panose="020B0604020202020204" pitchFamily="34" charset="0"/>
-                      </a:endParaRPr>
-                    </a:p>
-                  </a:txBody>
-                  <a:tcPr marL="0" marR="0" marT="0" marB="0" anchor="ctr">
-                    <a:lnL w="12700" cap="flat" cmpd="sng" algn="ctr">
-                      <a:solidFill>
-                        <a:schemeClr val="tx1"/>
-                      </a:solidFill>
-                      <a:prstDash val="solid"/>
-                      <a:round/>
-                      <a:headEnd type="none" w="med" len="med"/>
-                      <a:tailEnd type="none" w="med" len="med"/>
-                    </a:lnL>
-                    <a:lnR w="12700" cap="flat" cmpd="sng" algn="ctr">
-                      <a:solidFill>
-                        <a:schemeClr val="tx1"/>
-                      </a:solidFill>
-                      <a:prstDash val="solid"/>
-                      <a:round/>
-                      <a:headEnd type="none" w="med" len="med"/>
-                      <a:tailEnd type="none" w="med" len="med"/>
-                    </a:lnR>
-                    <a:lnT w="12700" cap="flat" cmpd="sng" algn="ctr">
-                      <a:solidFill>
-                        <a:schemeClr val="tx1"/>
-                      </a:solidFill>
-                      <a:prstDash val="solid"/>
-                      <a:round/>
-                      <a:headEnd type="none" w="med" len="med"/>
-                      <a:tailEnd type="none" w="med" len="med"/>
-                    </a:lnT>
-                    <a:lnB w="12700" cap="flat" cmpd="sng" algn="ctr">
-                      <a:solidFill>
-                        <a:schemeClr val="tx1"/>
-                      </a:solidFill>
-                      <a:prstDash val="solid"/>
-                      <a:round/>
-                      <a:headEnd type="none" w="med" len="med"/>
-                      <a:tailEnd type="none" w="med" len="med"/>
-                    </a:lnB>
-                    <a:noFill/>
-                  </a:tcPr>
-                </a:tc>
-                <a:tc>
-                  <a:txBody>
-                    <a:bodyPr/>
-                    <a:lstStyle/>
-                    <a:p>
-                      <a:pPr marL="3810" algn="ctr">
-                        <a:lnSpc>
-                          <a:spcPts val="1800"/>
-                        </a:lnSpc>
-                      </a:pPr>
-                      <a:r>
-                        <a:rPr lang="es-MX" sz="1400" b="0" spc="-5" dirty="0">
-                          <a:solidFill>
-                            <a:schemeClr val="tx1"/>
-                          </a:solidFill>
-                          <a:effectLst/>
-                          <a:latin typeface="Arial" panose="020B0604020202020204" pitchFamily="34" charset="0"/>
-                          <a:cs typeface="Arial" panose="020B0604020202020204" pitchFamily="34" charset="0"/>
-                        </a:rPr>
-                        <a:t>30</a:t>
-                      </a:r>
-                      <a:endParaRPr lang="es-MX" sz="1400" b="0" dirty="0">
-                        <a:solidFill>
-                          <a:schemeClr val="tx1"/>
-                        </a:solidFill>
-                        <a:effectLst/>
-                        <a:latin typeface="Arial" panose="020B0604020202020204" pitchFamily="34" charset="0"/>
-                        <a:ea typeface="Calibri" panose="020F0502020204030204" pitchFamily="34" charset="0"/>
-                        <a:cs typeface="Arial" panose="020B0604020202020204" pitchFamily="34" charset="0"/>
-                      </a:endParaRPr>
-                    </a:p>
-                  </a:txBody>
-                  <a:tcPr marL="0" marR="0" marT="0" marB="0" anchor="ctr">
-                    <a:lnL w="12700" cap="flat" cmpd="sng" algn="ctr">
-                      <a:solidFill>
-                        <a:schemeClr val="tx1"/>
-                      </a:solidFill>
-                      <a:prstDash val="solid"/>
-                      <a:round/>
-                      <a:headEnd type="none" w="med" len="med"/>
-                      <a:tailEnd type="none" w="med" len="med"/>
-                    </a:lnL>
-                    <a:lnR w="12700" cap="flat" cmpd="sng" algn="ctr">
-                      <a:solidFill>
-                        <a:schemeClr val="tx1"/>
-                      </a:solidFill>
-                      <a:prstDash val="solid"/>
-                      <a:round/>
-                      <a:headEnd type="none" w="med" len="med"/>
-                      <a:tailEnd type="none" w="med" len="med"/>
-                    </a:lnR>
-                    <a:lnT w="12700" cap="flat" cmpd="sng" algn="ctr">
-                      <a:solidFill>
-                        <a:schemeClr val="tx1"/>
-                      </a:solidFill>
-                      <a:prstDash val="solid"/>
-                      <a:round/>
-                      <a:headEnd type="none" w="med" len="med"/>
-                      <a:tailEnd type="none" w="med" len="med"/>
-                    </a:lnT>
-                    <a:lnB w="12700" cap="flat" cmpd="sng" algn="ctr">
-                      <a:solidFill>
-                        <a:schemeClr val="tx1"/>
-                      </a:solidFill>
-                      <a:prstDash val="solid"/>
-                      <a:round/>
-                      <a:headEnd type="none" w="med" len="med"/>
-                      <a:tailEnd type="none" w="med" len="med"/>
-                    </a:lnB>
-                    <a:noFill/>
-                  </a:tcPr>
-                </a:tc>
-                <a:tc>
-                  <a:txBody>
-                    <a:bodyPr/>
-                    <a:lstStyle/>
-                    <a:p>
-                      <a:pPr marL="5080" algn="ctr">
-                        <a:lnSpc>
-                          <a:spcPts val="1800"/>
-                        </a:lnSpc>
-                      </a:pPr>
-                      <a:r>
-                        <a:rPr lang="es-MX" sz="1400" b="0" spc="-5" dirty="0">
-                          <a:solidFill>
-                            <a:schemeClr val="tx1"/>
-                          </a:solidFill>
-                          <a:effectLst/>
-                          <a:latin typeface="Arial" panose="020B0604020202020204" pitchFamily="34" charset="0"/>
-                          <a:cs typeface="Arial" panose="020B0604020202020204" pitchFamily="34" charset="0"/>
-                        </a:rPr>
-                        <a:t>F0/20-24</a:t>
-                      </a:r>
-                      <a:endParaRPr lang="es-MX" sz="1400" b="0" dirty="0">
-                        <a:solidFill>
-                          <a:schemeClr val="tx1"/>
-                        </a:solidFill>
-                        <a:effectLst/>
-                        <a:latin typeface="Arial" panose="020B0604020202020204" pitchFamily="34" charset="0"/>
-                        <a:ea typeface="Calibri" panose="020F0502020204030204" pitchFamily="34" charset="0"/>
-                        <a:cs typeface="Arial" panose="020B0604020202020204" pitchFamily="34" charset="0"/>
-                      </a:endParaRPr>
-                    </a:p>
-                  </a:txBody>
-                  <a:tcPr marL="0" marR="0" marT="0" marB="0" anchor="ctr">
-                    <a:lnL w="12700" cap="flat" cmpd="sng" algn="ctr">
-                      <a:solidFill>
-                        <a:schemeClr val="tx1"/>
-                      </a:solidFill>
-                      <a:prstDash val="solid"/>
-                      <a:round/>
-                      <a:headEnd type="none" w="med" len="med"/>
-                      <a:tailEnd type="none" w="med" len="med"/>
-                    </a:lnL>
-                    <a:lnR w="12700" cap="flat" cmpd="sng" algn="ctr">
-                      <a:solidFill>
-                        <a:schemeClr val="tx1"/>
-                      </a:solidFill>
-                      <a:prstDash val="solid"/>
-                      <a:round/>
-                      <a:headEnd type="none" w="med" len="med"/>
-                      <a:tailEnd type="none" w="med" len="med"/>
-                    </a:lnR>
-                    <a:lnT w="12700" cap="flat" cmpd="sng" algn="ctr">
-                      <a:solidFill>
-                        <a:schemeClr val="tx1"/>
-                      </a:solidFill>
-                      <a:prstDash val="solid"/>
-                      <a:round/>
-                      <a:headEnd type="none" w="med" len="med"/>
-                      <a:tailEnd type="none" w="med" len="med"/>
-                    </a:lnT>
-                    <a:lnB w="12700" cap="flat" cmpd="sng" algn="ctr">
-                      <a:solidFill>
-                        <a:schemeClr val="tx1"/>
-                      </a:solidFill>
-                      <a:prstDash val="solid"/>
-                      <a:round/>
-                      <a:headEnd type="none" w="med" len="med"/>
-                      <a:tailEnd type="none" w="med" len="med"/>
-                    </a:lnB>
-                    <a:noFill/>
-                  </a:tcPr>
-                </a:tc>
-                <a:tc>
-                  <a:txBody>
-                    <a:bodyPr/>
-                    <a:lstStyle/>
-                    <a:p>
-                      <a:pPr marL="3810" algn="ctr">
-                        <a:lnSpc>
-                          <a:spcPts val="1800"/>
-                        </a:lnSpc>
-                      </a:pPr>
-                      <a:r>
-                        <a:rPr lang="es-MX" sz="1400" b="0" spc="-5" dirty="0">
-                          <a:solidFill>
-                            <a:schemeClr val="tx1"/>
-                          </a:solidFill>
-                          <a:effectLst/>
-                          <a:latin typeface="Arial" panose="020B0604020202020204" pitchFamily="34" charset="0"/>
-                          <a:cs typeface="Arial" panose="020B0604020202020204" pitchFamily="34" charset="0"/>
-                        </a:rPr>
-                        <a:t>193.168.1.144</a:t>
-                      </a:r>
-                      <a:endParaRPr lang="es-MX" sz="1400" b="0" dirty="0">
-                        <a:solidFill>
-                          <a:schemeClr val="tx1"/>
-                        </a:solidFill>
-                        <a:effectLst/>
-                        <a:latin typeface="Arial" panose="020B0604020202020204" pitchFamily="34" charset="0"/>
-                        <a:ea typeface="Calibri" panose="020F0502020204030204" pitchFamily="34" charset="0"/>
-                        <a:cs typeface="Arial" panose="020B0604020202020204" pitchFamily="34" charset="0"/>
-                      </a:endParaRPr>
-                    </a:p>
-                  </a:txBody>
-                  <a:tcPr marL="0" marR="0" marT="0" marB="0" anchor="ctr">
-                    <a:lnL w="12700" cap="flat" cmpd="sng" algn="ctr">
-                      <a:solidFill>
-                        <a:schemeClr val="tx1"/>
-                      </a:solidFill>
-                      <a:prstDash val="solid"/>
-                      <a:round/>
-                      <a:headEnd type="none" w="med" len="med"/>
-                      <a:tailEnd type="none" w="med" len="med"/>
-                    </a:lnL>
-                    <a:lnR w="12700" cap="flat" cmpd="sng" algn="ctr">
-                      <a:solidFill>
-                        <a:schemeClr val="tx1"/>
-                      </a:solidFill>
-                      <a:prstDash val="solid"/>
-                      <a:round/>
-                      <a:headEnd type="none" w="med" len="med"/>
-                      <a:tailEnd type="none" w="med" len="med"/>
-                    </a:lnR>
-                    <a:lnT w="12700" cap="flat" cmpd="sng" algn="ctr">
-                      <a:solidFill>
-                        <a:schemeClr val="tx1"/>
-                      </a:solidFill>
-                      <a:prstDash val="solid"/>
-                      <a:round/>
-                      <a:headEnd type="none" w="med" len="med"/>
-                      <a:tailEnd type="none" w="med" len="med"/>
-                    </a:lnT>
-                    <a:lnB w="12700" cap="flat" cmpd="sng" algn="ctr">
-                      <a:solidFill>
-                        <a:schemeClr val="tx1"/>
-                      </a:solidFill>
-                      <a:prstDash val="solid"/>
-                      <a:round/>
-                      <a:headEnd type="none" w="med" len="med"/>
-                      <a:tailEnd type="none" w="med" len="med"/>
-                    </a:lnB>
-                    <a:noFill/>
-                  </a:tcPr>
-                </a:tc>
-                <a:tc>
-                  <a:txBody>
-                    <a:bodyPr/>
-                    <a:lstStyle/>
-                    <a:p>
-                      <a:pPr marL="5080" algn="ctr">
-                        <a:lnSpc>
-                          <a:spcPts val="1800"/>
-                        </a:lnSpc>
-                      </a:pPr>
-                      <a:r>
-                        <a:rPr lang="es-MX" sz="1400" b="0" spc="-5" dirty="0">
-                          <a:solidFill>
-                            <a:schemeClr val="tx1"/>
-                          </a:solidFill>
-                          <a:effectLst/>
-                          <a:latin typeface="Arial" panose="020B0604020202020204" pitchFamily="34" charset="0"/>
-                          <a:cs typeface="Arial" panose="020B0604020202020204" pitchFamily="34" charset="0"/>
-                        </a:rPr>
-                        <a:t>255.255.255.248</a:t>
-                      </a:r>
-                      <a:endParaRPr lang="es-MX" sz="1400" b="0" dirty="0">
-                        <a:solidFill>
-                          <a:schemeClr val="tx1"/>
-                        </a:solidFill>
-                        <a:effectLst/>
-                        <a:latin typeface="Arial" panose="020B0604020202020204" pitchFamily="34" charset="0"/>
-                        <a:ea typeface="Calibri" panose="020F0502020204030204" pitchFamily="34" charset="0"/>
-                        <a:cs typeface="Arial" panose="020B0604020202020204" pitchFamily="34" charset="0"/>
-                      </a:endParaRPr>
-                    </a:p>
-                  </a:txBody>
-                  <a:tcPr marL="0" marR="0" marT="0" marB="0" anchor="ctr">
-                    <a:lnL w="12700" cap="flat" cmpd="sng" algn="ctr">
-                      <a:solidFill>
-                        <a:schemeClr val="tx1"/>
-                      </a:solidFill>
-                      <a:prstDash val="solid"/>
-                      <a:round/>
-                      <a:headEnd type="none" w="med" len="med"/>
-                      <a:tailEnd type="none" w="med" len="med"/>
-                    </a:lnL>
-                    <a:lnR w="12700" cap="flat" cmpd="sng" algn="ctr">
-                      <a:solidFill>
-                        <a:schemeClr val="tx1"/>
-                      </a:solidFill>
-                      <a:prstDash val="solid"/>
-                      <a:round/>
-                      <a:headEnd type="none" w="med" len="med"/>
-                      <a:tailEnd type="none" w="med" len="med"/>
-                    </a:lnR>
-                    <a:lnT w="12700" cap="flat" cmpd="sng" algn="ctr">
-                      <a:solidFill>
-                        <a:schemeClr val="tx1"/>
-                      </a:solidFill>
-                      <a:prstDash val="solid"/>
-                      <a:round/>
-                      <a:headEnd type="none" w="med" len="med"/>
-                      <a:tailEnd type="none" w="med" len="med"/>
-                    </a:lnT>
-                    <a:lnB w="12700" cap="flat" cmpd="sng" algn="ctr">
-                      <a:solidFill>
-                        <a:schemeClr val="tx1"/>
-                      </a:solidFill>
-                      <a:prstDash val="solid"/>
-                      <a:round/>
-                      <a:headEnd type="none" w="med" len="med"/>
-                      <a:tailEnd type="none" w="med" len="med"/>
-                    </a:lnB>
-                    <a:noFill/>
-                  </a:tcPr>
-                </a:tc>
-                <a:extLst>
-                  <a:ext uri="{0D108BD9-81ED-4DB2-BD59-A6C34878D82A}">
-                    <a16:rowId xmlns:a16="http://schemas.microsoft.com/office/drawing/2014/main" val="1959322335"/>
-                  </a:ext>
-                </a:extLst>
-              </a:tr>
-              <a:tr h="363855">
-                <a:tc>
-                  <a:txBody>
-                    <a:bodyPr/>
-                    <a:lstStyle/>
-                    <a:p>
-                      <a:pPr marL="5080" algn="ctr">
-                        <a:lnSpc>
-                          <a:spcPts val="1800"/>
-                        </a:lnSpc>
-                      </a:pPr>
-                      <a:r>
-                        <a:rPr lang="es-MX" sz="1400" b="1" dirty="0">
-                          <a:solidFill>
-                            <a:schemeClr val="tx1"/>
-                          </a:solidFill>
-                          <a:effectLst/>
-                          <a:latin typeface="Arial" panose="020B0604020202020204" pitchFamily="34" charset="0"/>
-                          <a:ea typeface="Calibri" panose="020F0502020204030204" pitchFamily="34" charset="0"/>
-                          <a:cs typeface="Arial" panose="020B0604020202020204" pitchFamily="34" charset="0"/>
-                        </a:rPr>
-                        <a:t>Native</a:t>
-                      </a:r>
-                    </a:p>
-                  </a:txBody>
-                  <a:tcPr marL="0" marR="0" marT="0" marB="0" anchor="ctr">
-                    <a:lnL w="12700" cap="flat" cmpd="sng" algn="ctr">
-                      <a:solidFill>
-                        <a:schemeClr val="tx1"/>
-                      </a:solidFill>
-                      <a:prstDash val="solid"/>
-                      <a:round/>
-                      <a:headEnd type="none" w="med" len="med"/>
-                      <a:tailEnd type="none" w="med" len="med"/>
-                    </a:lnL>
-                    <a:lnR w="12700" cap="flat" cmpd="sng" algn="ctr">
-                      <a:solidFill>
-                        <a:schemeClr val="tx1"/>
-                      </a:solidFill>
-                      <a:prstDash val="solid"/>
-                      <a:round/>
-                      <a:headEnd type="none" w="med" len="med"/>
-                      <a:tailEnd type="none" w="med" len="med"/>
-                    </a:lnR>
-                    <a:lnT w="12700" cap="flat" cmpd="sng" algn="ctr">
-                      <a:solidFill>
-                        <a:schemeClr val="tx1"/>
-                      </a:solidFill>
-                      <a:prstDash val="solid"/>
-                      <a:round/>
-                      <a:headEnd type="none" w="med" len="med"/>
-                      <a:tailEnd type="none" w="med" len="med"/>
-                    </a:lnT>
-                    <a:lnB w="12700" cap="flat" cmpd="sng" algn="ctr">
-                      <a:solidFill>
-                        <a:schemeClr val="tx1"/>
-                      </a:solidFill>
-                      <a:prstDash val="solid"/>
-                      <a:round/>
-                      <a:headEnd type="none" w="med" len="med"/>
-                      <a:tailEnd type="none" w="med" len="med"/>
-                    </a:lnB>
-                    <a:noFill/>
-                  </a:tcPr>
-                </a:tc>
-                <a:tc>
-                  <a:txBody>
-                    <a:bodyPr/>
-                    <a:lstStyle/>
-                    <a:p>
-                      <a:pPr marL="3810" algn="ctr">
-                        <a:lnSpc>
-                          <a:spcPts val="1800"/>
-                        </a:lnSpc>
-                      </a:pPr>
-                      <a:r>
-                        <a:rPr lang="es-MX" sz="1400" b="0" dirty="0">
-                          <a:solidFill>
-                            <a:schemeClr val="tx1"/>
-                          </a:solidFill>
-                          <a:effectLst/>
-                          <a:latin typeface="Arial" panose="020B0604020202020204" pitchFamily="34" charset="0"/>
-                          <a:ea typeface="Calibri" panose="020F0502020204030204" pitchFamily="34" charset="0"/>
-                          <a:cs typeface="Arial" panose="020B0604020202020204" pitchFamily="34" charset="0"/>
-                        </a:rPr>
-                        <a:t>1</a:t>
-                      </a:r>
-                    </a:p>
-                  </a:txBody>
-                  <a:tcPr marL="0" marR="0" marT="0" marB="0" anchor="ctr">
-                    <a:lnL w="12700" cap="flat" cmpd="sng" algn="ctr">
-                      <a:solidFill>
-                        <a:schemeClr val="tx1"/>
-                      </a:solidFill>
-                      <a:prstDash val="solid"/>
-                      <a:round/>
-                      <a:headEnd type="none" w="med" len="med"/>
-                      <a:tailEnd type="none" w="med" len="med"/>
-                    </a:lnL>
-                    <a:lnR w="12700" cap="flat" cmpd="sng" algn="ctr">
-                      <a:solidFill>
-                        <a:schemeClr val="tx1"/>
-                      </a:solidFill>
-                      <a:prstDash val="solid"/>
-                      <a:round/>
-                      <a:headEnd type="none" w="med" len="med"/>
-                      <a:tailEnd type="none" w="med" len="med"/>
-                    </a:lnR>
-                    <a:lnT w="12700" cap="flat" cmpd="sng" algn="ctr">
-                      <a:solidFill>
-                        <a:schemeClr val="tx1"/>
-                      </a:solidFill>
-                      <a:prstDash val="solid"/>
-                      <a:round/>
-                      <a:headEnd type="none" w="med" len="med"/>
-                      <a:tailEnd type="none" w="med" len="med"/>
-                    </a:lnT>
-                    <a:lnB w="12700" cap="flat" cmpd="sng" algn="ctr">
-                      <a:solidFill>
-                        <a:schemeClr val="tx1"/>
-                      </a:solidFill>
-                      <a:prstDash val="solid"/>
-                      <a:round/>
-                      <a:headEnd type="none" w="med" len="med"/>
-                      <a:tailEnd type="none" w="med" len="med"/>
-                    </a:lnB>
-                    <a:noFill/>
-                  </a:tcPr>
-                </a:tc>
-                <a:tc>
-                  <a:txBody>
-                    <a:bodyPr/>
-                    <a:lstStyle/>
-                    <a:p>
-                      <a:pPr marL="5080" algn="ctr">
-                        <a:lnSpc>
-                          <a:spcPts val="1800"/>
-                        </a:lnSpc>
-                      </a:pPr>
-                      <a:r>
-                        <a:rPr lang="es-MX" sz="1400" b="0" dirty="0">
-                          <a:solidFill>
-                            <a:schemeClr val="tx1"/>
-                          </a:solidFill>
-                          <a:effectLst/>
-                          <a:latin typeface="Arial" panose="020B0604020202020204" pitchFamily="34" charset="0"/>
-                          <a:ea typeface="Calibri" panose="020F0502020204030204" pitchFamily="34" charset="0"/>
-                          <a:cs typeface="Arial" panose="020B0604020202020204" pitchFamily="34" charset="0"/>
-                        </a:rPr>
-                        <a:t>No aplica</a:t>
-                      </a:r>
-                    </a:p>
-                  </a:txBody>
-                  <a:tcPr marL="0" marR="0" marT="0" marB="0" anchor="ctr">
-                    <a:lnL w="12700" cap="flat" cmpd="sng" algn="ctr">
-                      <a:solidFill>
-                        <a:schemeClr val="tx1"/>
-                      </a:solidFill>
-                      <a:prstDash val="solid"/>
-                      <a:round/>
-                      <a:headEnd type="none" w="med" len="med"/>
-                      <a:tailEnd type="none" w="med" len="med"/>
-                    </a:lnL>
-                    <a:lnR w="12700" cap="flat" cmpd="sng" algn="ctr">
-                      <a:solidFill>
-                        <a:schemeClr val="tx1"/>
-                      </a:solidFill>
-                      <a:prstDash val="solid"/>
-                      <a:round/>
-                      <a:headEnd type="none" w="med" len="med"/>
-                      <a:tailEnd type="none" w="med" len="med"/>
-                    </a:lnR>
-                    <a:lnT w="12700" cap="flat" cmpd="sng" algn="ctr">
-                      <a:solidFill>
-                        <a:schemeClr val="tx1"/>
-                      </a:solidFill>
-                      <a:prstDash val="solid"/>
-                      <a:round/>
-                      <a:headEnd type="none" w="med" len="med"/>
-                      <a:tailEnd type="none" w="med" len="med"/>
-                    </a:lnT>
-                    <a:lnB w="12700" cap="flat" cmpd="sng" algn="ctr">
-                      <a:solidFill>
-                        <a:schemeClr val="tx1"/>
-                      </a:solidFill>
-                      <a:prstDash val="solid"/>
-                      <a:round/>
-                      <a:headEnd type="none" w="med" len="med"/>
-                      <a:tailEnd type="none" w="med" len="med"/>
-                    </a:lnB>
-                    <a:noFill/>
-                  </a:tcPr>
-                </a:tc>
-                <a:tc>
-                  <a:txBody>
-                    <a:bodyPr/>
-                    <a:lstStyle/>
-                    <a:p>
-                      <a:pPr marL="3810" marR="0" lvl="0" indent="0" algn="ctr" defTabSz="914400" eaLnBrk="1" fontAlgn="auto" latinLnBrk="0" hangingPunct="1">
-                        <a:lnSpc>
-                          <a:spcPts val="1800"/>
-                        </a:lnSpc>
-                        <a:spcBef>
-                          <a:spcPts val="0"/>
-                        </a:spcBef>
-                        <a:spcAft>
-                          <a:spcPts val="0"/>
-                        </a:spcAft>
-                        <a:buClrTx/>
-                        <a:buSzTx/>
-                        <a:buFontTx/>
-                        <a:buNone/>
-                        <a:tabLst/>
-                        <a:defRPr/>
-                      </a:pPr>
-                      <a:r>
-                        <a:rPr lang="es-MX" sz="1400" b="0" spc="-5" dirty="0">
-                          <a:solidFill>
-                            <a:schemeClr val="tx1"/>
-                          </a:solidFill>
-                          <a:effectLst/>
-                          <a:latin typeface="Arial" panose="020B0604020202020204" pitchFamily="34" charset="0"/>
-                          <a:cs typeface="Arial" panose="020B0604020202020204" pitchFamily="34" charset="0"/>
-                        </a:rPr>
-                        <a:t>193.168.1.152</a:t>
-                      </a:r>
-                      <a:endParaRPr lang="es-MX" sz="1400" b="0" dirty="0">
-                        <a:solidFill>
-                          <a:schemeClr val="tx1"/>
-                        </a:solidFill>
-                        <a:effectLst/>
-                        <a:latin typeface="Arial" panose="020B0604020202020204" pitchFamily="34" charset="0"/>
-                        <a:ea typeface="Calibri" panose="020F0502020204030204" pitchFamily="34" charset="0"/>
-                        <a:cs typeface="Arial" panose="020B0604020202020204" pitchFamily="34" charset="0"/>
-                      </a:endParaRPr>
-                    </a:p>
-                  </a:txBody>
-                  <a:tcPr marL="0" marR="0" marT="0" marB="0" anchor="ctr">
-                    <a:lnL w="12700" cap="flat" cmpd="sng" algn="ctr">
-                      <a:solidFill>
-                        <a:schemeClr val="tx1"/>
-                      </a:solidFill>
-                      <a:prstDash val="solid"/>
-                      <a:round/>
-                      <a:headEnd type="none" w="med" len="med"/>
-                      <a:tailEnd type="none" w="med" len="med"/>
-                    </a:lnL>
-                    <a:lnR w="12700" cap="flat" cmpd="sng" algn="ctr">
-                      <a:solidFill>
-                        <a:schemeClr val="tx1"/>
-                      </a:solidFill>
-                      <a:prstDash val="solid"/>
-                      <a:round/>
-                      <a:headEnd type="none" w="med" len="med"/>
-                      <a:tailEnd type="none" w="med" len="med"/>
-                    </a:lnR>
-                    <a:lnT w="12700" cap="flat" cmpd="sng" algn="ctr">
-                      <a:solidFill>
-                        <a:schemeClr val="tx1"/>
-                      </a:solidFill>
-                      <a:prstDash val="solid"/>
-                      <a:round/>
-                      <a:headEnd type="none" w="med" len="med"/>
-                      <a:tailEnd type="none" w="med" len="med"/>
-                    </a:lnT>
-                    <a:lnB w="12700" cap="flat" cmpd="sng" algn="ctr">
-                      <a:solidFill>
-                        <a:schemeClr val="tx1"/>
-                      </a:solidFill>
-                      <a:prstDash val="solid"/>
-                      <a:round/>
-                      <a:headEnd type="none" w="med" len="med"/>
-                      <a:tailEnd type="none" w="med" len="med"/>
-                    </a:lnB>
-                    <a:noFill/>
-                  </a:tcPr>
-                </a:tc>
-                <a:tc>
-                  <a:txBody>
-                    <a:bodyPr/>
-                    <a:lstStyle/>
-                    <a:p>
-                      <a:pPr marL="5080" algn="ctr">
-                        <a:lnSpc>
-                          <a:spcPts val="1800"/>
-                        </a:lnSpc>
-                      </a:pPr>
-                      <a:r>
-                        <a:rPr lang="es-MX" sz="1400" b="0" dirty="0">
-                          <a:solidFill>
-                            <a:schemeClr val="tx1"/>
-                          </a:solidFill>
-                          <a:effectLst/>
-                          <a:latin typeface="Arial" panose="020B0604020202020204" pitchFamily="34" charset="0"/>
-                          <a:ea typeface="Calibri" panose="020F0502020204030204" pitchFamily="34" charset="0"/>
-                          <a:cs typeface="Arial" panose="020B0604020202020204" pitchFamily="34" charset="0"/>
-                        </a:rPr>
-                        <a:t>255.255.255.252</a:t>
-                      </a:r>
-                    </a:p>
-                  </a:txBody>
-                  <a:tcPr marL="0" marR="0" marT="0" marB="0" anchor="ctr">
-                    <a:lnL w="12700" cap="flat" cmpd="sng" algn="ctr">
-                      <a:solidFill>
-                        <a:schemeClr val="tx1"/>
-                      </a:solidFill>
-                      <a:prstDash val="solid"/>
-                      <a:round/>
-                      <a:headEnd type="none" w="med" len="med"/>
-                      <a:tailEnd type="none" w="med" len="med"/>
-                    </a:lnL>
-                    <a:lnR w="12700" cap="flat" cmpd="sng" algn="ctr">
-                      <a:solidFill>
-                        <a:schemeClr val="tx1"/>
-                      </a:solidFill>
-                      <a:prstDash val="solid"/>
-                      <a:round/>
-                      <a:headEnd type="none" w="med" len="med"/>
-                      <a:tailEnd type="none" w="med" len="med"/>
-                    </a:lnR>
-                    <a:lnT w="12700" cap="flat" cmpd="sng" algn="ctr">
-                      <a:solidFill>
-                        <a:schemeClr val="tx1"/>
-                      </a:solidFill>
-                      <a:prstDash val="solid"/>
-                      <a:round/>
-                      <a:headEnd type="none" w="med" len="med"/>
-                      <a:tailEnd type="none" w="med" len="med"/>
-                    </a:lnT>
-                    <a:lnB w="12700" cap="flat" cmpd="sng" algn="ctr">
-                      <a:solidFill>
-                        <a:schemeClr val="tx1"/>
-                      </a:solidFill>
-                      <a:prstDash val="solid"/>
-                      <a:round/>
-                      <a:headEnd type="none" w="med" len="med"/>
-                      <a:tailEnd type="none" w="med" len="med"/>
-                    </a:lnB>
-                    <a:noFill/>
-                  </a:tcPr>
-                </a:tc>
-                <a:extLst>
-                  <a:ext uri="{0D108BD9-81ED-4DB2-BD59-A6C34878D82A}">
-                    <a16:rowId xmlns:a16="http://schemas.microsoft.com/office/drawing/2014/main" val="3568639124"/>
-                  </a:ext>
-                </a:extLst>
-              </a:tr>
-            </a:tbl>
-          </a:graphicData>
-        </a:graphic>
-      </p:graphicFrame>
-      <p:sp>
-        <p:nvSpPr>
-          <p:cNvPr id="3" name="object 2">
-            <a:extLst>
-              <a:ext uri="{FF2B5EF4-FFF2-40B4-BE49-F238E27FC236}">
-                <a16:creationId xmlns:a16="http://schemas.microsoft.com/office/drawing/2014/main" id="{971A254D-C5FF-A9A5-062C-50421163077C}"/>
-              </a:ext>
-            </a:extLst>
-          </p:cNvPr>
-          <p:cNvSpPr txBox="1"/>
-          <p:nvPr/>
-        </p:nvSpPr>
-        <p:spPr>
-          <a:xfrm>
-            <a:off x="3276600" y="160126"/>
-            <a:ext cx="5164455" cy="800219"/>
-          </a:xfrm>
-          <a:prstGeom prst="rect">
-            <a:avLst/>
-          </a:prstGeom>
-        </p:spPr>
-        <p:txBody>
-          <a:bodyPr vert="horz" wrap="square" lIns="0" tIns="0" rIns="0" bIns="0" rtlCol="0">
-            <a:spAutoFit/>
-          </a:bodyPr>
-          <a:lstStyle/>
-          <a:p>
-            <a:pPr marL="12700" algn="ctr">
-              <a:lnSpc>
-                <a:spcPct val="100000"/>
-              </a:lnSpc>
-            </a:pPr>
-            <a:r>
-              <a:rPr lang="es-ES" sz="3200" b="1" spc="-25" dirty="0">
-                <a:latin typeface="Calibri"/>
-                <a:cs typeface="Calibri"/>
-              </a:rPr>
-              <a:t>Configuración de VLANs</a:t>
-            </a:r>
-          </a:p>
-          <a:p>
-            <a:pPr marL="12700" algn="ctr">
-              <a:lnSpc>
-                <a:spcPct val="100000"/>
-              </a:lnSpc>
-            </a:pPr>
-            <a:r>
-              <a:rPr lang="es-ES" sz="2000" spc="-25" dirty="0">
-                <a:latin typeface="Calibri"/>
-                <a:cs typeface="Calibri"/>
-              </a:rPr>
-              <a:t>Switch</a:t>
-            </a:r>
-            <a:endParaRPr sz="2000" dirty="0">
-              <a:latin typeface="Calibri"/>
-              <a:cs typeface="Calibri"/>
-            </a:endParaRPr>
-          </a:p>
-        </p:txBody>
-      </p:sp>
     </p:spTree>
     <p:extLst>
       <p:ext uri="{BB962C8B-B14F-4D97-AF65-F5344CB8AC3E}">
-        <p14:creationId xmlns:p14="http://schemas.microsoft.com/office/powerpoint/2010/main" val="1245641084"/>
+        <p14:creationId xmlns:p14="http://schemas.microsoft.com/office/powerpoint/2010/main" val="2195457052"/>
       </p:ext>
     </p:extLst>
   </p:cSld>
@@ -14774,67 +13271,7 @@
       </p:grpSpPr>
       <p:sp>
         <p:nvSpPr>
-          <p:cNvPr id="2" name="object 2"/>
-          <p:cNvSpPr txBox="1"/>
-          <p:nvPr/>
-        </p:nvSpPr>
-        <p:spPr>
-          <a:xfrm>
-            <a:off x="3513772" y="381000"/>
-            <a:ext cx="5164455" cy="800219"/>
-          </a:xfrm>
-          <a:prstGeom prst="rect">
-            <a:avLst/>
-          </a:prstGeom>
-        </p:spPr>
-        <p:txBody>
-          <a:bodyPr vert="horz" wrap="square" lIns="0" tIns="0" rIns="0" bIns="0" rtlCol="0">
-            <a:spAutoFit/>
-          </a:bodyPr>
-          <a:lstStyle/>
-          <a:p>
-            <a:pPr marL="12700" algn="ctr">
-              <a:lnSpc>
-                <a:spcPct val="100000"/>
-              </a:lnSpc>
-            </a:pPr>
-            <a:r>
-              <a:rPr lang="es-ES" sz="3200" b="1" spc="-25" dirty="0">
-                <a:latin typeface="Calibri"/>
-                <a:cs typeface="Calibri"/>
-              </a:rPr>
-              <a:t>Configuración de VLANs </a:t>
-            </a:r>
-          </a:p>
-          <a:p>
-            <a:pPr marL="12700" algn="ctr">
-              <a:lnSpc>
-                <a:spcPct val="100000"/>
-              </a:lnSpc>
-            </a:pPr>
-            <a:r>
-              <a:rPr lang="es-ES" sz="2000" spc="-25" dirty="0">
-                <a:latin typeface="Calibri"/>
-                <a:cs typeface="Calibri"/>
-              </a:rPr>
-              <a:t>Comandos para el Switch</a:t>
-            </a:r>
-            <a:endParaRPr sz="2000" dirty="0">
-              <a:latin typeface="Calibri"/>
-              <a:cs typeface="Calibri"/>
-            </a:endParaRPr>
-          </a:p>
-        </p:txBody>
-      </p:sp>
-      <p:sp>
-        <p:nvSpPr>
-          <p:cNvPr id="4" name="7 CuadroTexto">
-            <a:extLst>
-              <a:ext uri="{FF2B5EF4-FFF2-40B4-BE49-F238E27FC236}">
-                <a16:creationId xmlns:a16="http://schemas.microsoft.com/office/drawing/2014/main" id="{6003FC0E-25B6-447D-86B1-50C83DB3D68A}"/>
-              </a:ext>
-            </a:extLst>
-          </p:cNvPr>
+          <p:cNvPr id="35845" name="7 CuadroTexto"/>
           <p:cNvSpPr txBox="1">
             <a:spLocks noChangeArrowheads="1"/>
           </p:cNvSpPr>
@@ -14842,8 +13279,8 @@
         </p:nvSpPr>
         <p:spPr bwMode="auto">
           <a:xfrm>
-            <a:off x="1143000" y="1564602"/>
-            <a:ext cx="6248400" cy="3447610"/>
+            <a:off x="1650420" y="1201931"/>
+            <a:ext cx="8891160" cy="5032660"/>
           </a:xfrm>
           <a:prstGeom prst="rect">
             <a:avLst/>
@@ -14975,25 +13412,23 @@
             </a:lvl9pPr>
           </a:lstStyle>
           <a:p>
-            <a:pPr>
+            <a:pPr marL="342900" indent="-342900">
               <a:lnSpc>
                 <a:spcPct val="150000"/>
               </a:lnSpc>
-              <a:spcAft>
-                <a:spcPts val="600"/>
-              </a:spcAft>
+              <a:buAutoNum type="arabicPeriod"/>
             </a:pPr>
             <a:r>
-              <a:rPr lang="es-ES" sz="1600" b="1" dirty="0">
-                <a:solidFill>
-                  <a:schemeClr val="accent6">
-                    <a:lumMod val="75000"/>
+              <a:rPr lang="es-ES_tradnl" sz="2000" dirty="0">
+                <a:solidFill>
+                  <a:schemeClr val="bg2">
+                    <a:lumMod val="25000"/>
                   </a:schemeClr>
                 </a:solidFill>
                 <a:latin typeface="Arial" panose="020B0604020202020204" pitchFamily="34" charset="0"/>
                 <a:cs typeface="Arial" panose="020B0604020202020204" pitchFamily="34" charset="0"/>
               </a:rPr>
-              <a:t>1. Creación de las VLANs con nombre</a:t>
+              <a:t>Excluir las direcciones estáticas del pool de DHCP.</a:t>
             </a:r>
           </a:p>
           <a:p>
@@ -15003,18 +13438,73 @@
               </a:lnSpc>
             </a:pPr>
             <a:r>
-              <a:rPr lang="es-ES" sz="1600" b="1" dirty="0">
-                <a:latin typeface="Arial" panose="020B0604020202020204" pitchFamily="34" charset="0"/>
-                <a:cs typeface="Arial" panose="020B0604020202020204" pitchFamily="34" charset="0"/>
-              </a:rPr>
-              <a:t>vlan </a:t>
-            </a:r>
-            <a:r>
-              <a:rPr lang="es-ES" sz="1600" dirty="0">
-                <a:latin typeface="Arial" panose="020B0604020202020204" pitchFamily="34" charset="0"/>
-                <a:cs typeface="Arial" panose="020B0604020202020204" pitchFamily="34" charset="0"/>
-              </a:rPr>
-              <a:t>VID</a:t>
+              <a:rPr lang="es-MX" sz="2000" b="1" dirty="0">
+                <a:solidFill>
+                  <a:schemeClr val="accent6">
+                    <a:lumMod val="75000"/>
+                  </a:schemeClr>
+                </a:solidFill>
+                <a:latin typeface="Arial" panose="020B0604020202020204" pitchFamily="34" charset="0"/>
+                <a:cs typeface="Arial" panose="020B0604020202020204" pitchFamily="34" charset="0"/>
+              </a:rPr>
+              <a:t>ip dhcp excluded-address </a:t>
+            </a:r>
+            <a:r>
+              <a:rPr lang="es-MX" sz="2000" dirty="0">
+                <a:solidFill>
+                  <a:schemeClr val="bg2">
+                    <a:lumMod val="25000"/>
+                  </a:schemeClr>
+                </a:solidFill>
+                <a:latin typeface="Arial" panose="020B0604020202020204" pitchFamily="34" charset="0"/>
+                <a:cs typeface="Arial" panose="020B0604020202020204" pitchFamily="34" charset="0"/>
+              </a:rPr>
+              <a:t>Dir_IP_Inicial Dir_IP_Final</a:t>
+            </a:r>
+          </a:p>
+          <a:p>
+            <a:pPr marL="342900" indent="-342900">
+              <a:lnSpc>
+                <a:spcPct val="150000"/>
+              </a:lnSpc>
+              <a:buFont typeface="+mj-lt"/>
+              <a:buAutoNum type="arabicPeriod" startAt="2"/>
+            </a:pPr>
+            <a:r>
+              <a:rPr lang="es-MX" sz="2000" dirty="0">
+                <a:solidFill>
+                  <a:schemeClr val="bg2">
+                    <a:lumMod val="25000"/>
+                  </a:schemeClr>
+                </a:solidFill>
+                <a:latin typeface="Arial" panose="020B0604020202020204" pitchFamily="34" charset="0"/>
+                <a:cs typeface="Arial" panose="020B0604020202020204" pitchFamily="34" charset="0"/>
+              </a:rPr>
+              <a:t>Definir un </a:t>
+            </a:r>
+            <a:r>
+              <a:rPr lang="es-MX" sz="2000" b="1" dirty="0">
+                <a:solidFill>
+                  <a:schemeClr val="bg2">
+                    <a:lumMod val="25000"/>
+                  </a:schemeClr>
+                </a:solidFill>
+                <a:latin typeface="Arial" panose="020B0604020202020204" pitchFamily="34" charset="0"/>
+                <a:cs typeface="Arial" panose="020B0604020202020204" pitchFamily="34" charset="0"/>
+              </a:rPr>
+              <a:t>pool de direcciones dinámicas </a:t>
+            </a:r>
+            <a:r>
+              <a:rPr lang="es-MX" sz="2000" dirty="0">
+                <a:solidFill>
+                  <a:schemeClr val="bg2">
+                    <a:lumMod val="25000"/>
+                  </a:schemeClr>
+                </a:solidFill>
+                <a:latin typeface="Arial" panose="020B0604020202020204" pitchFamily="34" charset="0"/>
+                <a:cs typeface="Arial" panose="020B0604020202020204" pitchFamily="34" charset="0"/>
+              </a:rPr>
+              <a:t>que serán asignadas cuando sean solicitadas.</a:t>
             </a:r>
           </a:p>
           <a:p>
@@ -15024,18 +13514,40 @@
               </a:lnSpc>
             </a:pPr>
             <a:r>
-              <a:rPr lang="es-ES" sz="1600" b="1" dirty="0">
-                <a:latin typeface="Arial" panose="020B0604020202020204" pitchFamily="34" charset="0"/>
-                <a:cs typeface="Arial" panose="020B0604020202020204" pitchFamily="34" charset="0"/>
-              </a:rPr>
-              <a:t>name </a:t>
-            </a:r>
-            <a:r>
-              <a:rPr lang="es-ES" sz="1600" dirty="0">
-                <a:latin typeface="Arial" panose="020B0604020202020204" pitchFamily="34" charset="0"/>
-                <a:cs typeface="Arial" panose="020B0604020202020204" pitchFamily="34" charset="0"/>
-              </a:rPr>
-              <a:t>NombreVLAN-asociadaVID</a:t>
+              <a:rPr lang="es-MX" sz="2000" b="1" dirty="0">
+                <a:solidFill>
+                  <a:schemeClr val="accent6">
+                    <a:lumMod val="75000"/>
+                  </a:schemeClr>
+                </a:solidFill>
+                <a:latin typeface="Arial" panose="020B0604020202020204" pitchFamily="34" charset="0"/>
+                <a:cs typeface="Arial" panose="020B0604020202020204" pitchFamily="34" charset="0"/>
+              </a:rPr>
+              <a:t>ip dhcp pool</a:t>
+            </a:r>
+            <a:r>
+              <a:rPr lang="es-MX" sz="2000" dirty="0">
+                <a:solidFill>
+                  <a:schemeClr val="accent6">
+                    <a:lumMod val="75000"/>
+                  </a:schemeClr>
+                </a:solidFill>
+                <a:latin typeface="Arial" panose="020B0604020202020204" pitchFamily="34" charset="0"/>
+                <a:cs typeface="Arial" panose="020B0604020202020204" pitchFamily="34" charset="0"/>
+              </a:rPr>
+              <a:t> </a:t>
+            </a:r>
+            <a:r>
+              <a:rPr lang="es-MX" sz="2000" b="1" dirty="0">
+                <a:solidFill>
+                  <a:schemeClr val="bg2">
+                    <a:lumMod val="25000"/>
+                  </a:schemeClr>
+                </a:solidFill>
+                <a:latin typeface="Arial" panose="020B0604020202020204" pitchFamily="34" charset="0"/>
+                <a:cs typeface="Arial" panose="020B0604020202020204" pitchFamily="34" charset="0"/>
+              </a:rPr>
+              <a:t>NombrePool</a:t>
             </a:r>
           </a:p>
           <a:p>
@@ -15045,65 +13557,61 @@
               </a:lnSpc>
             </a:pPr>
             <a:r>
-              <a:rPr lang="es-ES" sz="1600" b="1" dirty="0">
-                <a:latin typeface="Arial" panose="020B0604020202020204" pitchFamily="34" charset="0"/>
-                <a:cs typeface="Arial" panose="020B0604020202020204" pitchFamily="34" charset="0"/>
-              </a:rPr>
-              <a:t>exit</a:t>
+              <a:rPr lang="es-MX" sz="2000" b="1" dirty="0" err="1">
+                <a:solidFill>
+                  <a:schemeClr val="accent6">
+                    <a:lumMod val="75000"/>
+                  </a:schemeClr>
+                </a:solidFill>
+                <a:latin typeface="Arial" panose="020B0604020202020204" pitchFamily="34" charset="0"/>
+                <a:cs typeface="Arial" panose="020B0604020202020204" pitchFamily="34" charset="0"/>
+              </a:rPr>
+              <a:t>network</a:t>
+            </a:r>
+            <a:r>
+              <a:rPr lang="es-MX" sz="2000" b="1" dirty="0">
+                <a:solidFill>
+                  <a:schemeClr val="accent6">
+                    <a:lumMod val="75000"/>
+                  </a:schemeClr>
+                </a:solidFill>
+                <a:latin typeface="Arial" panose="020B0604020202020204" pitchFamily="34" charset="0"/>
+                <a:cs typeface="Arial" panose="020B0604020202020204" pitchFamily="34" charset="0"/>
+              </a:rPr>
+              <a:t> </a:t>
+            </a:r>
+            <a:r>
+              <a:rPr lang="es-MX" sz="2000" dirty="0">
+                <a:solidFill>
+                  <a:schemeClr val="bg2">
+                    <a:lumMod val="25000"/>
+                  </a:schemeClr>
+                </a:solidFill>
+                <a:latin typeface="Arial" panose="020B0604020202020204" pitchFamily="34" charset="0"/>
+                <a:cs typeface="Arial" panose="020B0604020202020204" pitchFamily="34" charset="0"/>
+              </a:rPr>
+              <a:t>Dirección de red Máscara de subred</a:t>
             </a:r>
           </a:p>
           <a:p>
-            <a:pPr>
+            <a:pPr marL="342900" indent="-342900">
               <a:lnSpc>
                 <a:spcPct val="150000"/>
               </a:lnSpc>
+              <a:buFont typeface="+mj-lt"/>
+              <a:buAutoNum type="arabicPeriod" startAt="2"/>
             </a:pPr>
-            <a:endParaRPr lang="es-ES" sz="1600" dirty="0">
-              <a:latin typeface="Arial" panose="020B0604020202020204" pitchFamily="34" charset="0"/>
-              <a:cs typeface="Arial" panose="020B0604020202020204" pitchFamily="34" charset="0"/>
-            </a:endParaRPr>
-          </a:p>
-          <a:p>
-            <a:pPr>
-              <a:lnSpc>
-                <a:spcPct val="150000"/>
-              </a:lnSpc>
-            </a:pPr>
-            <a:r>
-              <a:rPr lang="es-ES" sz="1600" b="1" dirty="0">
-                <a:solidFill>
-                  <a:schemeClr val="accent6">
-                    <a:lumMod val="75000"/>
+            <a:r>
+              <a:rPr lang="es-MX" sz="2000" dirty="0">
+                <a:solidFill>
+                  <a:schemeClr val="bg2">
+                    <a:lumMod val="25000"/>
                   </a:schemeClr>
                 </a:solidFill>
                 <a:latin typeface="Arial" panose="020B0604020202020204" pitchFamily="34" charset="0"/>
                 <a:cs typeface="Arial" panose="020B0604020202020204" pitchFamily="34" charset="0"/>
               </a:rPr>
-              <a:t>2. Asignación de los </a:t>
-            </a:r>
-            <a:r>
-              <a:rPr lang="es-ES" sz="1600" b="1" u="sng" dirty="0">
-                <a:solidFill>
-                  <a:schemeClr val="accent6">
-                    <a:lumMod val="75000"/>
-                  </a:schemeClr>
-                </a:solidFill>
-                <a:latin typeface="Arial" panose="020B0604020202020204" pitchFamily="34" charset="0"/>
-                <a:cs typeface="Arial" panose="020B0604020202020204" pitchFamily="34" charset="0"/>
-              </a:rPr>
-              <a:t>puertos de acceso </a:t>
-            </a:r>
-            <a:r>
-              <a:rPr lang="es-ES" sz="1600" b="1" dirty="0">
-                <a:solidFill>
-                  <a:schemeClr val="accent6">
-                    <a:lumMod val="75000"/>
-                  </a:schemeClr>
-                </a:solidFill>
-                <a:latin typeface="Arial" panose="020B0604020202020204" pitchFamily="34" charset="0"/>
-                <a:cs typeface="Arial" panose="020B0604020202020204" pitchFamily="34" charset="0"/>
-              </a:rPr>
-              <a:t>a cada VLAN  VID</a:t>
+              <a:t>Establecer la  puerta de enlace predeterminada (default Gateway):</a:t>
             </a:r>
           </a:p>
           <a:p>
@@ -15113,18 +13621,82 @@
               </a:lnSpc>
             </a:pPr>
             <a:r>
-              <a:rPr lang="es-ES" sz="1600" b="1" dirty="0">
-                <a:latin typeface="Arial" panose="020B0604020202020204" pitchFamily="34" charset="0"/>
-                <a:cs typeface="Arial" panose="020B0604020202020204" pitchFamily="34" charset="0"/>
-              </a:rPr>
-              <a:t>interface </a:t>
-            </a:r>
-            <a:r>
-              <a:rPr lang="es-ES" sz="1600" dirty="0">
-                <a:latin typeface="Arial" panose="020B0604020202020204" pitchFamily="34" charset="0"/>
-                <a:cs typeface="Arial" panose="020B0604020202020204" pitchFamily="34" charset="0"/>
-              </a:rPr>
-              <a:t>Nombre_Interfaz</a:t>
+              <a:rPr lang="es-MX" sz="2000" b="1" dirty="0">
+                <a:solidFill>
+                  <a:schemeClr val="accent6">
+                    <a:lumMod val="75000"/>
+                  </a:schemeClr>
+                </a:solidFill>
+                <a:latin typeface="Arial" panose="020B0604020202020204" pitchFamily="34" charset="0"/>
+                <a:cs typeface="Arial" panose="020B0604020202020204" pitchFamily="34" charset="0"/>
+              </a:rPr>
+              <a:t>default-</a:t>
+            </a:r>
+            <a:r>
+              <a:rPr lang="es-MX" sz="2000" b="1" dirty="0" err="1">
+                <a:solidFill>
+                  <a:schemeClr val="accent6">
+                    <a:lumMod val="75000"/>
+                  </a:schemeClr>
+                </a:solidFill>
+                <a:latin typeface="Arial" panose="020B0604020202020204" pitchFamily="34" charset="0"/>
+                <a:cs typeface="Arial" panose="020B0604020202020204" pitchFamily="34" charset="0"/>
+              </a:rPr>
+              <a:t>router</a:t>
+            </a:r>
+            <a:r>
+              <a:rPr lang="es-MX" sz="2000" dirty="0">
+                <a:solidFill>
+                  <a:schemeClr val="accent6">
+                    <a:lumMod val="75000"/>
+                  </a:schemeClr>
+                </a:solidFill>
+                <a:latin typeface="Arial" panose="020B0604020202020204" pitchFamily="34" charset="0"/>
+                <a:cs typeface="Arial" panose="020B0604020202020204" pitchFamily="34" charset="0"/>
+              </a:rPr>
+              <a:t> </a:t>
+            </a:r>
+            <a:r>
+              <a:rPr lang="es-MX" sz="2000" dirty="0" err="1">
+                <a:solidFill>
+                  <a:schemeClr val="bg2">
+                    <a:lumMod val="25000"/>
+                  </a:schemeClr>
+                </a:solidFill>
+                <a:latin typeface="Arial" panose="020B0604020202020204" pitchFamily="34" charset="0"/>
+                <a:cs typeface="Arial" panose="020B0604020202020204" pitchFamily="34" charset="0"/>
+              </a:rPr>
+              <a:t>dirIP</a:t>
+            </a:r>
+            <a:endParaRPr lang="es-MX" sz="2000" dirty="0">
+              <a:solidFill>
+                <a:schemeClr val="bg2">
+                  <a:lumMod val="25000"/>
+                </a:schemeClr>
+              </a:solidFill>
+              <a:latin typeface="Arial" panose="020B0604020202020204" pitchFamily="34" charset="0"/>
+              <a:cs typeface="Arial" panose="020B0604020202020204" pitchFamily="34" charset="0"/>
+            </a:endParaRPr>
+          </a:p>
+          <a:p>
+            <a:pPr marL="342900" indent="-342900">
+              <a:lnSpc>
+                <a:spcPct val="150000"/>
+              </a:lnSpc>
+              <a:buFont typeface="+mj-lt"/>
+              <a:buAutoNum type="arabicPeriod" startAt="2"/>
+            </a:pPr>
+            <a:r>
+              <a:rPr lang="es-MX" sz="2000" dirty="0">
+                <a:solidFill>
+                  <a:schemeClr val="bg2">
+                    <a:lumMod val="25000"/>
+                  </a:schemeClr>
+                </a:solidFill>
+                <a:latin typeface="Arial" panose="020B0604020202020204" pitchFamily="34" charset="0"/>
+                <a:cs typeface="Arial" panose="020B0604020202020204" pitchFamily="34" charset="0"/>
+              </a:rPr>
+              <a:t>Establecer el servidor DNS</a:t>
             </a:r>
           </a:p>
           <a:p>
@@ -15134,21 +13706,52 @@
               </a:lnSpc>
             </a:pPr>
             <a:r>
-              <a:rPr lang="es-ES" sz="1600" b="1" dirty="0">
-                <a:latin typeface="Arial" panose="020B0604020202020204" pitchFamily="34" charset="0"/>
-                <a:cs typeface="Arial" panose="020B0604020202020204" pitchFamily="34" charset="0"/>
-              </a:rPr>
-              <a:t>switchport mode </a:t>
-            </a:r>
-            <a:r>
-              <a:rPr lang="es-ES" sz="1600" b="1" dirty="0">
-                <a:solidFill>
-                  <a:srgbClr val="FF0000"/>
-                </a:solidFill>
-                <a:latin typeface="Arial" panose="020B0604020202020204" pitchFamily="34" charset="0"/>
-                <a:cs typeface="Arial" panose="020B0604020202020204" pitchFamily="34" charset="0"/>
-              </a:rPr>
-              <a:t>access</a:t>
+              <a:rPr lang="es-MX" sz="2000" b="1" dirty="0" err="1">
+                <a:solidFill>
+                  <a:schemeClr val="accent6">
+                    <a:lumMod val="75000"/>
+                  </a:schemeClr>
+                </a:solidFill>
+                <a:latin typeface="Arial" panose="020B0604020202020204" pitchFamily="34" charset="0"/>
+                <a:cs typeface="Arial" panose="020B0604020202020204" pitchFamily="34" charset="0"/>
+              </a:rPr>
+              <a:t>dns</a:t>
+            </a:r>
+            <a:r>
+              <a:rPr lang="es-MX" sz="2000" b="1" dirty="0">
+                <a:solidFill>
+                  <a:schemeClr val="accent6">
+                    <a:lumMod val="75000"/>
+                  </a:schemeClr>
+                </a:solidFill>
+                <a:latin typeface="Arial" panose="020B0604020202020204" pitchFamily="34" charset="0"/>
+                <a:cs typeface="Arial" panose="020B0604020202020204" pitchFamily="34" charset="0"/>
+              </a:rPr>
+              <a:t>-server </a:t>
+            </a:r>
+            <a:r>
+              <a:rPr lang="es-MX" sz="2000" dirty="0" err="1">
+                <a:solidFill>
+                  <a:schemeClr val="bg2">
+                    <a:lumMod val="25000"/>
+                  </a:schemeClr>
+                </a:solidFill>
+                <a:latin typeface="Arial" panose="020B0604020202020204" pitchFamily="34" charset="0"/>
+                <a:cs typeface="Arial" panose="020B0604020202020204" pitchFamily="34" charset="0"/>
+              </a:rPr>
+              <a:t>dirIP</a:t>
+            </a:r>
+            <a:r>
+              <a:rPr lang="es-MX" sz="2000" dirty="0">
+                <a:solidFill>
+                  <a:schemeClr val="bg2">
+                    <a:lumMod val="25000"/>
+                  </a:schemeClr>
+                </a:solidFill>
+                <a:latin typeface="Arial" panose="020B0604020202020204" pitchFamily="34" charset="0"/>
+                <a:cs typeface="Arial" panose="020B0604020202020204" pitchFamily="34" charset="0"/>
+              </a:rPr>
+              <a:t>-Server</a:t>
             </a:r>
           </a:p>
           <a:p>
@@ -15156,22 +13759,11 @@
               <a:lnSpc>
                 <a:spcPct val="150000"/>
               </a:lnSpc>
+              <a:spcAft>
+                <a:spcPts val="1200"/>
+              </a:spcAft>
             </a:pPr>
-            <a:r>
-              <a:rPr lang="es-ES" sz="1600" b="1" dirty="0">
-                <a:latin typeface="Arial" panose="020B0604020202020204" pitchFamily="34" charset="0"/>
-                <a:cs typeface="Arial" panose="020B0604020202020204" pitchFamily="34" charset="0"/>
-              </a:rPr>
-              <a:t>switchport access vlan  </a:t>
-            </a:r>
-            <a:r>
-              <a:rPr lang="es-ES" sz="1600" dirty="0">
-                <a:latin typeface="Arial" panose="020B0604020202020204" pitchFamily="34" charset="0"/>
-                <a:cs typeface="Arial" panose="020B0604020202020204" pitchFamily="34" charset="0"/>
-              </a:rPr>
-              <a:t>VID</a:t>
-            </a:r>
-            <a:endParaRPr lang="es-MX" sz="1800" b="1" dirty="0">
+            <a:endParaRPr lang="es-MX" sz="1600" dirty="0">
               <a:solidFill>
                 <a:schemeClr val="bg2">
                   <a:lumMod val="25000"/>
@@ -15185,257 +13777,82 @@
       </p:sp>
       <p:sp>
         <p:nvSpPr>
-          <p:cNvPr id="8" name="7 CuadroTexto">
-            <a:extLst>
-              <a:ext uri="{FF2B5EF4-FFF2-40B4-BE49-F238E27FC236}">
-                <a16:creationId xmlns:a16="http://schemas.microsoft.com/office/drawing/2014/main" id="{7588CF2B-42DE-4476-B511-687DB7E195DC}"/>
-              </a:ext>
-            </a:extLst>
-          </p:cNvPr>
+          <p:cNvPr id="8" name="Rectangle 2"/>
           <p:cNvSpPr txBox="1">
             <a:spLocks noChangeArrowheads="1"/>
           </p:cNvSpPr>
           <p:nvPr/>
         </p:nvSpPr>
-        <p:spPr bwMode="auto">
+        <p:spPr>
           <a:xfrm>
-            <a:off x="7696200" y="3488205"/>
-            <a:ext cx="3810000" cy="1524007"/>
+            <a:off x="1371600" y="58931"/>
+            <a:ext cx="8964488" cy="1143000"/>
           </a:xfrm>
           <a:prstGeom prst="rect">
             <a:avLst/>
           </a:prstGeom>
-          <a:noFill/>
-          <a:ln>
-            <a:noFill/>
-          </a:ln>
-          <a:extLst>
-            <a:ext uri="{909E8E84-426E-40DD-AFC4-6F175D3DCCD1}">
-              <a14:hiddenFill xmlns:a14="http://schemas.microsoft.com/office/drawing/2010/main">
-                <a:solidFill>
-                  <a:srgbClr val="FFFFFF"/>
-                </a:solidFill>
-              </a14:hiddenFill>
-            </a:ext>
-            <a:ext uri="{91240B29-F687-4F45-9708-019B960494DF}">
-              <a14:hiddenLine xmlns:a14="http://schemas.microsoft.com/office/drawing/2010/main" w="9525">
-                <a:solidFill>
-                  <a:srgbClr val="000000"/>
-                </a:solidFill>
-                <a:miter lim="800000"/>
-                <a:headEnd/>
-                <a:tailEnd/>
-              </a14:hiddenLine>
-            </a:ext>
-          </a:extLst>
         </p:spPr>
         <p:txBody>
-          <a:bodyPr wrap="square">
-            <a:spAutoFit/>
+          <a:bodyPr vert="horz" lIns="92075" tIns="46038" rIns="92075" bIns="46038" rtlCol="0" anchor="ctr">
+            <a:noAutofit/>
           </a:bodyPr>
           <a:lstStyle>
-            <a:lvl1pPr eaLnBrk="0" hangingPunct="0">
-              <a:defRPr sz="2400">
-                <a:solidFill>
-                  <a:schemeClr val="tx1"/>
-                </a:solidFill>
-                <a:latin typeface="Times New Roman" pitchFamily="18" charset="0"/>
-              </a:defRPr>
-            </a:lvl1pPr>
-            <a:lvl2pPr marL="742950" indent="-285750" eaLnBrk="0" hangingPunct="0">
-              <a:defRPr sz="2400">
-                <a:solidFill>
-                  <a:schemeClr val="tx1"/>
-                </a:solidFill>
-                <a:latin typeface="Times New Roman" pitchFamily="18" charset="0"/>
-              </a:defRPr>
-            </a:lvl2pPr>
-            <a:lvl3pPr marL="1143000" indent="-228600" eaLnBrk="0" hangingPunct="0">
-              <a:defRPr sz="2400">
-                <a:solidFill>
-                  <a:schemeClr val="tx1"/>
-                </a:solidFill>
-                <a:latin typeface="Times New Roman" pitchFamily="18" charset="0"/>
-              </a:defRPr>
-            </a:lvl3pPr>
-            <a:lvl4pPr marL="1600200" indent="-228600" eaLnBrk="0" hangingPunct="0">
-              <a:defRPr sz="2400">
-                <a:solidFill>
-                  <a:schemeClr val="tx1"/>
-                </a:solidFill>
-                <a:latin typeface="Times New Roman" pitchFamily="18" charset="0"/>
-              </a:defRPr>
-            </a:lvl4pPr>
-            <a:lvl5pPr marL="2057400" indent="-228600" eaLnBrk="0" hangingPunct="0">
-              <a:defRPr sz="2400">
-                <a:solidFill>
-                  <a:schemeClr val="tx1"/>
-                </a:solidFill>
-                <a:latin typeface="Times New Roman" pitchFamily="18" charset="0"/>
-              </a:defRPr>
-            </a:lvl5pPr>
-            <a:lvl6pPr marL="2514600" indent="-228600" eaLnBrk="0" fontAlgn="base" hangingPunct="0">
+            <a:lvl1pPr algn="ctr" defTabSz="914400" rtl="0" eaLnBrk="1" latinLnBrk="0" hangingPunct="1">
               <a:spcBef>
                 <a:spcPct val="0"/>
               </a:spcBef>
-              <a:spcAft>
-                <a:spcPct val="0"/>
-              </a:spcAft>
-              <a:defRPr sz="2400">
+              <a:buNone/>
+              <a:defRPr sz="4400" kern="1200">
                 <a:solidFill>
                   <a:schemeClr val="tx1"/>
                 </a:solidFill>
-                <a:latin typeface="Times New Roman" pitchFamily="18" charset="0"/>
+                <a:latin typeface="+mj-lt"/>
+                <a:ea typeface="+mj-ea"/>
+                <a:cs typeface="+mj-cs"/>
               </a:defRPr>
-            </a:lvl6pPr>
-            <a:lvl7pPr marL="2971800" indent="-228600" eaLnBrk="0" fontAlgn="base" hangingPunct="0">
-              <a:spcBef>
-                <a:spcPct val="0"/>
-              </a:spcBef>
-              <a:spcAft>
-                <a:spcPct val="0"/>
-              </a:spcAft>
-              <a:defRPr sz="2400">
-                <a:solidFill>
-                  <a:schemeClr val="tx1"/>
-                </a:solidFill>
-                <a:latin typeface="Times New Roman" pitchFamily="18" charset="0"/>
-              </a:defRPr>
-            </a:lvl7pPr>
-            <a:lvl8pPr marL="3429000" indent="-228600" eaLnBrk="0" fontAlgn="base" hangingPunct="0">
-              <a:spcBef>
-                <a:spcPct val="0"/>
-              </a:spcBef>
-              <a:spcAft>
-                <a:spcPct val="0"/>
-              </a:spcAft>
-              <a:defRPr sz="2400">
-                <a:solidFill>
-                  <a:schemeClr val="tx1"/>
-                </a:solidFill>
-                <a:latin typeface="Times New Roman" pitchFamily="18" charset="0"/>
-              </a:defRPr>
-            </a:lvl8pPr>
-            <a:lvl9pPr marL="3886200" indent="-228600" eaLnBrk="0" fontAlgn="base" hangingPunct="0">
-              <a:spcBef>
-                <a:spcPct val="0"/>
-              </a:spcBef>
-              <a:spcAft>
-                <a:spcPct val="0"/>
-              </a:spcAft>
-              <a:defRPr sz="2400">
-                <a:solidFill>
-                  <a:schemeClr val="tx1"/>
-                </a:solidFill>
-                <a:latin typeface="Times New Roman" pitchFamily="18" charset="0"/>
-              </a:defRPr>
-            </a:lvl9pPr>
+            </a:lvl1pPr>
           </a:lstStyle>
           <a:p>
             <a:pPr>
-              <a:lnSpc>
-                <a:spcPct val="150000"/>
-              </a:lnSpc>
+              <a:defRPr/>
             </a:pPr>
             <a:r>
-              <a:rPr lang="es-ES" sz="1600" b="1" dirty="0">
-                <a:solidFill>
-                  <a:schemeClr val="accent6">
-                    <a:lumMod val="75000"/>
+              <a:rPr lang="es-ES_tradnl" sz="3200" dirty="0">
+                <a:solidFill>
+                  <a:srgbClr val="3333CC"/>
+                </a:solidFill>
+                <a:effectLst>
+                  <a:outerShdw blurRad="38100" dist="38100" dir="2700000" algn="tl">
+                    <a:srgbClr val="C0C0C0"/>
+                  </a:outerShdw>
+                </a:effectLst>
+                <a:latin typeface="Dom Casual" charset="0"/>
+              </a:rPr>
+              <a:t> </a:t>
+            </a:r>
+            <a:r>
+              <a:rPr lang="es-ES_tradnl" sz="3200" b="1" dirty="0">
+                <a:solidFill>
+                  <a:schemeClr val="accent4">
+                    <a:lumMod val="50000"/>
                   </a:schemeClr>
                 </a:solidFill>
-                <a:latin typeface="Arial" panose="020B0604020202020204" pitchFamily="34" charset="0"/>
-                <a:cs typeface="Arial" panose="020B0604020202020204" pitchFamily="34" charset="0"/>
-              </a:rPr>
-              <a:t>3. Definición del </a:t>
-            </a:r>
-            <a:r>
-              <a:rPr lang="es-ES" sz="1600" b="1" u="sng" dirty="0">
-                <a:solidFill>
-                  <a:schemeClr val="accent6">
-                    <a:lumMod val="75000"/>
-                  </a:schemeClr>
-                </a:solidFill>
-                <a:latin typeface="Arial" panose="020B0604020202020204" pitchFamily="34" charset="0"/>
-                <a:cs typeface="Arial" panose="020B0604020202020204" pitchFamily="34" charset="0"/>
-              </a:rPr>
-              <a:t>puerto troncal</a:t>
-            </a:r>
-          </a:p>
-          <a:p>
-            <a:pPr lvl="1">
-              <a:lnSpc>
-                <a:spcPct val="150000"/>
-              </a:lnSpc>
-            </a:pPr>
-            <a:r>
-              <a:rPr lang="es-ES" sz="1600" b="1" dirty="0">
-                <a:latin typeface="Arial" panose="020B0604020202020204" pitchFamily="34" charset="0"/>
-                <a:cs typeface="Arial" panose="020B0604020202020204" pitchFamily="34" charset="0"/>
-              </a:rPr>
-              <a:t>interface  </a:t>
-            </a:r>
-            <a:r>
-              <a:rPr lang="es-ES" sz="1600" dirty="0">
-                <a:latin typeface="Arial" panose="020B0604020202020204" pitchFamily="34" charset="0"/>
-                <a:cs typeface="Arial" panose="020B0604020202020204" pitchFamily="34" charset="0"/>
-              </a:rPr>
-              <a:t>Nombre_Interfaz</a:t>
-            </a:r>
-          </a:p>
-          <a:p>
-            <a:pPr lvl="1">
-              <a:lnSpc>
-                <a:spcPct val="150000"/>
-              </a:lnSpc>
-            </a:pPr>
-            <a:r>
-              <a:rPr lang="es-ES" sz="1600" b="1" dirty="0">
-                <a:latin typeface="Arial" panose="020B0604020202020204" pitchFamily="34" charset="0"/>
-                <a:cs typeface="Arial" panose="020B0604020202020204" pitchFamily="34" charset="0"/>
-              </a:rPr>
-              <a:t>switchport mode </a:t>
-            </a:r>
-            <a:r>
-              <a:rPr lang="es-ES" sz="1600" b="1" dirty="0">
-                <a:solidFill>
-                  <a:srgbClr val="FF0000"/>
-                </a:solidFill>
-                <a:latin typeface="Arial" panose="020B0604020202020204" pitchFamily="34" charset="0"/>
-                <a:cs typeface="Arial" panose="020B0604020202020204" pitchFamily="34" charset="0"/>
-              </a:rPr>
-              <a:t>trunk</a:t>
-            </a:r>
-          </a:p>
-          <a:p>
-            <a:pPr lvl="1">
-              <a:lnSpc>
-                <a:spcPct val="150000"/>
-              </a:lnSpc>
-            </a:pPr>
-            <a:r>
-              <a:rPr lang="es-ES" sz="1600" b="1" dirty="0">
-                <a:latin typeface="Arial" panose="020B0604020202020204" pitchFamily="34" charset="0"/>
-                <a:cs typeface="Arial" panose="020B0604020202020204" pitchFamily="34" charset="0"/>
-              </a:rPr>
-              <a:t>no shut</a:t>
-            </a:r>
-            <a:endParaRPr lang="es-MX" sz="1800" b="1" dirty="0">
-              <a:solidFill>
-                <a:schemeClr val="bg2">
-                  <a:lumMod val="25000"/>
-                </a:schemeClr>
-              </a:solidFill>
-              <a:latin typeface="Arial" panose="020B0604020202020204" pitchFamily="34" charset="0"/>
-              <a:cs typeface="Arial" panose="020B0604020202020204" pitchFamily="34" charset="0"/>
-            </a:endParaRPr>
+                <a:effectLst>
+                  <a:outerShdw blurRad="38100" dist="38100" dir="2700000" algn="tl">
+                    <a:srgbClr val="C0C0C0"/>
+                  </a:outerShdw>
+                </a:effectLst>
+                <a:latin typeface="Dom Casual" charset="0"/>
+              </a:rPr>
+              <a:t>Configuración mínima de un servicio DHCP</a:t>
+            </a:r>
           </a:p>
         </p:txBody>
       </p:sp>
     </p:spTree>
     <p:extLst>
       <p:ext uri="{BB962C8B-B14F-4D97-AF65-F5344CB8AC3E}">
-        <p14:creationId xmlns:p14="http://schemas.microsoft.com/office/powerpoint/2010/main" val="649186579"/>
+        <p14:creationId xmlns:p14="http://schemas.microsoft.com/office/powerpoint/2010/main" val="2220096870"/>
       </p:ext>
     </p:extLst>
   </p:cSld>
@@ -15476,52 +13893,7 @@
                                           </p:stCondLst>
                                         </p:cTn>
                                         <p:tgtEl>
-                                          <p:spTgt spid="4"/>
-                                        </p:tgtEl>
-                                        <p:attrNameLst>
-                                          <p:attrName>style.visibility</p:attrName>
-                                        </p:attrNameLst>
-                                      </p:cBhvr>
-                                      <p:to>
-                                        <p:strVal val="visible"/>
-                                      </p:to>
-                                    </p:set>
-                                  </p:childTnLst>
-                                </p:cTn>
-                              </p:par>
-                            </p:childTnLst>
-                          </p:cTn>
-                        </p:par>
-                      </p:childTnLst>
-                    </p:cTn>
-                  </p:par>
-                  <p:par>
-                    <p:cTn id="7" fill="hold">
-                      <p:stCondLst>
-                        <p:cond delay="indefinite"/>
-                      </p:stCondLst>
-                      <p:childTnLst>
-                        <p:par>
-                          <p:cTn id="8" fill="hold">
-                            <p:stCondLst>
-                              <p:cond delay="0"/>
-                            </p:stCondLst>
-                            <p:childTnLst>
-                              <p:par>
-                                <p:cTn id="9" presetID="1" presetClass="entr" presetSubtype="0" fill="hold" grpId="0" nodeType="clickEffect">
-                                  <p:stCondLst>
-                                    <p:cond delay="0"/>
-                                  </p:stCondLst>
-                                  <p:childTnLst>
-                                    <p:set>
-                                      <p:cBhvr>
-                                        <p:cTn id="10" dur="1" fill="hold">
-                                          <p:stCondLst>
-                                            <p:cond delay="0"/>
-                                          </p:stCondLst>
-                                        </p:cTn>
-                                        <p:tgtEl>
-                                          <p:spTgt spid="8"/>
+                                          <p:spTgt spid="35845"/>
                                         </p:tgtEl>
                                         <p:attrNameLst>
                                           <p:attrName>style.visibility</p:attrName>
@@ -15562,8 +13934,7 @@
       </p:par>
     </p:tnLst>
     <p:bldLst>
-      <p:bldP spid="4" grpId="0"/>
-      <p:bldP spid="8" grpId="0"/>
+      <p:bldP spid="35845" grpId="0"/>
     </p:bldLst>
   </p:timing>
 </p:sld>
@@ -15586,76 +13957,6 @@
           <a:chExt cx="0" cy="0"/>
         </a:xfrm>
       </p:grpSpPr>
-      <p:pic>
-        <p:nvPicPr>
-          <p:cNvPr id="7" name="Picture 6">
-            <a:extLst>
-              <a:ext uri="{FF2B5EF4-FFF2-40B4-BE49-F238E27FC236}">
-                <a16:creationId xmlns:a16="http://schemas.microsoft.com/office/drawing/2014/main" id="{B916FC02-F353-5C1B-DED7-13384B338C83}"/>
-              </a:ext>
-            </a:extLst>
-          </p:cNvPr>
-          <p:cNvPicPr>
-            <a:picLocks noChangeAspect="1"/>
-          </p:cNvPicPr>
-          <p:nvPr/>
-        </p:nvPicPr>
-        <p:blipFill>
-          <a:blip r:embed="rId3"/>
-          <a:stretch>
-            <a:fillRect/>
-          </a:stretch>
-        </p:blipFill>
-        <p:spPr>
-          <a:xfrm>
-            <a:off x="3581400" y="1981200"/>
-            <a:ext cx="7696200" cy="4373642"/>
-          </a:xfrm>
-          <a:prstGeom prst="rect">
-            <a:avLst/>
-          </a:prstGeom>
-        </p:spPr>
-      </p:pic>
-      <p:sp>
-        <p:nvSpPr>
-          <p:cNvPr id="2" name="object 2"/>
-          <p:cNvSpPr txBox="1"/>
-          <p:nvPr/>
-        </p:nvSpPr>
-        <p:spPr>
-          <a:xfrm>
-            <a:off x="2743200" y="326195"/>
-            <a:ext cx="6011227" cy="492443"/>
-          </a:xfrm>
-          <a:prstGeom prst="rect">
-            <a:avLst/>
-          </a:prstGeom>
-        </p:spPr>
-        <p:txBody>
-          <a:bodyPr vert="horz" wrap="square" lIns="0" tIns="0" rIns="0" bIns="0" rtlCol="0">
-            <a:spAutoFit/>
-          </a:bodyPr>
-          <a:lstStyle/>
-          <a:p>
-            <a:pPr marL="12700">
-              <a:lnSpc>
-                <a:spcPct val="100000"/>
-              </a:lnSpc>
-            </a:pPr>
-            <a:r>
-              <a:rPr lang="es-ES" sz="3200" b="1" spc="-25" dirty="0">
-                <a:latin typeface="Calibri"/>
-                <a:cs typeface="Calibri"/>
-              </a:rPr>
-              <a:t>Configuración del servicio de DHCP</a:t>
-            </a:r>
-            <a:endParaRPr sz="3200" dirty="0">
-              <a:latin typeface="Calibri"/>
-              <a:cs typeface="Calibri"/>
-            </a:endParaRPr>
-          </a:p>
-        </p:txBody>
-      </p:sp>
       <p:sp>
         <p:nvSpPr>
           <p:cNvPr id="9" name="7 CuadroTexto">
@@ -15672,8 +13973,8 @@
         </p:nvSpPr>
         <p:spPr bwMode="auto">
           <a:xfrm>
-            <a:off x="762000" y="990593"/>
-            <a:ext cx="10820400" cy="1524007"/>
+            <a:off x="533400" y="1154668"/>
+            <a:ext cx="9448800" cy="1677895"/>
           </a:xfrm>
           <a:prstGeom prst="rect">
             <a:avLst/>
@@ -15805,50 +14106,48 @@
             </a:lvl9pPr>
           </a:lstStyle>
           <a:p>
-            <a:pPr marL="342900" indent="-342900">
+            <a:pPr>
               <a:lnSpc>
                 <a:spcPct val="150000"/>
               </a:lnSpc>
-              <a:buAutoNum type="arabicPeriod"/>
+              <a:spcAft>
+                <a:spcPts val="1200"/>
+              </a:spcAft>
             </a:pPr>
             <a:r>
-              <a:rPr lang="es-ES_tradnl" sz="1600" dirty="0">
-                <a:solidFill>
-                  <a:schemeClr val="tx1">
-                    <a:lumMod val="95000"/>
-                    <a:lumOff val="5000"/>
-                  </a:schemeClr>
-                </a:solidFill>
-                <a:latin typeface="Arial" panose="020B0604020202020204" pitchFamily="34" charset="0"/>
-                <a:cs typeface="Arial" panose="020B0604020202020204" pitchFamily="34" charset="0"/>
-              </a:rPr>
-              <a:t>Tenemos tres subredes asociadas con las </a:t>
-            </a:r>
-            <a:r>
-              <a:rPr lang="es-ES_tradnl" sz="1600" b="1" dirty="0">
-                <a:solidFill>
-                  <a:schemeClr val="tx1">
-                    <a:lumMod val="95000"/>
-                    <a:lumOff val="5000"/>
-                  </a:schemeClr>
-                </a:solidFill>
-                <a:latin typeface="Arial" panose="020B0604020202020204" pitchFamily="34" charset="0"/>
-                <a:cs typeface="Arial" panose="020B0604020202020204" pitchFamily="34" charset="0"/>
-              </a:rPr>
-              <a:t>VLANs 10, 20 y 30</a:t>
-            </a:r>
-            <a:r>
-              <a:rPr lang="es-ES_tradnl" sz="1600" dirty="0">
-                <a:solidFill>
-                  <a:schemeClr val="tx1">
-                    <a:lumMod val="95000"/>
-                    <a:lumOff val="5000"/>
-                  </a:schemeClr>
-                </a:solidFill>
-                <a:latin typeface="Arial" panose="020B0604020202020204" pitchFamily="34" charset="0"/>
-                <a:cs typeface="Arial" panose="020B0604020202020204" pitchFamily="34" charset="0"/>
-              </a:rPr>
-              <a:t>. </a:t>
+              <a:rPr lang="es-ES" sz="1600" dirty="0">
+                <a:latin typeface="Arial" panose="020B0604020202020204" pitchFamily="34" charset="0"/>
+                <a:cs typeface="Arial" panose="020B0604020202020204" pitchFamily="34" charset="0"/>
+              </a:rPr>
+              <a:t>Pasos para configurar las </a:t>
+            </a:r>
+            <a:r>
+              <a:rPr lang="es-ES" sz="1600" b="1" dirty="0">
+                <a:latin typeface="Arial" panose="020B0604020202020204" pitchFamily="34" charset="0"/>
+                <a:cs typeface="Arial" panose="020B0604020202020204" pitchFamily="34" charset="0"/>
+              </a:rPr>
+              <a:t>VLANs </a:t>
+            </a:r>
+            <a:r>
+              <a:rPr lang="es-ES" sz="1600" dirty="0">
+                <a:latin typeface="Arial" panose="020B0604020202020204" pitchFamily="34" charset="0"/>
+                <a:cs typeface="Arial" panose="020B0604020202020204" pitchFamily="34" charset="0"/>
+              </a:rPr>
+              <a:t>en el </a:t>
+            </a:r>
+            <a:r>
+              <a:rPr lang="es-ES" sz="1600" b="1" dirty="0">
+                <a:latin typeface="Arial" panose="020B0604020202020204" pitchFamily="34" charset="0"/>
+                <a:cs typeface="Arial" panose="020B0604020202020204" pitchFamily="34" charset="0"/>
+              </a:rPr>
+              <a:t>switch</a:t>
+            </a:r>
+            <a:r>
+              <a:rPr lang="es-ES" sz="1600" dirty="0">
+                <a:latin typeface="Arial" panose="020B0604020202020204" pitchFamily="34" charset="0"/>
+                <a:cs typeface="Arial" panose="020B0604020202020204" pitchFamily="34" charset="0"/>
+              </a:rPr>
+              <a:t>:</a:t>
             </a:r>
           </a:p>
           <a:p>
@@ -15856,357 +14155,36 @@
               <a:lnSpc>
                 <a:spcPct val="150000"/>
               </a:lnSpc>
+              <a:buFont typeface="+mj-lt"/>
               <a:buAutoNum type="arabicPeriod"/>
             </a:pPr>
             <a:r>
-              <a:rPr lang="es-MX" sz="1600" spc="-5" dirty="0">
-                <a:solidFill>
-                  <a:prstClr val="black"/>
-                </a:solidFill>
-                <a:latin typeface="Arial" panose="020B0604020202020204" pitchFamily="34" charset="0"/>
-                <a:cs typeface="Arial" panose="020B0604020202020204" pitchFamily="34" charset="0"/>
-              </a:rPr>
-              <a:t>Las tres </a:t>
-            </a:r>
-            <a:r>
-              <a:rPr lang="es-MX" sz="1600" spc="-5" dirty="0" err="1">
-                <a:solidFill>
-                  <a:prstClr val="black"/>
-                </a:solidFill>
+              <a:rPr lang="es-ES" sz="1600" dirty="0">
+                <a:latin typeface="Arial" panose="020B0604020202020204" pitchFamily="34" charset="0"/>
+                <a:cs typeface="Arial" panose="020B0604020202020204" pitchFamily="34" charset="0"/>
+              </a:rPr>
+              <a:t>Crear la </a:t>
+            </a:r>
+            <a:r>
+              <a:rPr lang="es-ES" sz="1600" b="1" dirty="0">
+                <a:latin typeface="Arial" panose="020B0604020202020204" pitchFamily="34" charset="0"/>
+                <a:cs typeface="Arial" panose="020B0604020202020204" pitchFamily="34" charset="0"/>
+              </a:rPr>
+              <a:t>base de datos </a:t>
+            </a:r>
+            <a:r>
+              <a:rPr lang="es-ES" sz="1600" dirty="0">
+                <a:latin typeface="Arial" panose="020B0604020202020204" pitchFamily="34" charset="0"/>
+                <a:cs typeface="Arial" panose="020B0604020202020204" pitchFamily="34" charset="0"/>
+              </a:rPr>
+              <a:t>de las </a:t>
+            </a:r>
+            <a:r>
+              <a:rPr lang="es-ES" sz="1600" b="1" dirty="0">
                 <a:latin typeface="Arial" panose="020B0604020202020204" pitchFamily="34" charset="0"/>
                 <a:cs typeface="Arial" panose="020B0604020202020204" pitchFamily="34" charset="0"/>
               </a:rPr>
               <a:t>VLANs</a:t>
-            </a:r>
-            <a:r>
-              <a:rPr lang="es-MX" sz="1600" spc="-5" dirty="0">
-                <a:solidFill>
-                  <a:prstClr val="black"/>
-                </a:solidFill>
-                <a:latin typeface="Arial" panose="020B0604020202020204" pitchFamily="34" charset="0"/>
-                <a:cs typeface="Arial" panose="020B0604020202020204" pitchFamily="34" charset="0"/>
-              </a:rPr>
-              <a:t> (</a:t>
-            </a:r>
-            <a:r>
-              <a:rPr lang="es-MX" sz="1600" b="1" spc="-5" dirty="0">
-                <a:solidFill>
-                  <a:prstClr val="black"/>
-                </a:solidFill>
-                <a:latin typeface="Arial" panose="020B0604020202020204" pitchFamily="34" charset="0"/>
-                <a:cs typeface="Arial" panose="020B0604020202020204" pitchFamily="34" charset="0"/>
-              </a:rPr>
-              <a:t>M</a:t>
-            </a:r>
-            <a:r>
-              <a:rPr lang="es-MX" sz="1600" b="1" spc="5" dirty="0">
-                <a:solidFill>
-                  <a:prstClr val="black"/>
-                </a:solidFill>
-                <a:latin typeface="Arial" panose="020B0604020202020204" pitchFamily="34" charset="0"/>
-                <a:cs typeface="Arial" panose="020B0604020202020204" pitchFamily="34" charset="0"/>
-              </a:rPr>
-              <a:t>a</a:t>
-            </a:r>
-            <a:r>
-              <a:rPr lang="es-MX" sz="1600" b="1" spc="-5" dirty="0">
-                <a:solidFill>
-                  <a:prstClr val="black"/>
-                </a:solidFill>
-                <a:latin typeface="Arial" panose="020B0604020202020204" pitchFamily="34" charset="0"/>
-                <a:cs typeface="Arial" panose="020B0604020202020204" pitchFamily="34" charset="0"/>
-              </a:rPr>
-              <a:t>na</a:t>
-            </a:r>
-            <a:r>
-              <a:rPr lang="es-MX" sz="1600" b="1" spc="-25" dirty="0">
-                <a:solidFill>
-                  <a:prstClr val="black"/>
-                </a:solidFill>
-                <a:latin typeface="Arial" panose="020B0604020202020204" pitchFamily="34" charset="0"/>
-                <a:cs typeface="Arial" panose="020B0604020202020204" pitchFamily="34" charset="0"/>
-              </a:rPr>
-              <a:t>g</a:t>
-            </a:r>
-            <a:r>
-              <a:rPr lang="es-MX" sz="1600" b="1" spc="-15" dirty="0">
-                <a:solidFill>
-                  <a:prstClr val="black"/>
-                </a:solidFill>
-                <a:latin typeface="Arial" panose="020B0604020202020204" pitchFamily="34" charset="0"/>
-                <a:cs typeface="Arial" panose="020B0604020202020204" pitchFamily="34" charset="0"/>
-              </a:rPr>
-              <a:t>e</a:t>
-            </a:r>
-            <a:r>
-              <a:rPr lang="es-MX" sz="1600" b="1" spc="-210" dirty="0">
-                <a:solidFill>
-                  <a:prstClr val="black"/>
-                </a:solidFill>
-                <a:latin typeface="Arial" panose="020B0604020202020204" pitchFamily="34" charset="0"/>
-                <a:cs typeface="Arial" panose="020B0604020202020204" pitchFamily="34" charset="0"/>
-              </a:rPr>
-              <a:t>r</a:t>
-            </a:r>
-            <a:r>
-              <a:rPr lang="es-MX" sz="1600" b="1" spc="-10" dirty="0">
-                <a:solidFill>
-                  <a:prstClr val="black"/>
-                </a:solidFill>
-                <a:latin typeface="Arial" panose="020B0604020202020204" pitchFamily="34" charset="0"/>
-                <a:cs typeface="Arial" panose="020B0604020202020204" pitchFamily="34" charset="0"/>
-              </a:rPr>
-              <a:t>,</a:t>
-            </a:r>
-            <a:r>
-              <a:rPr lang="es-MX" sz="1600" b="1" spc="-25" dirty="0">
-                <a:solidFill>
-                  <a:prstClr val="black"/>
-                </a:solidFill>
-                <a:latin typeface="Arial" panose="020B0604020202020204" pitchFamily="34" charset="0"/>
-                <a:cs typeface="Arial" panose="020B0604020202020204" pitchFamily="34" charset="0"/>
-              </a:rPr>
-              <a:t> </a:t>
-            </a:r>
-            <a:r>
-              <a:rPr lang="es-MX" sz="1600" b="1" spc="-20" dirty="0" err="1">
-                <a:solidFill>
-                  <a:prstClr val="black"/>
-                </a:solidFill>
-                <a:latin typeface="Arial" panose="020B0604020202020204" pitchFamily="34" charset="0"/>
-                <a:cs typeface="Arial" panose="020B0604020202020204" pitchFamily="34" charset="0"/>
-              </a:rPr>
-              <a:t>Us</a:t>
-            </a:r>
-            <a:r>
-              <a:rPr lang="es-MX" sz="1600" b="1" spc="-15" dirty="0" err="1">
-                <a:solidFill>
-                  <a:prstClr val="black"/>
-                </a:solidFill>
-                <a:latin typeface="Arial" panose="020B0604020202020204" pitchFamily="34" charset="0"/>
-                <a:cs typeface="Arial" panose="020B0604020202020204" pitchFamily="34" charset="0"/>
-              </a:rPr>
-              <a:t>e</a:t>
-            </a:r>
-            <a:r>
-              <a:rPr lang="es-MX" sz="1600" b="1" spc="-40" dirty="0" err="1">
-                <a:solidFill>
-                  <a:prstClr val="black"/>
-                </a:solidFill>
-                <a:latin typeface="Arial" panose="020B0604020202020204" pitchFamily="34" charset="0"/>
-                <a:cs typeface="Arial" panose="020B0604020202020204" pitchFamily="34" charset="0"/>
-              </a:rPr>
-              <a:t>r</a:t>
-            </a:r>
-            <a:r>
-              <a:rPr lang="es-MX" sz="1600" b="1" spc="-5" dirty="0" err="1">
-                <a:solidFill>
-                  <a:prstClr val="black"/>
-                </a:solidFill>
-                <a:latin typeface="Arial" panose="020B0604020202020204" pitchFamily="34" charset="0"/>
-                <a:cs typeface="Arial" panose="020B0604020202020204" pitchFamily="34" charset="0"/>
-              </a:rPr>
-              <a:t>s</a:t>
-            </a:r>
-            <a:r>
-              <a:rPr lang="es-MX" sz="1600" spc="-5" dirty="0">
-                <a:solidFill>
-                  <a:prstClr val="black"/>
-                </a:solidFill>
-                <a:latin typeface="Arial" panose="020B0604020202020204" pitchFamily="34" charset="0"/>
-                <a:cs typeface="Arial" panose="020B0604020202020204" pitchFamily="34" charset="0"/>
-              </a:rPr>
-              <a:t> y</a:t>
-            </a:r>
-            <a:r>
-              <a:rPr lang="es-MX" sz="1600" b="1" spc="-5" dirty="0">
-                <a:solidFill>
-                  <a:prstClr val="black"/>
-                </a:solidFill>
-                <a:latin typeface="Arial" panose="020B0604020202020204" pitchFamily="34" charset="0"/>
-                <a:cs typeface="Arial" panose="020B0604020202020204" pitchFamily="34" charset="0"/>
-              </a:rPr>
-              <a:t> S</a:t>
-            </a:r>
-            <a:r>
-              <a:rPr lang="es-MX" sz="1600" b="1" spc="5" dirty="0">
-                <a:solidFill>
-                  <a:prstClr val="black"/>
-                </a:solidFill>
-                <a:latin typeface="Arial" panose="020B0604020202020204" pitchFamily="34" charset="0"/>
-                <a:cs typeface="Arial" panose="020B0604020202020204" pitchFamily="34" charset="0"/>
-              </a:rPr>
-              <a:t>er</a:t>
-            </a:r>
-            <a:r>
-              <a:rPr lang="es-MX" sz="1600" b="1" spc="-10" dirty="0">
-                <a:solidFill>
-                  <a:prstClr val="black"/>
-                </a:solidFill>
-                <a:latin typeface="Arial" panose="020B0604020202020204" pitchFamily="34" charset="0"/>
-                <a:cs typeface="Arial" panose="020B0604020202020204" pitchFamily="34" charset="0"/>
-              </a:rPr>
-              <a:t>vice</a:t>
-            </a:r>
-            <a:r>
-              <a:rPr lang="es-MX" sz="1600" b="1" dirty="0">
-                <a:solidFill>
-                  <a:prstClr val="black"/>
-                </a:solidFill>
-                <a:latin typeface="Arial" panose="020B0604020202020204" pitchFamily="34" charset="0"/>
-                <a:cs typeface="Arial" panose="020B0604020202020204" pitchFamily="34" charset="0"/>
-              </a:rPr>
-              <a:t>s</a:t>
-            </a:r>
-            <a:r>
-              <a:rPr lang="es-MX" sz="1600" dirty="0">
-                <a:solidFill>
-                  <a:prstClr val="black"/>
-                </a:solidFill>
-                <a:latin typeface="Arial" panose="020B0604020202020204" pitchFamily="34" charset="0"/>
-                <a:cs typeface="Arial" panose="020B0604020202020204" pitchFamily="34" charset="0"/>
-              </a:rPr>
-              <a:t>) </a:t>
-            </a:r>
-            <a:r>
-              <a:rPr lang="es-MX" sz="1600" spc="-5" dirty="0">
-                <a:solidFill>
-                  <a:prstClr val="black"/>
-                </a:solidFill>
-                <a:latin typeface="Arial" panose="020B0604020202020204" pitchFamily="34" charset="0"/>
-                <a:cs typeface="Arial" panose="020B0604020202020204" pitchFamily="34" charset="0"/>
-              </a:rPr>
-              <a:t>obtendrán di</a:t>
-            </a:r>
-            <a:r>
-              <a:rPr lang="es-MX" sz="1600" spc="-35" dirty="0">
-                <a:solidFill>
-                  <a:prstClr val="black"/>
-                </a:solidFill>
-                <a:latin typeface="Arial" panose="020B0604020202020204" pitchFamily="34" charset="0"/>
-                <a:cs typeface="Arial" panose="020B0604020202020204" pitchFamily="34" charset="0"/>
-              </a:rPr>
-              <a:t>r</a:t>
-            </a:r>
-            <a:r>
-              <a:rPr lang="es-MX" sz="1600" spc="-15" dirty="0">
-                <a:solidFill>
-                  <a:prstClr val="black"/>
-                </a:solidFill>
-                <a:latin typeface="Arial" panose="020B0604020202020204" pitchFamily="34" charset="0"/>
-                <a:cs typeface="Arial" panose="020B0604020202020204" pitchFamily="34" charset="0"/>
-              </a:rPr>
-              <a:t>e</a:t>
-            </a:r>
-            <a:r>
-              <a:rPr lang="es-MX" sz="1600" spc="-10" dirty="0">
-                <a:solidFill>
-                  <a:prstClr val="black"/>
-                </a:solidFill>
-                <a:latin typeface="Arial" panose="020B0604020202020204" pitchFamily="34" charset="0"/>
-                <a:cs typeface="Arial" panose="020B0604020202020204" pitchFamily="34" charset="0"/>
-              </a:rPr>
-              <a:t>c</a:t>
-            </a:r>
-            <a:r>
-              <a:rPr lang="es-MX" sz="1600" dirty="0">
-                <a:solidFill>
-                  <a:prstClr val="black"/>
-                </a:solidFill>
-                <a:latin typeface="Arial" panose="020B0604020202020204" pitchFamily="34" charset="0"/>
-                <a:cs typeface="Arial" panose="020B0604020202020204" pitchFamily="34" charset="0"/>
-              </a:rPr>
-              <a:t>ción</a:t>
-            </a:r>
-            <a:r>
-              <a:rPr lang="es-MX" sz="1600" spc="-15" dirty="0">
-                <a:solidFill>
-                  <a:prstClr val="black"/>
-                </a:solidFill>
-                <a:latin typeface="Arial" panose="020B0604020202020204" pitchFamily="34" charset="0"/>
-                <a:cs typeface="Arial" panose="020B0604020202020204" pitchFamily="34" charset="0"/>
-              </a:rPr>
-              <a:t> IP</a:t>
-            </a:r>
-            <a:r>
-              <a:rPr lang="es-MX" sz="1600" spc="-10" dirty="0">
-                <a:solidFill>
-                  <a:prstClr val="black"/>
-                </a:solidFill>
-                <a:latin typeface="Arial" panose="020B0604020202020204" pitchFamily="34" charset="0"/>
-                <a:cs typeface="Arial" panose="020B0604020202020204" pitchFamily="34" charset="0"/>
-              </a:rPr>
-              <a:t> </a:t>
-            </a:r>
-            <a:r>
-              <a:rPr lang="es-MX" sz="1600" spc="-5" dirty="0">
-                <a:solidFill>
-                  <a:prstClr val="black"/>
-                </a:solidFill>
-                <a:latin typeface="Arial" panose="020B0604020202020204" pitchFamily="34" charset="0"/>
-                <a:cs typeface="Arial" panose="020B0604020202020204" pitchFamily="34" charset="0"/>
-              </a:rPr>
-              <a:t>dinámi</a:t>
-            </a:r>
-            <a:r>
-              <a:rPr lang="es-MX" sz="1600" spc="-10" dirty="0">
-                <a:solidFill>
-                  <a:prstClr val="black"/>
-                </a:solidFill>
-                <a:latin typeface="Arial" panose="020B0604020202020204" pitchFamily="34" charset="0"/>
-                <a:cs typeface="Arial" panose="020B0604020202020204" pitchFamily="34" charset="0"/>
-              </a:rPr>
-              <a:t>c</a:t>
-            </a:r>
-            <a:r>
-              <a:rPr lang="es-MX" sz="1600" dirty="0">
-                <a:solidFill>
-                  <a:prstClr val="black"/>
-                </a:solidFill>
-                <a:latin typeface="Arial" panose="020B0604020202020204" pitchFamily="34" charset="0"/>
-                <a:cs typeface="Arial" panose="020B0604020202020204" pitchFamily="34" charset="0"/>
-              </a:rPr>
-              <a:t>a</a:t>
-            </a:r>
-            <a:r>
-              <a:rPr lang="es-MX" sz="1600" spc="-10" dirty="0">
-                <a:solidFill>
-                  <a:prstClr val="black"/>
-                </a:solidFill>
-                <a:latin typeface="Arial" panose="020B0604020202020204" pitchFamily="34" charset="0"/>
-                <a:cs typeface="Arial" panose="020B0604020202020204" pitchFamily="34" charset="0"/>
-              </a:rPr>
-              <a:t> </a:t>
-            </a:r>
-            <a:r>
-              <a:rPr lang="es-MX" sz="1600" dirty="0">
-                <a:solidFill>
-                  <a:prstClr val="black"/>
-                </a:solidFill>
-                <a:latin typeface="Arial" panose="020B0604020202020204" pitchFamily="34" charset="0"/>
-                <a:cs typeface="Arial" panose="020B0604020202020204" pitchFamily="34" charset="0"/>
-              </a:rPr>
-              <a:t>(</a:t>
-            </a:r>
-            <a:r>
-              <a:rPr lang="es-MX" sz="1600" b="1" spc="-5" dirty="0">
-                <a:solidFill>
-                  <a:prstClr val="black"/>
-                </a:solidFill>
-                <a:latin typeface="Arial" panose="020B0604020202020204" pitchFamily="34" charset="0"/>
-                <a:cs typeface="Arial" panose="020B0604020202020204" pitchFamily="34" charset="0"/>
-              </a:rPr>
-              <a:t>DHCP</a:t>
-            </a:r>
-            <a:r>
-              <a:rPr lang="es-MX" sz="1600" dirty="0">
-                <a:solidFill>
-                  <a:prstClr val="black"/>
-                </a:solidFill>
-                <a:latin typeface="Arial" panose="020B0604020202020204" pitchFamily="34" charset="0"/>
-                <a:cs typeface="Arial" panose="020B0604020202020204" pitchFamily="34" charset="0"/>
-              </a:rPr>
-              <a:t>)</a:t>
             </a:r>
           </a:p>
           <a:p>
@@ -16214,20 +14192,29 @@
               <a:lnSpc>
                 <a:spcPct val="150000"/>
               </a:lnSpc>
+              <a:buFont typeface="+mj-lt"/>
               <a:buAutoNum type="arabicPeriod"/>
             </a:pPr>
             <a:r>
-              <a:rPr lang="es-ES_tradnl" sz="1600" dirty="0">
-                <a:solidFill>
-                  <a:schemeClr val="tx1">
-                    <a:lumMod val="95000"/>
-                    <a:lumOff val="5000"/>
-                  </a:schemeClr>
-                </a:solidFill>
-                <a:latin typeface="Arial" panose="020B0604020202020204" pitchFamily="34" charset="0"/>
-                <a:cs typeface="Arial" panose="020B0604020202020204" pitchFamily="34" charset="0"/>
-              </a:rPr>
-              <a:t>Configurar primero las excepciones.</a:t>
+              <a:rPr lang="es-ES" sz="1600" dirty="0">
+                <a:latin typeface="Arial" panose="020B0604020202020204" pitchFamily="34" charset="0"/>
+                <a:cs typeface="Arial" panose="020B0604020202020204" pitchFamily="34" charset="0"/>
+              </a:rPr>
+              <a:t>Asignar los </a:t>
+            </a:r>
+            <a:r>
+              <a:rPr lang="es-ES" sz="1600" b="1" dirty="0">
+                <a:latin typeface="Arial" panose="020B0604020202020204" pitchFamily="34" charset="0"/>
+                <a:cs typeface="Arial" panose="020B0604020202020204" pitchFamily="34" charset="0"/>
+              </a:rPr>
+              <a:t>puertos de acceso </a:t>
+            </a:r>
+            <a:r>
+              <a:rPr lang="es-ES" sz="1600" dirty="0">
+                <a:latin typeface="Arial" panose="020B0604020202020204" pitchFamily="34" charset="0"/>
+                <a:cs typeface="Arial" panose="020B0604020202020204" pitchFamily="34" charset="0"/>
+              </a:rPr>
+              <a:t>del switch a la VLAN correspondiente. </a:t>
             </a:r>
           </a:p>
           <a:p>
@@ -16235,52 +14222,34 @@
               <a:lnSpc>
                 <a:spcPct val="150000"/>
               </a:lnSpc>
+              <a:buFont typeface="+mj-lt"/>
               <a:buAutoNum type="arabicPeriod"/>
             </a:pPr>
             <a:r>
-              <a:rPr lang="es-ES_tradnl" sz="1600" dirty="0">
-                <a:solidFill>
-                  <a:schemeClr val="tx1">
-                    <a:lumMod val="95000"/>
-                    <a:lumOff val="5000"/>
-                  </a:schemeClr>
-                </a:solidFill>
-                <a:latin typeface="Arial" panose="020B0604020202020204" pitchFamily="34" charset="0"/>
-                <a:cs typeface="Arial" panose="020B0604020202020204" pitchFamily="34" charset="0"/>
-              </a:rPr>
-              <a:t>Configurar DHCP en </a:t>
-            </a:r>
-            <a:r>
-              <a:rPr lang="es-ES_tradnl" sz="1600" b="1" dirty="0" err="1">
-                <a:solidFill>
-                  <a:schemeClr val="tx1">
-                    <a:lumMod val="95000"/>
-                    <a:lumOff val="5000"/>
-                  </a:schemeClr>
-                </a:solidFill>
-                <a:latin typeface="Arial" panose="020B0604020202020204" pitchFamily="34" charset="0"/>
-                <a:cs typeface="Arial" panose="020B0604020202020204" pitchFamily="34" charset="0"/>
-              </a:rPr>
-              <a:t>RFrontera</a:t>
-            </a:r>
-            <a:r>
-              <a:rPr lang="es-ES_tradnl" sz="1600" dirty="0">
-                <a:solidFill>
-                  <a:schemeClr val="tx1">
-                    <a:lumMod val="95000"/>
-                    <a:lumOff val="5000"/>
-                  </a:schemeClr>
-                </a:solidFill>
-                <a:latin typeface="Arial" panose="020B0604020202020204" pitchFamily="34" charset="0"/>
-                <a:cs typeface="Arial" panose="020B0604020202020204" pitchFamily="34" charset="0"/>
-              </a:rPr>
-              <a:t>.</a:t>
-            </a:r>
-            <a:endParaRPr lang="es-MX" sz="1600" dirty="0">
+              <a:rPr lang="es-ES" sz="1600" dirty="0">
+                <a:latin typeface="Arial" panose="020B0604020202020204" pitchFamily="34" charset="0"/>
+                <a:cs typeface="Arial" panose="020B0604020202020204" pitchFamily="34" charset="0"/>
+              </a:rPr>
+              <a:t>Definir el </a:t>
+            </a:r>
+            <a:r>
+              <a:rPr lang="es-ES" sz="1600" b="1" dirty="0">
+                <a:latin typeface="Arial" panose="020B0604020202020204" pitchFamily="34" charset="0"/>
+                <a:cs typeface="Arial" panose="020B0604020202020204" pitchFamily="34" charset="0"/>
+              </a:rPr>
+              <a:t>puerto troncal</a:t>
+            </a:r>
+            <a:r>
+              <a:rPr lang="es-ES" sz="1600" dirty="0">
+                <a:latin typeface="Arial" panose="020B0604020202020204" pitchFamily="34" charset="0"/>
+                <a:cs typeface="Arial" panose="020B0604020202020204" pitchFamily="34" charset="0"/>
+              </a:rPr>
+              <a:t> (puerto por el que va a salir el tráfico de las distintas VLANs). </a:t>
+            </a:r>
+            <a:endParaRPr lang="es-MX" sz="1800" dirty="0">
               <a:solidFill>
-                <a:schemeClr val="tx1">
-                  <a:lumMod val="95000"/>
-                  <a:lumOff val="5000"/>
+                <a:schemeClr val="bg2">
+                  <a:lumMod val="25000"/>
                 </a:schemeClr>
               </a:solidFill>
               <a:latin typeface="Arial" panose="020B0604020202020204" pitchFamily="34" charset="0"/>
@@ -16289,10 +14258,2086 @@
           </a:p>
         </p:txBody>
       </p:sp>
+      <p:sp>
+        <p:nvSpPr>
+          <p:cNvPr id="6" name="CuadroTexto 5">
+            <a:extLst>
+              <a:ext uri="{FF2B5EF4-FFF2-40B4-BE49-F238E27FC236}">
+                <a16:creationId xmlns:a16="http://schemas.microsoft.com/office/drawing/2014/main" id="{8B4E578D-7BAF-4681-BF75-AC5FE3AD8971}"/>
+              </a:ext>
+            </a:extLst>
+          </p:cNvPr>
+          <p:cNvSpPr txBox="1"/>
+          <p:nvPr/>
+        </p:nvSpPr>
+        <p:spPr>
+          <a:xfrm>
+            <a:off x="834271" y="2923903"/>
+            <a:ext cx="8382000" cy="416011"/>
+          </a:xfrm>
+          <a:prstGeom prst="rect">
+            <a:avLst/>
+          </a:prstGeom>
+          <a:noFill/>
+        </p:spPr>
+        <p:txBody>
+          <a:bodyPr wrap="square">
+            <a:spAutoFit/>
+          </a:bodyPr>
+          <a:lstStyle/>
+          <a:p>
+            <a:pPr>
+              <a:lnSpc>
+                <a:spcPct val="150000"/>
+              </a:lnSpc>
+              <a:spcAft>
+                <a:spcPts val="600"/>
+              </a:spcAft>
+            </a:pPr>
+            <a:r>
+              <a:rPr lang="es-ES" sz="1600" dirty="0">
+                <a:latin typeface="Arial" panose="020B0604020202020204" pitchFamily="34" charset="0"/>
+                <a:cs typeface="Arial" panose="020B0604020202020204" pitchFamily="34" charset="0"/>
+              </a:rPr>
+              <a:t>Las subredes y los puertos del switch han sido divididos de la siguiente forma:</a:t>
+            </a:r>
+            <a:endParaRPr lang="es-ES" sz="1600" b="1" dirty="0">
+              <a:solidFill>
+                <a:schemeClr val="accent5">
+                  <a:lumMod val="75000"/>
+                </a:schemeClr>
+              </a:solidFill>
+              <a:latin typeface="Arial" panose="020B0604020202020204" pitchFamily="34" charset="0"/>
+              <a:cs typeface="Arial" panose="020B0604020202020204" pitchFamily="34" charset="0"/>
+            </a:endParaRPr>
+          </a:p>
+        </p:txBody>
+      </p:sp>
+      <p:sp>
+        <p:nvSpPr>
+          <p:cNvPr id="7" name="CuadroTexto 6">
+            <a:extLst>
+              <a:ext uri="{FF2B5EF4-FFF2-40B4-BE49-F238E27FC236}">
+                <a16:creationId xmlns:a16="http://schemas.microsoft.com/office/drawing/2014/main" id="{74967D43-4562-4C9A-BFA7-1485C888EFE6}"/>
+              </a:ext>
+            </a:extLst>
+          </p:cNvPr>
+          <p:cNvSpPr txBox="1"/>
+          <p:nvPr/>
+        </p:nvSpPr>
+        <p:spPr>
+          <a:xfrm>
+            <a:off x="829558" y="5703332"/>
+            <a:ext cx="6127424" cy="369332"/>
+          </a:xfrm>
+          <a:prstGeom prst="rect">
+            <a:avLst/>
+          </a:prstGeom>
+          <a:noFill/>
+        </p:spPr>
+        <p:txBody>
+          <a:bodyPr wrap="square">
+            <a:spAutoFit/>
+          </a:bodyPr>
+          <a:lstStyle/>
+          <a:p>
+            <a:r>
+              <a:rPr lang="es-ES" sz="1800" b="1" dirty="0">
+                <a:effectLst/>
+                <a:latin typeface="Arial" panose="020B0604020202020204" pitchFamily="34" charset="0"/>
+                <a:ea typeface="Calibri" panose="020F0502020204030204" pitchFamily="34" charset="0"/>
+              </a:rPr>
+              <a:t>vlan 1 </a:t>
+            </a:r>
+            <a:r>
+              <a:rPr lang="es-ES" sz="1800" dirty="0">
+                <a:effectLst/>
+                <a:latin typeface="Arial" panose="020B0604020202020204" pitchFamily="34" charset="0"/>
+                <a:ea typeface="Calibri" panose="020F0502020204030204" pitchFamily="34" charset="0"/>
+              </a:rPr>
+              <a:t>que es la</a:t>
+            </a:r>
+            <a:r>
+              <a:rPr lang="es-ES" sz="1800" b="1" dirty="0">
+                <a:effectLst/>
+                <a:latin typeface="Arial" panose="020B0604020202020204" pitchFamily="34" charset="0"/>
+                <a:ea typeface="Calibri" panose="020F0502020204030204" pitchFamily="34" charset="0"/>
+              </a:rPr>
+              <a:t> nativa</a:t>
+            </a:r>
+            <a:r>
+              <a:rPr lang="es-ES" sz="1800" dirty="0">
+                <a:effectLst/>
+                <a:latin typeface="Arial" panose="020B0604020202020204" pitchFamily="34" charset="0"/>
+                <a:ea typeface="Calibri" panose="020F0502020204030204" pitchFamily="34" charset="0"/>
+              </a:rPr>
+              <a:t>, está creada siempre por default.</a:t>
+            </a:r>
+            <a:r>
+              <a:rPr lang="es-ES" sz="1800" b="1" dirty="0">
+                <a:effectLst/>
+                <a:latin typeface="Arial" panose="020B0604020202020204" pitchFamily="34" charset="0"/>
+                <a:ea typeface="Calibri" panose="020F0502020204030204" pitchFamily="34" charset="0"/>
+              </a:rPr>
+              <a:t> </a:t>
+            </a:r>
+            <a:endParaRPr lang="es-MX" dirty="0"/>
+          </a:p>
+        </p:txBody>
+      </p:sp>
+      <p:graphicFrame>
+        <p:nvGraphicFramePr>
+          <p:cNvPr id="5" name="Tabla 4">
+            <a:extLst>
+              <a:ext uri="{FF2B5EF4-FFF2-40B4-BE49-F238E27FC236}">
+                <a16:creationId xmlns:a16="http://schemas.microsoft.com/office/drawing/2014/main" id="{D5DA73BA-9C18-4089-BD14-C3684A90530F}"/>
+              </a:ext>
+            </a:extLst>
+          </p:cNvPr>
+          <p:cNvGraphicFramePr>
+            <a:graphicFrameLocks noGrp="1"/>
+          </p:cNvGraphicFramePr>
+          <p:nvPr/>
+        </p:nvGraphicFramePr>
+        <p:xfrm>
+          <a:off x="952499" y="3630221"/>
+          <a:ext cx="8610601" cy="1822766"/>
+        </p:xfrm>
+        <a:graphic>
+          <a:graphicData uri="http://schemas.openxmlformats.org/drawingml/2006/table">
+            <a:tbl>
+              <a:tblPr firstRow="1" firstCol="1" lastRow="1" lastCol="1" bandRow="1" bandCol="1">
+                <a:tableStyleId>{5C22544A-7EE6-4342-B048-85BDC9FD1C3A}</a:tableStyleId>
+              </a:tblPr>
+              <a:tblGrid>
+                <a:gridCol w="1477293">
+                  <a:extLst>
+                    <a:ext uri="{9D8B030D-6E8A-4147-A177-3AD203B41FA5}">
+                      <a16:colId xmlns:a16="http://schemas.microsoft.com/office/drawing/2014/main" val="3615906484"/>
+                    </a:ext>
+                  </a:extLst>
+                </a:gridCol>
+                <a:gridCol w="885544">
+                  <a:extLst>
+                    <a:ext uri="{9D8B030D-6E8A-4147-A177-3AD203B41FA5}">
+                      <a16:colId xmlns:a16="http://schemas.microsoft.com/office/drawing/2014/main" val="56571631"/>
+                    </a:ext>
+                  </a:extLst>
+                </a:gridCol>
+                <a:gridCol w="1790064">
+                  <a:extLst>
+                    <a:ext uri="{9D8B030D-6E8A-4147-A177-3AD203B41FA5}">
+                      <a16:colId xmlns:a16="http://schemas.microsoft.com/office/drawing/2014/main" val="1977572645"/>
+                    </a:ext>
+                  </a:extLst>
+                </a:gridCol>
+                <a:gridCol w="2125237">
+                  <a:extLst>
+                    <a:ext uri="{9D8B030D-6E8A-4147-A177-3AD203B41FA5}">
+                      <a16:colId xmlns:a16="http://schemas.microsoft.com/office/drawing/2014/main" val="912248757"/>
+                    </a:ext>
+                  </a:extLst>
+                </a:gridCol>
+                <a:gridCol w="2332463">
+                  <a:extLst>
+                    <a:ext uri="{9D8B030D-6E8A-4147-A177-3AD203B41FA5}">
+                      <a16:colId xmlns:a16="http://schemas.microsoft.com/office/drawing/2014/main" val="445826148"/>
+                    </a:ext>
+                  </a:extLst>
+                </a:gridCol>
+              </a:tblGrid>
+              <a:tr h="369886">
+                <a:tc>
+                  <a:txBody>
+                    <a:bodyPr/>
+                    <a:lstStyle/>
+                    <a:p>
+                      <a:pPr marL="1905" algn="ctr">
+                        <a:lnSpc>
+                          <a:spcPts val="1800"/>
+                        </a:lnSpc>
+                      </a:pPr>
+                      <a:r>
+                        <a:rPr lang="es-MX" sz="1400" spc="-5" dirty="0">
+                          <a:effectLst/>
+                          <a:latin typeface="Arial" panose="020B0604020202020204" pitchFamily="34" charset="0"/>
+                          <a:cs typeface="Arial" panose="020B0604020202020204" pitchFamily="34" charset="0"/>
+                        </a:rPr>
+                        <a:t>Segmento</a:t>
+                      </a:r>
+                      <a:endParaRPr lang="es-MX" sz="1400" dirty="0">
+                        <a:effectLst/>
+                        <a:latin typeface="Arial" panose="020B0604020202020204" pitchFamily="34" charset="0"/>
+                        <a:ea typeface="Calibri" panose="020F0502020204030204" pitchFamily="34" charset="0"/>
+                        <a:cs typeface="Arial" panose="020B0604020202020204" pitchFamily="34" charset="0"/>
+                      </a:endParaRPr>
+                    </a:p>
+                  </a:txBody>
+                  <a:tcPr marL="0" marR="0" marT="0" marB="0" anchor="ctr">
+                    <a:lnL w="12700" cap="flat" cmpd="sng" algn="ctr">
+                      <a:solidFill>
+                        <a:schemeClr val="tx1"/>
+                      </a:solidFill>
+                      <a:prstDash val="solid"/>
+                      <a:round/>
+                      <a:headEnd type="none" w="med" len="med"/>
+                      <a:tailEnd type="none" w="med" len="med"/>
+                    </a:lnL>
+                    <a:lnR w="12700" cap="flat" cmpd="sng" algn="ctr">
+                      <a:solidFill>
+                        <a:schemeClr val="tx1"/>
+                      </a:solidFill>
+                      <a:prstDash val="solid"/>
+                      <a:round/>
+                      <a:headEnd type="none" w="med" len="med"/>
+                      <a:tailEnd type="none" w="med" len="med"/>
+                    </a:lnR>
+                    <a:lnT w="12700" cap="flat" cmpd="sng" algn="ctr">
+                      <a:solidFill>
+                        <a:schemeClr val="tx1"/>
+                      </a:solidFill>
+                      <a:prstDash val="solid"/>
+                      <a:round/>
+                      <a:headEnd type="none" w="med" len="med"/>
+                      <a:tailEnd type="none" w="med" len="med"/>
+                    </a:lnT>
+                    <a:lnB w="12700" cap="flat" cmpd="sng" algn="ctr">
+                      <a:solidFill>
+                        <a:schemeClr val="tx1"/>
+                      </a:solidFill>
+                      <a:prstDash val="solid"/>
+                      <a:round/>
+                      <a:headEnd type="none" w="med" len="med"/>
+                      <a:tailEnd type="none" w="med" len="med"/>
+                    </a:lnB>
+                  </a:tcPr>
+                </a:tc>
+                <a:tc>
+                  <a:txBody>
+                    <a:bodyPr/>
+                    <a:lstStyle/>
+                    <a:p>
+                      <a:pPr algn="ctr">
+                        <a:lnSpc>
+                          <a:spcPts val="1800"/>
+                        </a:lnSpc>
+                      </a:pPr>
+                      <a:r>
+                        <a:rPr lang="es-MX" sz="1400" dirty="0">
+                          <a:effectLst/>
+                          <a:latin typeface="Arial" panose="020B0604020202020204" pitchFamily="34" charset="0"/>
+                          <a:cs typeface="Arial" panose="020B0604020202020204" pitchFamily="34" charset="0"/>
+                        </a:rPr>
+                        <a:t>VLAN</a:t>
+                      </a:r>
+                      <a:endParaRPr lang="es-MX" sz="1400" dirty="0">
+                        <a:effectLst/>
+                        <a:latin typeface="Arial" panose="020B0604020202020204" pitchFamily="34" charset="0"/>
+                        <a:ea typeface="Calibri" panose="020F0502020204030204" pitchFamily="34" charset="0"/>
+                        <a:cs typeface="Arial" panose="020B0604020202020204" pitchFamily="34" charset="0"/>
+                      </a:endParaRPr>
+                    </a:p>
+                  </a:txBody>
+                  <a:tcPr marL="0" marR="0" marT="0" marB="0" anchor="ctr">
+                    <a:lnL w="12700" cap="flat" cmpd="sng" algn="ctr">
+                      <a:solidFill>
+                        <a:schemeClr val="tx1"/>
+                      </a:solidFill>
+                      <a:prstDash val="solid"/>
+                      <a:round/>
+                      <a:headEnd type="none" w="med" len="med"/>
+                      <a:tailEnd type="none" w="med" len="med"/>
+                    </a:lnL>
+                    <a:lnR w="12700" cap="flat" cmpd="sng" algn="ctr">
+                      <a:solidFill>
+                        <a:schemeClr val="tx1"/>
+                      </a:solidFill>
+                      <a:prstDash val="solid"/>
+                      <a:round/>
+                      <a:headEnd type="none" w="med" len="med"/>
+                      <a:tailEnd type="none" w="med" len="med"/>
+                    </a:lnR>
+                    <a:lnT w="12700" cap="flat" cmpd="sng" algn="ctr">
+                      <a:solidFill>
+                        <a:schemeClr val="tx1"/>
+                      </a:solidFill>
+                      <a:prstDash val="solid"/>
+                      <a:round/>
+                      <a:headEnd type="none" w="med" len="med"/>
+                      <a:tailEnd type="none" w="med" len="med"/>
+                    </a:lnT>
+                    <a:lnB w="12700" cap="flat" cmpd="sng" algn="ctr">
+                      <a:solidFill>
+                        <a:schemeClr val="tx1"/>
+                      </a:solidFill>
+                      <a:prstDash val="solid"/>
+                      <a:round/>
+                      <a:headEnd type="none" w="med" len="med"/>
+                      <a:tailEnd type="none" w="med" len="med"/>
+                    </a:lnB>
+                  </a:tcPr>
+                </a:tc>
+                <a:tc>
+                  <a:txBody>
+                    <a:bodyPr/>
+                    <a:lstStyle/>
+                    <a:p>
+                      <a:pPr algn="ctr">
+                        <a:lnSpc>
+                          <a:spcPts val="1800"/>
+                        </a:lnSpc>
+                      </a:pPr>
+                      <a:r>
+                        <a:rPr lang="es-MX" sz="1400" spc="-5" dirty="0">
+                          <a:effectLst/>
+                          <a:latin typeface="Arial" panose="020B0604020202020204" pitchFamily="34" charset="0"/>
+                          <a:cs typeface="Arial" panose="020B0604020202020204" pitchFamily="34" charset="0"/>
+                        </a:rPr>
+                        <a:t>Puertos</a:t>
+                      </a:r>
+                      <a:r>
+                        <a:rPr lang="es-MX" sz="1400" spc="120" dirty="0">
+                          <a:effectLst/>
+                          <a:latin typeface="Arial" panose="020B0604020202020204" pitchFamily="34" charset="0"/>
+                          <a:cs typeface="Arial" panose="020B0604020202020204" pitchFamily="34" charset="0"/>
+                        </a:rPr>
+                        <a:t> </a:t>
+                      </a:r>
+                      <a:r>
+                        <a:rPr lang="es-MX" sz="1400" spc="-5" dirty="0">
+                          <a:effectLst/>
+                          <a:latin typeface="Arial" panose="020B0604020202020204" pitchFamily="34" charset="0"/>
+                          <a:cs typeface="Arial" panose="020B0604020202020204" pitchFamily="34" charset="0"/>
+                        </a:rPr>
+                        <a:t>asignados</a:t>
+                      </a:r>
+                      <a:endParaRPr lang="es-MX" sz="1400" dirty="0">
+                        <a:effectLst/>
+                        <a:latin typeface="Arial" panose="020B0604020202020204" pitchFamily="34" charset="0"/>
+                        <a:ea typeface="Calibri" panose="020F0502020204030204" pitchFamily="34" charset="0"/>
+                        <a:cs typeface="Arial" panose="020B0604020202020204" pitchFamily="34" charset="0"/>
+                      </a:endParaRPr>
+                    </a:p>
+                  </a:txBody>
+                  <a:tcPr marL="0" marR="0" marT="0" marB="0" anchor="ctr">
+                    <a:lnL w="12700" cap="flat" cmpd="sng" algn="ctr">
+                      <a:solidFill>
+                        <a:schemeClr val="tx1"/>
+                      </a:solidFill>
+                      <a:prstDash val="solid"/>
+                      <a:round/>
+                      <a:headEnd type="none" w="med" len="med"/>
+                      <a:tailEnd type="none" w="med" len="med"/>
+                    </a:lnL>
+                    <a:lnR w="12700" cap="flat" cmpd="sng" algn="ctr">
+                      <a:solidFill>
+                        <a:schemeClr val="tx1"/>
+                      </a:solidFill>
+                      <a:prstDash val="solid"/>
+                      <a:round/>
+                      <a:headEnd type="none" w="med" len="med"/>
+                      <a:tailEnd type="none" w="med" len="med"/>
+                    </a:lnR>
+                    <a:lnT w="12700" cap="flat" cmpd="sng" algn="ctr">
+                      <a:solidFill>
+                        <a:schemeClr val="tx1"/>
+                      </a:solidFill>
+                      <a:prstDash val="solid"/>
+                      <a:round/>
+                      <a:headEnd type="none" w="med" len="med"/>
+                      <a:tailEnd type="none" w="med" len="med"/>
+                    </a:lnT>
+                    <a:lnB w="12700" cap="flat" cmpd="sng" algn="ctr">
+                      <a:solidFill>
+                        <a:schemeClr val="tx1"/>
+                      </a:solidFill>
+                      <a:prstDash val="solid"/>
+                      <a:round/>
+                      <a:headEnd type="none" w="med" len="med"/>
+                      <a:tailEnd type="none" w="med" len="med"/>
+                    </a:lnB>
+                  </a:tcPr>
+                </a:tc>
+                <a:tc>
+                  <a:txBody>
+                    <a:bodyPr/>
+                    <a:lstStyle/>
+                    <a:p>
+                      <a:pPr algn="ctr">
+                        <a:lnSpc>
+                          <a:spcPts val="1800"/>
+                        </a:lnSpc>
+                        <a:spcAft>
+                          <a:spcPts val="0"/>
+                        </a:spcAft>
+                      </a:pPr>
+                      <a:r>
+                        <a:rPr lang="es-MX" sz="1400" spc="-5" dirty="0">
+                          <a:effectLst/>
+                          <a:latin typeface="Arial" panose="020B0604020202020204" pitchFamily="34" charset="0"/>
+                          <a:cs typeface="Arial" panose="020B0604020202020204" pitchFamily="34" charset="0"/>
+                        </a:rPr>
+                        <a:t>Dirección de subred</a:t>
+                      </a:r>
+                      <a:endParaRPr lang="es-MX" sz="1400" dirty="0">
+                        <a:effectLst/>
+                        <a:latin typeface="Arial" panose="020B0604020202020204" pitchFamily="34" charset="0"/>
+                        <a:ea typeface="Calibri" panose="020F0502020204030204" pitchFamily="34" charset="0"/>
+                        <a:cs typeface="Arial" panose="020B0604020202020204" pitchFamily="34" charset="0"/>
+                      </a:endParaRPr>
+                    </a:p>
+                  </a:txBody>
+                  <a:tcPr marL="0" marR="0" marT="0" marB="0" anchor="ctr">
+                    <a:lnL w="12700" cap="flat" cmpd="sng" algn="ctr">
+                      <a:solidFill>
+                        <a:schemeClr val="tx1"/>
+                      </a:solidFill>
+                      <a:prstDash val="solid"/>
+                      <a:round/>
+                      <a:headEnd type="none" w="med" len="med"/>
+                      <a:tailEnd type="none" w="med" len="med"/>
+                    </a:lnL>
+                    <a:lnR w="12700" cap="flat" cmpd="sng" algn="ctr">
+                      <a:solidFill>
+                        <a:schemeClr val="tx1"/>
+                      </a:solidFill>
+                      <a:prstDash val="solid"/>
+                      <a:round/>
+                      <a:headEnd type="none" w="med" len="med"/>
+                      <a:tailEnd type="none" w="med" len="med"/>
+                    </a:lnR>
+                    <a:lnT w="12700" cap="flat" cmpd="sng" algn="ctr">
+                      <a:solidFill>
+                        <a:schemeClr val="tx1"/>
+                      </a:solidFill>
+                      <a:prstDash val="solid"/>
+                      <a:round/>
+                      <a:headEnd type="none" w="med" len="med"/>
+                      <a:tailEnd type="none" w="med" len="med"/>
+                    </a:lnT>
+                    <a:lnB w="12700" cap="flat" cmpd="sng" algn="ctr">
+                      <a:solidFill>
+                        <a:schemeClr val="tx1"/>
+                      </a:solidFill>
+                      <a:prstDash val="solid"/>
+                      <a:round/>
+                      <a:headEnd type="none" w="med" len="med"/>
+                      <a:tailEnd type="none" w="med" len="med"/>
+                    </a:lnB>
+                  </a:tcPr>
+                </a:tc>
+                <a:tc>
+                  <a:txBody>
+                    <a:bodyPr/>
+                    <a:lstStyle/>
+                    <a:p>
+                      <a:pPr algn="ctr">
+                        <a:lnSpc>
+                          <a:spcPts val="1800"/>
+                        </a:lnSpc>
+                      </a:pPr>
+                      <a:r>
+                        <a:rPr lang="es-MX" sz="1400" spc="-5" dirty="0">
+                          <a:effectLst/>
+                          <a:latin typeface="Arial" panose="020B0604020202020204" pitchFamily="34" charset="0"/>
+                          <a:cs typeface="Arial" panose="020B0604020202020204" pitchFamily="34" charset="0"/>
+                        </a:rPr>
+                        <a:t>Máscara</a:t>
+                      </a:r>
+                      <a:r>
+                        <a:rPr lang="es-MX" sz="1400" dirty="0">
+                          <a:effectLst/>
+                          <a:latin typeface="Arial" panose="020B0604020202020204" pitchFamily="34" charset="0"/>
+                          <a:cs typeface="Arial" panose="020B0604020202020204" pitchFamily="34" charset="0"/>
+                        </a:rPr>
+                        <a:t> de</a:t>
+                      </a:r>
+                      <a:r>
+                        <a:rPr lang="es-MX" sz="1400" spc="110" dirty="0">
+                          <a:effectLst/>
+                          <a:latin typeface="Arial" panose="020B0604020202020204" pitchFamily="34" charset="0"/>
+                          <a:cs typeface="Arial" panose="020B0604020202020204" pitchFamily="34" charset="0"/>
+                        </a:rPr>
+                        <a:t> </a:t>
+                      </a:r>
+                      <a:r>
+                        <a:rPr lang="es-MX" sz="1400" spc="-5" dirty="0">
+                          <a:effectLst/>
+                          <a:latin typeface="Arial" panose="020B0604020202020204" pitchFamily="34" charset="0"/>
+                          <a:cs typeface="Arial" panose="020B0604020202020204" pitchFamily="34" charset="0"/>
+                        </a:rPr>
+                        <a:t>subred</a:t>
+                      </a:r>
+                      <a:endParaRPr lang="es-MX" sz="1400" dirty="0">
+                        <a:effectLst/>
+                        <a:latin typeface="Arial" panose="020B0604020202020204" pitchFamily="34" charset="0"/>
+                        <a:ea typeface="Calibri" panose="020F0502020204030204" pitchFamily="34" charset="0"/>
+                        <a:cs typeface="Arial" panose="020B0604020202020204" pitchFamily="34" charset="0"/>
+                      </a:endParaRPr>
+                    </a:p>
+                  </a:txBody>
+                  <a:tcPr marL="0" marR="0" marT="0" marB="0" anchor="ctr">
+                    <a:lnL w="12700" cap="flat" cmpd="sng" algn="ctr">
+                      <a:solidFill>
+                        <a:schemeClr val="tx1"/>
+                      </a:solidFill>
+                      <a:prstDash val="solid"/>
+                      <a:round/>
+                      <a:headEnd type="none" w="med" len="med"/>
+                      <a:tailEnd type="none" w="med" len="med"/>
+                    </a:lnL>
+                    <a:lnR w="12700" cap="flat" cmpd="sng" algn="ctr">
+                      <a:solidFill>
+                        <a:schemeClr val="tx1"/>
+                      </a:solidFill>
+                      <a:prstDash val="solid"/>
+                      <a:round/>
+                      <a:headEnd type="none" w="med" len="med"/>
+                      <a:tailEnd type="none" w="med" len="med"/>
+                    </a:lnR>
+                    <a:lnT w="12700" cap="flat" cmpd="sng" algn="ctr">
+                      <a:solidFill>
+                        <a:schemeClr val="tx1"/>
+                      </a:solidFill>
+                      <a:prstDash val="solid"/>
+                      <a:round/>
+                      <a:headEnd type="none" w="med" len="med"/>
+                      <a:tailEnd type="none" w="med" len="med"/>
+                    </a:lnT>
+                    <a:lnB w="12700" cap="flat" cmpd="sng" algn="ctr">
+                      <a:solidFill>
+                        <a:schemeClr val="tx1"/>
+                      </a:solidFill>
+                      <a:prstDash val="solid"/>
+                      <a:round/>
+                      <a:headEnd type="none" w="med" len="med"/>
+                      <a:tailEnd type="none" w="med" len="med"/>
+                    </a:lnB>
+                  </a:tcPr>
+                </a:tc>
+                <a:extLst>
+                  <a:ext uri="{0D108BD9-81ED-4DB2-BD59-A6C34878D82A}">
+                    <a16:rowId xmlns:a16="http://schemas.microsoft.com/office/drawing/2014/main" val="3039771022"/>
+                  </a:ext>
+                </a:extLst>
+              </a:tr>
+              <a:tr h="361315">
+                <a:tc>
+                  <a:txBody>
+                    <a:bodyPr/>
+                    <a:lstStyle/>
+                    <a:p>
+                      <a:pPr marL="5080" algn="ctr">
+                        <a:lnSpc>
+                          <a:spcPts val="1800"/>
+                        </a:lnSpc>
+                      </a:pPr>
+                      <a:r>
+                        <a:rPr lang="es-MX" sz="1400" b="1" spc="-5" dirty="0">
+                          <a:solidFill>
+                            <a:schemeClr val="tx1"/>
+                          </a:solidFill>
+                          <a:effectLst/>
+                          <a:latin typeface="Arial" panose="020B0604020202020204" pitchFamily="34" charset="0"/>
+                          <a:cs typeface="Arial" panose="020B0604020202020204" pitchFamily="34" charset="0"/>
+                        </a:rPr>
+                        <a:t>Management</a:t>
+                      </a:r>
+                      <a:endParaRPr lang="es-MX" sz="1400" b="1" dirty="0">
+                        <a:solidFill>
+                          <a:schemeClr val="tx1"/>
+                        </a:solidFill>
+                        <a:effectLst/>
+                        <a:latin typeface="Arial" panose="020B0604020202020204" pitchFamily="34" charset="0"/>
+                        <a:ea typeface="Calibri" panose="020F0502020204030204" pitchFamily="34" charset="0"/>
+                        <a:cs typeface="Arial" panose="020B0604020202020204" pitchFamily="34" charset="0"/>
+                      </a:endParaRPr>
+                    </a:p>
+                  </a:txBody>
+                  <a:tcPr marL="0" marR="0" marT="0" marB="0" anchor="ctr">
+                    <a:lnL w="12700" cap="flat" cmpd="sng" algn="ctr">
+                      <a:solidFill>
+                        <a:schemeClr val="tx1"/>
+                      </a:solidFill>
+                      <a:prstDash val="solid"/>
+                      <a:round/>
+                      <a:headEnd type="none" w="med" len="med"/>
+                      <a:tailEnd type="none" w="med" len="med"/>
+                    </a:lnL>
+                    <a:lnR w="12700" cap="flat" cmpd="sng" algn="ctr">
+                      <a:solidFill>
+                        <a:schemeClr val="tx1"/>
+                      </a:solidFill>
+                      <a:prstDash val="solid"/>
+                      <a:round/>
+                      <a:headEnd type="none" w="med" len="med"/>
+                      <a:tailEnd type="none" w="med" len="med"/>
+                    </a:lnR>
+                    <a:lnT w="12700" cap="flat" cmpd="sng" algn="ctr">
+                      <a:solidFill>
+                        <a:schemeClr val="tx1"/>
+                      </a:solidFill>
+                      <a:prstDash val="solid"/>
+                      <a:round/>
+                      <a:headEnd type="none" w="med" len="med"/>
+                      <a:tailEnd type="none" w="med" len="med"/>
+                    </a:lnT>
+                    <a:lnB w="12700" cap="flat" cmpd="sng" algn="ctr">
+                      <a:solidFill>
+                        <a:schemeClr val="tx1"/>
+                      </a:solidFill>
+                      <a:prstDash val="solid"/>
+                      <a:round/>
+                      <a:headEnd type="none" w="med" len="med"/>
+                      <a:tailEnd type="none" w="med" len="med"/>
+                    </a:lnB>
+                    <a:noFill/>
+                  </a:tcPr>
+                </a:tc>
+                <a:tc>
+                  <a:txBody>
+                    <a:bodyPr/>
+                    <a:lstStyle/>
+                    <a:p>
+                      <a:pPr marL="3810" algn="ctr">
+                        <a:lnSpc>
+                          <a:spcPts val="1800"/>
+                        </a:lnSpc>
+                      </a:pPr>
+                      <a:r>
+                        <a:rPr lang="es-MX" sz="1400" b="0" spc="-5" dirty="0">
+                          <a:solidFill>
+                            <a:schemeClr val="tx1"/>
+                          </a:solidFill>
+                          <a:effectLst/>
+                          <a:latin typeface="Arial" panose="020B0604020202020204" pitchFamily="34" charset="0"/>
+                          <a:cs typeface="Arial" panose="020B0604020202020204" pitchFamily="34" charset="0"/>
+                        </a:rPr>
+                        <a:t>10</a:t>
+                      </a:r>
+                      <a:endParaRPr lang="es-MX" sz="1400" b="0" dirty="0">
+                        <a:solidFill>
+                          <a:schemeClr val="tx1"/>
+                        </a:solidFill>
+                        <a:effectLst/>
+                        <a:latin typeface="Arial" panose="020B0604020202020204" pitchFamily="34" charset="0"/>
+                        <a:ea typeface="Calibri" panose="020F0502020204030204" pitchFamily="34" charset="0"/>
+                        <a:cs typeface="Arial" panose="020B0604020202020204" pitchFamily="34" charset="0"/>
+                      </a:endParaRPr>
+                    </a:p>
+                  </a:txBody>
+                  <a:tcPr marL="0" marR="0" marT="0" marB="0" anchor="ctr">
+                    <a:lnL w="12700" cap="flat" cmpd="sng" algn="ctr">
+                      <a:solidFill>
+                        <a:schemeClr val="tx1"/>
+                      </a:solidFill>
+                      <a:prstDash val="solid"/>
+                      <a:round/>
+                      <a:headEnd type="none" w="med" len="med"/>
+                      <a:tailEnd type="none" w="med" len="med"/>
+                    </a:lnL>
+                    <a:lnR w="12700" cap="flat" cmpd="sng" algn="ctr">
+                      <a:solidFill>
+                        <a:schemeClr val="tx1"/>
+                      </a:solidFill>
+                      <a:prstDash val="solid"/>
+                      <a:round/>
+                      <a:headEnd type="none" w="med" len="med"/>
+                      <a:tailEnd type="none" w="med" len="med"/>
+                    </a:lnR>
+                    <a:lnT w="12700" cap="flat" cmpd="sng" algn="ctr">
+                      <a:solidFill>
+                        <a:schemeClr val="tx1"/>
+                      </a:solidFill>
+                      <a:prstDash val="solid"/>
+                      <a:round/>
+                      <a:headEnd type="none" w="med" len="med"/>
+                      <a:tailEnd type="none" w="med" len="med"/>
+                    </a:lnT>
+                    <a:lnB w="12700" cap="flat" cmpd="sng" algn="ctr">
+                      <a:solidFill>
+                        <a:schemeClr val="tx1"/>
+                      </a:solidFill>
+                      <a:prstDash val="solid"/>
+                      <a:round/>
+                      <a:headEnd type="none" w="med" len="med"/>
+                      <a:tailEnd type="none" w="med" len="med"/>
+                    </a:lnB>
+                    <a:noFill/>
+                  </a:tcPr>
+                </a:tc>
+                <a:tc>
+                  <a:txBody>
+                    <a:bodyPr/>
+                    <a:lstStyle/>
+                    <a:p>
+                      <a:pPr marL="5080" algn="ctr">
+                        <a:lnSpc>
+                          <a:spcPts val="1800"/>
+                        </a:lnSpc>
+                      </a:pPr>
+                      <a:r>
+                        <a:rPr lang="es-MX" sz="1400" b="0" spc="-5" dirty="0">
+                          <a:solidFill>
+                            <a:schemeClr val="tx1"/>
+                          </a:solidFill>
+                          <a:effectLst/>
+                          <a:latin typeface="Arial" panose="020B0604020202020204" pitchFamily="34" charset="0"/>
+                          <a:cs typeface="Arial" panose="020B0604020202020204" pitchFamily="34" charset="0"/>
+                        </a:rPr>
+                        <a:t>F0/1-6</a:t>
+                      </a:r>
+                      <a:endParaRPr lang="es-MX" sz="1400" b="0" dirty="0">
+                        <a:solidFill>
+                          <a:schemeClr val="tx1"/>
+                        </a:solidFill>
+                        <a:effectLst/>
+                        <a:latin typeface="Arial" panose="020B0604020202020204" pitchFamily="34" charset="0"/>
+                        <a:ea typeface="Calibri" panose="020F0502020204030204" pitchFamily="34" charset="0"/>
+                        <a:cs typeface="Arial" panose="020B0604020202020204" pitchFamily="34" charset="0"/>
+                      </a:endParaRPr>
+                    </a:p>
+                  </a:txBody>
+                  <a:tcPr marL="0" marR="0" marT="0" marB="0" anchor="ctr">
+                    <a:lnL w="12700" cap="flat" cmpd="sng" algn="ctr">
+                      <a:solidFill>
+                        <a:schemeClr val="tx1"/>
+                      </a:solidFill>
+                      <a:prstDash val="solid"/>
+                      <a:round/>
+                      <a:headEnd type="none" w="med" len="med"/>
+                      <a:tailEnd type="none" w="med" len="med"/>
+                    </a:lnL>
+                    <a:lnR w="12700" cap="flat" cmpd="sng" algn="ctr">
+                      <a:solidFill>
+                        <a:schemeClr val="tx1"/>
+                      </a:solidFill>
+                      <a:prstDash val="solid"/>
+                      <a:round/>
+                      <a:headEnd type="none" w="med" len="med"/>
+                      <a:tailEnd type="none" w="med" len="med"/>
+                    </a:lnR>
+                    <a:lnT w="12700" cap="flat" cmpd="sng" algn="ctr">
+                      <a:solidFill>
+                        <a:schemeClr val="tx1"/>
+                      </a:solidFill>
+                      <a:prstDash val="solid"/>
+                      <a:round/>
+                      <a:headEnd type="none" w="med" len="med"/>
+                      <a:tailEnd type="none" w="med" len="med"/>
+                    </a:lnT>
+                    <a:lnB w="12700" cap="flat" cmpd="sng" algn="ctr">
+                      <a:solidFill>
+                        <a:schemeClr val="tx1"/>
+                      </a:solidFill>
+                      <a:prstDash val="solid"/>
+                      <a:round/>
+                      <a:headEnd type="none" w="med" len="med"/>
+                      <a:tailEnd type="none" w="med" len="med"/>
+                    </a:lnB>
+                    <a:noFill/>
+                  </a:tcPr>
+                </a:tc>
+                <a:tc>
+                  <a:txBody>
+                    <a:bodyPr/>
+                    <a:lstStyle/>
+                    <a:p>
+                      <a:pPr marL="3810" algn="ctr">
+                        <a:lnSpc>
+                          <a:spcPts val="1800"/>
+                        </a:lnSpc>
+                      </a:pPr>
+                      <a:r>
+                        <a:rPr lang="es-MX" sz="1400" b="0" spc="-5" dirty="0">
+                          <a:solidFill>
+                            <a:schemeClr val="tx1"/>
+                          </a:solidFill>
+                          <a:effectLst/>
+                          <a:latin typeface="Arial" panose="020B0604020202020204" pitchFamily="34" charset="0"/>
+                          <a:cs typeface="Arial" panose="020B0604020202020204" pitchFamily="34" charset="0"/>
+                        </a:rPr>
+                        <a:t>193.168.1.128</a:t>
+                      </a:r>
+                      <a:endParaRPr lang="es-MX" sz="1400" b="0" dirty="0">
+                        <a:solidFill>
+                          <a:schemeClr val="tx1"/>
+                        </a:solidFill>
+                        <a:effectLst/>
+                        <a:latin typeface="Arial" panose="020B0604020202020204" pitchFamily="34" charset="0"/>
+                        <a:ea typeface="Calibri" panose="020F0502020204030204" pitchFamily="34" charset="0"/>
+                        <a:cs typeface="Arial" panose="020B0604020202020204" pitchFamily="34" charset="0"/>
+                      </a:endParaRPr>
+                    </a:p>
+                  </a:txBody>
+                  <a:tcPr marL="0" marR="0" marT="0" marB="0" anchor="ctr">
+                    <a:lnL w="12700" cap="flat" cmpd="sng" algn="ctr">
+                      <a:solidFill>
+                        <a:schemeClr val="tx1"/>
+                      </a:solidFill>
+                      <a:prstDash val="solid"/>
+                      <a:round/>
+                      <a:headEnd type="none" w="med" len="med"/>
+                      <a:tailEnd type="none" w="med" len="med"/>
+                    </a:lnL>
+                    <a:lnR w="12700" cap="flat" cmpd="sng" algn="ctr">
+                      <a:solidFill>
+                        <a:schemeClr val="tx1"/>
+                      </a:solidFill>
+                      <a:prstDash val="solid"/>
+                      <a:round/>
+                      <a:headEnd type="none" w="med" len="med"/>
+                      <a:tailEnd type="none" w="med" len="med"/>
+                    </a:lnR>
+                    <a:lnT w="12700" cap="flat" cmpd="sng" algn="ctr">
+                      <a:solidFill>
+                        <a:schemeClr val="tx1"/>
+                      </a:solidFill>
+                      <a:prstDash val="solid"/>
+                      <a:round/>
+                      <a:headEnd type="none" w="med" len="med"/>
+                      <a:tailEnd type="none" w="med" len="med"/>
+                    </a:lnT>
+                    <a:lnB w="12700" cap="flat" cmpd="sng" algn="ctr">
+                      <a:solidFill>
+                        <a:schemeClr val="tx1"/>
+                      </a:solidFill>
+                      <a:prstDash val="solid"/>
+                      <a:round/>
+                      <a:headEnd type="none" w="med" len="med"/>
+                      <a:tailEnd type="none" w="med" len="med"/>
+                    </a:lnB>
+                    <a:noFill/>
+                  </a:tcPr>
+                </a:tc>
+                <a:tc>
+                  <a:txBody>
+                    <a:bodyPr/>
+                    <a:lstStyle/>
+                    <a:p>
+                      <a:pPr marL="5080" algn="ctr">
+                        <a:lnSpc>
+                          <a:spcPts val="1800"/>
+                        </a:lnSpc>
+                      </a:pPr>
+                      <a:r>
+                        <a:rPr lang="es-MX" sz="1400" b="0" spc="-5" dirty="0">
+                          <a:solidFill>
+                            <a:schemeClr val="tx1"/>
+                          </a:solidFill>
+                          <a:effectLst/>
+                          <a:latin typeface="Arial" panose="020B0604020202020204" pitchFamily="34" charset="0"/>
+                          <a:cs typeface="Arial" panose="020B0604020202020204" pitchFamily="34" charset="0"/>
+                        </a:rPr>
+                        <a:t>255.255.255.240</a:t>
+                      </a:r>
+                      <a:endParaRPr lang="es-MX" sz="1400" b="0" dirty="0">
+                        <a:solidFill>
+                          <a:schemeClr val="tx1"/>
+                        </a:solidFill>
+                        <a:effectLst/>
+                        <a:latin typeface="Arial" panose="020B0604020202020204" pitchFamily="34" charset="0"/>
+                        <a:ea typeface="Calibri" panose="020F0502020204030204" pitchFamily="34" charset="0"/>
+                        <a:cs typeface="Arial" panose="020B0604020202020204" pitchFamily="34" charset="0"/>
+                      </a:endParaRPr>
+                    </a:p>
+                  </a:txBody>
+                  <a:tcPr marL="0" marR="0" marT="0" marB="0" anchor="ctr">
+                    <a:lnL w="12700" cap="flat" cmpd="sng" algn="ctr">
+                      <a:solidFill>
+                        <a:schemeClr val="tx1"/>
+                      </a:solidFill>
+                      <a:prstDash val="solid"/>
+                      <a:round/>
+                      <a:headEnd type="none" w="med" len="med"/>
+                      <a:tailEnd type="none" w="med" len="med"/>
+                    </a:lnL>
+                    <a:lnR w="12700" cap="flat" cmpd="sng" algn="ctr">
+                      <a:solidFill>
+                        <a:schemeClr val="tx1"/>
+                      </a:solidFill>
+                      <a:prstDash val="solid"/>
+                      <a:round/>
+                      <a:headEnd type="none" w="med" len="med"/>
+                      <a:tailEnd type="none" w="med" len="med"/>
+                    </a:lnR>
+                    <a:lnT w="12700" cap="flat" cmpd="sng" algn="ctr">
+                      <a:solidFill>
+                        <a:schemeClr val="tx1"/>
+                      </a:solidFill>
+                      <a:prstDash val="solid"/>
+                      <a:round/>
+                      <a:headEnd type="none" w="med" len="med"/>
+                      <a:tailEnd type="none" w="med" len="med"/>
+                    </a:lnT>
+                    <a:lnB w="12700" cap="flat" cmpd="sng" algn="ctr">
+                      <a:solidFill>
+                        <a:schemeClr val="tx1"/>
+                      </a:solidFill>
+                      <a:prstDash val="solid"/>
+                      <a:round/>
+                      <a:headEnd type="none" w="med" len="med"/>
+                      <a:tailEnd type="none" w="med" len="med"/>
+                    </a:lnB>
+                    <a:noFill/>
+                  </a:tcPr>
+                </a:tc>
+                <a:extLst>
+                  <a:ext uri="{0D108BD9-81ED-4DB2-BD59-A6C34878D82A}">
+                    <a16:rowId xmlns:a16="http://schemas.microsoft.com/office/drawing/2014/main" val="1575077248"/>
+                  </a:ext>
+                </a:extLst>
+              </a:tr>
+              <a:tr h="363855">
+                <a:tc>
+                  <a:txBody>
+                    <a:bodyPr/>
+                    <a:lstStyle/>
+                    <a:p>
+                      <a:pPr marL="5080" algn="ctr">
+                        <a:lnSpc>
+                          <a:spcPts val="1800"/>
+                        </a:lnSpc>
+                      </a:pPr>
+                      <a:r>
+                        <a:rPr lang="es-MX" sz="1400" b="1" spc="-5" dirty="0">
+                          <a:solidFill>
+                            <a:schemeClr val="tx1"/>
+                          </a:solidFill>
+                          <a:effectLst/>
+                          <a:latin typeface="Arial" panose="020B0604020202020204" pitchFamily="34" charset="0"/>
+                          <a:ea typeface="Calibri" panose="020F0502020204030204" pitchFamily="34" charset="0"/>
+                          <a:cs typeface="Arial" panose="020B0604020202020204" pitchFamily="34" charset="0"/>
+                        </a:rPr>
+                        <a:t>Users</a:t>
+                      </a:r>
+                      <a:endParaRPr lang="es-MX" sz="1400" b="1" dirty="0">
+                        <a:solidFill>
+                          <a:schemeClr val="tx1"/>
+                        </a:solidFill>
+                        <a:effectLst/>
+                        <a:latin typeface="Arial" panose="020B0604020202020204" pitchFamily="34" charset="0"/>
+                        <a:ea typeface="Calibri" panose="020F0502020204030204" pitchFamily="34" charset="0"/>
+                        <a:cs typeface="Arial" panose="020B0604020202020204" pitchFamily="34" charset="0"/>
+                      </a:endParaRPr>
+                    </a:p>
+                  </a:txBody>
+                  <a:tcPr marL="0" marR="0" marT="0" marB="0" anchor="ctr">
+                    <a:lnL w="12700" cap="flat" cmpd="sng" algn="ctr">
+                      <a:solidFill>
+                        <a:schemeClr val="tx1"/>
+                      </a:solidFill>
+                      <a:prstDash val="solid"/>
+                      <a:round/>
+                      <a:headEnd type="none" w="med" len="med"/>
+                      <a:tailEnd type="none" w="med" len="med"/>
+                    </a:lnL>
+                    <a:lnR w="12700" cap="flat" cmpd="sng" algn="ctr">
+                      <a:solidFill>
+                        <a:schemeClr val="tx1"/>
+                      </a:solidFill>
+                      <a:prstDash val="solid"/>
+                      <a:round/>
+                      <a:headEnd type="none" w="med" len="med"/>
+                      <a:tailEnd type="none" w="med" len="med"/>
+                    </a:lnR>
+                    <a:lnT w="12700" cap="flat" cmpd="sng" algn="ctr">
+                      <a:solidFill>
+                        <a:schemeClr val="tx1"/>
+                      </a:solidFill>
+                      <a:prstDash val="solid"/>
+                      <a:round/>
+                      <a:headEnd type="none" w="med" len="med"/>
+                      <a:tailEnd type="none" w="med" len="med"/>
+                    </a:lnT>
+                    <a:lnB w="12700" cap="flat" cmpd="sng" algn="ctr">
+                      <a:solidFill>
+                        <a:schemeClr val="tx1"/>
+                      </a:solidFill>
+                      <a:prstDash val="solid"/>
+                      <a:round/>
+                      <a:headEnd type="none" w="med" len="med"/>
+                      <a:tailEnd type="none" w="med" len="med"/>
+                    </a:lnB>
+                    <a:noFill/>
+                  </a:tcPr>
+                </a:tc>
+                <a:tc>
+                  <a:txBody>
+                    <a:bodyPr/>
+                    <a:lstStyle/>
+                    <a:p>
+                      <a:pPr marL="3810" algn="ctr">
+                        <a:lnSpc>
+                          <a:spcPts val="1800"/>
+                        </a:lnSpc>
+                      </a:pPr>
+                      <a:r>
+                        <a:rPr lang="es-MX" sz="1400" b="0" spc="-5" dirty="0">
+                          <a:solidFill>
+                            <a:schemeClr val="tx1"/>
+                          </a:solidFill>
+                          <a:effectLst/>
+                          <a:latin typeface="Arial" panose="020B0604020202020204" pitchFamily="34" charset="0"/>
+                          <a:cs typeface="Arial" panose="020B0604020202020204" pitchFamily="34" charset="0"/>
+                        </a:rPr>
+                        <a:t>20</a:t>
+                      </a:r>
+                      <a:endParaRPr lang="es-MX" sz="1400" b="0" dirty="0">
+                        <a:solidFill>
+                          <a:schemeClr val="tx1"/>
+                        </a:solidFill>
+                        <a:effectLst/>
+                        <a:latin typeface="Arial" panose="020B0604020202020204" pitchFamily="34" charset="0"/>
+                        <a:ea typeface="Calibri" panose="020F0502020204030204" pitchFamily="34" charset="0"/>
+                        <a:cs typeface="Arial" panose="020B0604020202020204" pitchFamily="34" charset="0"/>
+                      </a:endParaRPr>
+                    </a:p>
+                  </a:txBody>
+                  <a:tcPr marL="0" marR="0" marT="0" marB="0" anchor="ctr">
+                    <a:lnL w="12700" cap="flat" cmpd="sng" algn="ctr">
+                      <a:solidFill>
+                        <a:schemeClr val="tx1"/>
+                      </a:solidFill>
+                      <a:prstDash val="solid"/>
+                      <a:round/>
+                      <a:headEnd type="none" w="med" len="med"/>
+                      <a:tailEnd type="none" w="med" len="med"/>
+                    </a:lnL>
+                    <a:lnR w="12700" cap="flat" cmpd="sng" algn="ctr">
+                      <a:solidFill>
+                        <a:schemeClr val="tx1"/>
+                      </a:solidFill>
+                      <a:prstDash val="solid"/>
+                      <a:round/>
+                      <a:headEnd type="none" w="med" len="med"/>
+                      <a:tailEnd type="none" w="med" len="med"/>
+                    </a:lnR>
+                    <a:lnT w="12700" cap="flat" cmpd="sng" algn="ctr">
+                      <a:solidFill>
+                        <a:schemeClr val="tx1"/>
+                      </a:solidFill>
+                      <a:prstDash val="solid"/>
+                      <a:round/>
+                      <a:headEnd type="none" w="med" len="med"/>
+                      <a:tailEnd type="none" w="med" len="med"/>
+                    </a:lnT>
+                    <a:lnB w="12700" cap="flat" cmpd="sng" algn="ctr">
+                      <a:solidFill>
+                        <a:schemeClr val="tx1"/>
+                      </a:solidFill>
+                      <a:prstDash val="solid"/>
+                      <a:round/>
+                      <a:headEnd type="none" w="med" len="med"/>
+                      <a:tailEnd type="none" w="med" len="med"/>
+                    </a:lnB>
+                    <a:noFill/>
+                  </a:tcPr>
+                </a:tc>
+                <a:tc>
+                  <a:txBody>
+                    <a:bodyPr/>
+                    <a:lstStyle/>
+                    <a:p>
+                      <a:pPr marL="5080" algn="ctr">
+                        <a:lnSpc>
+                          <a:spcPts val="1800"/>
+                        </a:lnSpc>
+                      </a:pPr>
+                      <a:r>
+                        <a:rPr lang="es-MX" sz="1400" b="0" spc="-5" dirty="0">
+                          <a:solidFill>
+                            <a:schemeClr val="tx1"/>
+                          </a:solidFill>
+                          <a:effectLst/>
+                          <a:latin typeface="Arial" panose="020B0604020202020204" pitchFamily="34" charset="0"/>
+                          <a:cs typeface="Arial" panose="020B0604020202020204" pitchFamily="34" charset="0"/>
+                        </a:rPr>
+                        <a:t>F0/7-19</a:t>
+                      </a:r>
+                      <a:endParaRPr lang="es-MX" sz="1400" b="0" dirty="0">
+                        <a:solidFill>
+                          <a:schemeClr val="tx1"/>
+                        </a:solidFill>
+                        <a:effectLst/>
+                        <a:latin typeface="Arial" panose="020B0604020202020204" pitchFamily="34" charset="0"/>
+                        <a:ea typeface="Calibri" panose="020F0502020204030204" pitchFamily="34" charset="0"/>
+                        <a:cs typeface="Arial" panose="020B0604020202020204" pitchFamily="34" charset="0"/>
+                      </a:endParaRPr>
+                    </a:p>
+                  </a:txBody>
+                  <a:tcPr marL="0" marR="0" marT="0" marB="0" anchor="ctr">
+                    <a:lnL w="12700" cap="flat" cmpd="sng" algn="ctr">
+                      <a:solidFill>
+                        <a:schemeClr val="tx1"/>
+                      </a:solidFill>
+                      <a:prstDash val="solid"/>
+                      <a:round/>
+                      <a:headEnd type="none" w="med" len="med"/>
+                      <a:tailEnd type="none" w="med" len="med"/>
+                    </a:lnL>
+                    <a:lnR w="12700" cap="flat" cmpd="sng" algn="ctr">
+                      <a:solidFill>
+                        <a:schemeClr val="tx1"/>
+                      </a:solidFill>
+                      <a:prstDash val="solid"/>
+                      <a:round/>
+                      <a:headEnd type="none" w="med" len="med"/>
+                      <a:tailEnd type="none" w="med" len="med"/>
+                    </a:lnR>
+                    <a:lnT w="12700" cap="flat" cmpd="sng" algn="ctr">
+                      <a:solidFill>
+                        <a:schemeClr val="tx1"/>
+                      </a:solidFill>
+                      <a:prstDash val="solid"/>
+                      <a:round/>
+                      <a:headEnd type="none" w="med" len="med"/>
+                      <a:tailEnd type="none" w="med" len="med"/>
+                    </a:lnT>
+                    <a:lnB w="12700" cap="flat" cmpd="sng" algn="ctr">
+                      <a:solidFill>
+                        <a:schemeClr val="tx1"/>
+                      </a:solidFill>
+                      <a:prstDash val="solid"/>
+                      <a:round/>
+                      <a:headEnd type="none" w="med" len="med"/>
+                      <a:tailEnd type="none" w="med" len="med"/>
+                    </a:lnB>
+                    <a:noFill/>
+                  </a:tcPr>
+                </a:tc>
+                <a:tc>
+                  <a:txBody>
+                    <a:bodyPr/>
+                    <a:lstStyle/>
+                    <a:p>
+                      <a:pPr marL="3810" algn="ctr">
+                        <a:lnSpc>
+                          <a:spcPts val="1800"/>
+                        </a:lnSpc>
+                      </a:pPr>
+                      <a:r>
+                        <a:rPr lang="es-MX" sz="1400" b="0" spc="-5" dirty="0">
+                          <a:solidFill>
+                            <a:schemeClr val="tx1"/>
+                          </a:solidFill>
+                          <a:effectLst/>
+                          <a:latin typeface="Arial" panose="020B0604020202020204" pitchFamily="34" charset="0"/>
+                          <a:cs typeface="Arial" panose="020B0604020202020204" pitchFamily="34" charset="0"/>
+                        </a:rPr>
+                        <a:t>193.168.1.0</a:t>
+                      </a:r>
+                      <a:endParaRPr lang="es-MX" sz="1400" b="0" dirty="0">
+                        <a:solidFill>
+                          <a:schemeClr val="tx1"/>
+                        </a:solidFill>
+                        <a:effectLst/>
+                        <a:latin typeface="Arial" panose="020B0604020202020204" pitchFamily="34" charset="0"/>
+                        <a:ea typeface="Calibri" panose="020F0502020204030204" pitchFamily="34" charset="0"/>
+                        <a:cs typeface="Arial" panose="020B0604020202020204" pitchFamily="34" charset="0"/>
+                      </a:endParaRPr>
+                    </a:p>
+                  </a:txBody>
+                  <a:tcPr marL="0" marR="0" marT="0" marB="0" anchor="ctr">
+                    <a:lnL w="12700" cap="flat" cmpd="sng" algn="ctr">
+                      <a:solidFill>
+                        <a:schemeClr val="tx1"/>
+                      </a:solidFill>
+                      <a:prstDash val="solid"/>
+                      <a:round/>
+                      <a:headEnd type="none" w="med" len="med"/>
+                      <a:tailEnd type="none" w="med" len="med"/>
+                    </a:lnL>
+                    <a:lnR w="12700" cap="flat" cmpd="sng" algn="ctr">
+                      <a:solidFill>
+                        <a:schemeClr val="tx1"/>
+                      </a:solidFill>
+                      <a:prstDash val="solid"/>
+                      <a:round/>
+                      <a:headEnd type="none" w="med" len="med"/>
+                      <a:tailEnd type="none" w="med" len="med"/>
+                    </a:lnR>
+                    <a:lnT w="12700" cap="flat" cmpd="sng" algn="ctr">
+                      <a:solidFill>
+                        <a:schemeClr val="tx1"/>
+                      </a:solidFill>
+                      <a:prstDash val="solid"/>
+                      <a:round/>
+                      <a:headEnd type="none" w="med" len="med"/>
+                      <a:tailEnd type="none" w="med" len="med"/>
+                    </a:lnT>
+                    <a:lnB w="12700" cap="flat" cmpd="sng" algn="ctr">
+                      <a:solidFill>
+                        <a:schemeClr val="tx1"/>
+                      </a:solidFill>
+                      <a:prstDash val="solid"/>
+                      <a:round/>
+                      <a:headEnd type="none" w="med" len="med"/>
+                      <a:tailEnd type="none" w="med" len="med"/>
+                    </a:lnB>
+                    <a:noFill/>
+                  </a:tcPr>
+                </a:tc>
+                <a:tc>
+                  <a:txBody>
+                    <a:bodyPr/>
+                    <a:lstStyle/>
+                    <a:p>
+                      <a:pPr marL="5080" algn="ctr">
+                        <a:lnSpc>
+                          <a:spcPts val="1800"/>
+                        </a:lnSpc>
+                      </a:pPr>
+                      <a:r>
+                        <a:rPr lang="es-MX" sz="1400" b="0" spc="-5" dirty="0">
+                          <a:solidFill>
+                            <a:schemeClr val="tx1"/>
+                          </a:solidFill>
+                          <a:effectLst/>
+                          <a:latin typeface="Arial" panose="020B0604020202020204" pitchFamily="34" charset="0"/>
+                          <a:cs typeface="Arial" panose="020B0604020202020204" pitchFamily="34" charset="0"/>
+                        </a:rPr>
+                        <a:t>255.255.255.128</a:t>
+                      </a:r>
+                      <a:endParaRPr lang="es-MX" sz="1400" b="0" dirty="0">
+                        <a:solidFill>
+                          <a:schemeClr val="tx1"/>
+                        </a:solidFill>
+                        <a:effectLst/>
+                        <a:latin typeface="Arial" panose="020B0604020202020204" pitchFamily="34" charset="0"/>
+                        <a:ea typeface="Calibri" panose="020F0502020204030204" pitchFamily="34" charset="0"/>
+                        <a:cs typeface="Arial" panose="020B0604020202020204" pitchFamily="34" charset="0"/>
+                      </a:endParaRPr>
+                    </a:p>
+                  </a:txBody>
+                  <a:tcPr marL="0" marR="0" marT="0" marB="0" anchor="ctr">
+                    <a:lnL w="12700" cap="flat" cmpd="sng" algn="ctr">
+                      <a:solidFill>
+                        <a:schemeClr val="tx1"/>
+                      </a:solidFill>
+                      <a:prstDash val="solid"/>
+                      <a:round/>
+                      <a:headEnd type="none" w="med" len="med"/>
+                      <a:tailEnd type="none" w="med" len="med"/>
+                    </a:lnL>
+                    <a:lnR w="12700" cap="flat" cmpd="sng" algn="ctr">
+                      <a:solidFill>
+                        <a:schemeClr val="tx1"/>
+                      </a:solidFill>
+                      <a:prstDash val="solid"/>
+                      <a:round/>
+                      <a:headEnd type="none" w="med" len="med"/>
+                      <a:tailEnd type="none" w="med" len="med"/>
+                    </a:lnR>
+                    <a:lnT w="12700" cap="flat" cmpd="sng" algn="ctr">
+                      <a:solidFill>
+                        <a:schemeClr val="tx1"/>
+                      </a:solidFill>
+                      <a:prstDash val="solid"/>
+                      <a:round/>
+                      <a:headEnd type="none" w="med" len="med"/>
+                      <a:tailEnd type="none" w="med" len="med"/>
+                    </a:lnT>
+                    <a:lnB w="12700" cap="flat" cmpd="sng" algn="ctr">
+                      <a:solidFill>
+                        <a:schemeClr val="tx1"/>
+                      </a:solidFill>
+                      <a:prstDash val="solid"/>
+                      <a:round/>
+                      <a:headEnd type="none" w="med" len="med"/>
+                      <a:tailEnd type="none" w="med" len="med"/>
+                    </a:lnB>
+                    <a:noFill/>
+                  </a:tcPr>
+                </a:tc>
+                <a:extLst>
+                  <a:ext uri="{0D108BD9-81ED-4DB2-BD59-A6C34878D82A}">
+                    <a16:rowId xmlns:a16="http://schemas.microsoft.com/office/drawing/2014/main" val="3763312521"/>
+                  </a:ext>
+                </a:extLst>
+              </a:tr>
+              <a:tr h="363855">
+                <a:tc>
+                  <a:txBody>
+                    <a:bodyPr/>
+                    <a:lstStyle/>
+                    <a:p>
+                      <a:pPr marL="5080" algn="ctr">
+                        <a:lnSpc>
+                          <a:spcPts val="1800"/>
+                        </a:lnSpc>
+                      </a:pPr>
+                      <a:r>
+                        <a:rPr lang="es-MX" sz="1400" b="1" spc="-5" dirty="0">
+                          <a:solidFill>
+                            <a:schemeClr val="tx1"/>
+                          </a:solidFill>
+                          <a:effectLst/>
+                          <a:latin typeface="Arial" panose="020B0604020202020204" pitchFamily="34" charset="0"/>
+                          <a:cs typeface="Arial" panose="020B0604020202020204" pitchFamily="34" charset="0"/>
+                        </a:rPr>
+                        <a:t>Services</a:t>
+                      </a:r>
+                      <a:endParaRPr lang="es-MX" sz="1400" b="1" dirty="0">
+                        <a:solidFill>
+                          <a:schemeClr val="tx1"/>
+                        </a:solidFill>
+                        <a:effectLst/>
+                        <a:latin typeface="Arial" panose="020B0604020202020204" pitchFamily="34" charset="0"/>
+                        <a:ea typeface="Calibri" panose="020F0502020204030204" pitchFamily="34" charset="0"/>
+                        <a:cs typeface="Arial" panose="020B0604020202020204" pitchFamily="34" charset="0"/>
+                      </a:endParaRPr>
+                    </a:p>
+                  </a:txBody>
+                  <a:tcPr marL="0" marR="0" marT="0" marB="0" anchor="ctr">
+                    <a:lnL w="12700" cap="flat" cmpd="sng" algn="ctr">
+                      <a:solidFill>
+                        <a:schemeClr val="tx1"/>
+                      </a:solidFill>
+                      <a:prstDash val="solid"/>
+                      <a:round/>
+                      <a:headEnd type="none" w="med" len="med"/>
+                      <a:tailEnd type="none" w="med" len="med"/>
+                    </a:lnL>
+                    <a:lnR w="12700" cap="flat" cmpd="sng" algn="ctr">
+                      <a:solidFill>
+                        <a:schemeClr val="tx1"/>
+                      </a:solidFill>
+                      <a:prstDash val="solid"/>
+                      <a:round/>
+                      <a:headEnd type="none" w="med" len="med"/>
+                      <a:tailEnd type="none" w="med" len="med"/>
+                    </a:lnR>
+                    <a:lnT w="12700" cap="flat" cmpd="sng" algn="ctr">
+                      <a:solidFill>
+                        <a:schemeClr val="tx1"/>
+                      </a:solidFill>
+                      <a:prstDash val="solid"/>
+                      <a:round/>
+                      <a:headEnd type="none" w="med" len="med"/>
+                      <a:tailEnd type="none" w="med" len="med"/>
+                    </a:lnT>
+                    <a:lnB w="12700" cap="flat" cmpd="sng" algn="ctr">
+                      <a:solidFill>
+                        <a:schemeClr val="tx1"/>
+                      </a:solidFill>
+                      <a:prstDash val="solid"/>
+                      <a:round/>
+                      <a:headEnd type="none" w="med" len="med"/>
+                      <a:tailEnd type="none" w="med" len="med"/>
+                    </a:lnB>
+                    <a:noFill/>
+                  </a:tcPr>
+                </a:tc>
+                <a:tc>
+                  <a:txBody>
+                    <a:bodyPr/>
+                    <a:lstStyle/>
+                    <a:p>
+                      <a:pPr marL="3810" algn="ctr">
+                        <a:lnSpc>
+                          <a:spcPts val="1800"/>
+                        </a:lnSpc>
+                      </a:pPr>
+                      <a:r>
+                        <a:rPr lang="es-MX" sz="1400" b="0" spc="-5" dirty="0">
+                          <a:solidFill>
+                            <a:schemeClr val="tx1"/>
+                          </a:solidFill>
+                          <a:effectLst/>
+                          <a:latin typeface="Arial" panose="020B0604020202020204" pitchFamily="34" charset="0"/>
+                          <a:cs typeface="Arial" panose="020B0604020202020204" pitchFamily="34" charset="0"/>
+                        </a:rPr>
+                        <a:t>30</a:t>
+                      </a:r>
+                      <a:endParaRPr lang="es-MX" sz="1400" b="0" dirty="0">
+                        <a:solidFill>
+                          <a:schemeClr val="tx1"/>
+                        </a:solidFill>
+                        <a:effectLst/>
+                        <a:latin typeface="Arial" panose="020B0604020202020204" pitchFamily="34" charset="0"/>
+                        <a:ea typeface="Calibri" panose="020F0502020204030204" pitchFamily="34" charset="0"/>
+                        <a:cs typeface="Arial" panose="020B0604020202020204" pitchFamily="34" charset="0"/>
+                      </a:endParaRPr>
+                    </a:p>
+                  </a:txBody>
+                  <a:tcPr marL="0" marR="0" marT="0" marB="0" anchor="ctr">
+                    <a:lnL w="12700" cap="flat" cmpd="sng" algn="ctr">
+                      <a:solidFill>
+                        <a:schemeClr val="tx1"/>
+                      </a:solidFill>
+                      <a:prstDash val="solid"/>
+                      <a:round/>
+                      <a:headEnd type="none" w="med" len="med"/>
+                      <a:tailEnd type="none" w="med" len="med"/>
+                    </a:lnL>
+                    <a:lnR w="12700" cap="flat" cmpd="sng" algn="ctr">
+                      <a:solidFill>
+                        <a:schemeClr val="tx1"/>
+                      </a:solidFill>
+                      <a:prstDash val="solid"/>
+                      <a:round/>
+                      <a:headEnd type="none" w="med" len="med"/>
+                      <a:tailEnd type="none" w="med" len="med"/>
+                    </a:lnR>
+                    <a:lnT w="12700" cap="flat" cmpd="sng" algn="ctr">
+                      <a:solidFill>
+                        <a:schemeClr val="tx1"/>
+                      </a:solidFill>
+                      <a:prstDash val="solid"/>
+                      <a:round/>
+                      <a:headEnd type="none" w="med" len="med"/>
+                      <a:tailEnd type="none" w="med" len="med"/>
+                    </a:lnT>
+                    <a:lnB w="12700" cap="flat" cmpd="sng" algn="ctr">
+                      <a:solidFill>
+                        <a:schemeClr val="tx1"/>
+                      </a:solidFill>
+                      <a:prstDash val="solid"/>
+                      <a:round/>
+                      <a:headEnd type="none" w="med" len="med"/>
+                      <a:tailEnd type="none" w="med" len="med"/>
+                    </a:lnB>
+                    <a:noFill/>
+                  </a:tcPr>
+                </a:tc>
+                <a:tc>
+                  <a:txBody>
+                    <a:bodyPr/>
+                    <a:lstStyle/>
+                    <a:p>
+                      <a:pPr marL="5080" algn="ctr">
+                        <a:lnSpc>
+                          <a:spcPts val="1800"/>
+                        </a:lnSpc>
+                      </a:pPr>
+                      <a:r>
+                        <a:rPr lang="es-MX" sz="1400" b="0" spc="-5" dirty="0">
+                          <a:solidFill>
+                            <a:schemeClr val="tx1"/>
+                          </a:solidFill>
+                          <a:effectLst/>
+                          <a:latin typeface="Arial" panose="020B0604020202020204" pitchFamily="34" charset="0"/>
+                          <a:cs typeface="Arial" panose="020B0604020202020204" pitchFamily="34" charset="0"/>
+                        </a:rPr>
+                        <a:t>F0/20-24</a:t>
+                      </a:r>
+                      <a:endParaRPr lang="es-MX" sz="1400" b="0" dirty="0">
+                        <a:solidFill>
+                          <a:schemeClr val="tx1"/>
+                        </a:solidFill>
+                        <a:effectLst/>
+                        <a:latin typeface="Arial" panose="020B0604020202020204" pitchFamily="34" charset="0"/>
+                        <a:ea typeface="Calibri" panose="020F0502020204030204" pitchFamily="34" charset="0"/>
+                        <a:cs typeface="Arial" panose="020B0604020202020204" pitchFamily="34" charset="0"/>
+                      </a:endParaRPr>
+                    </a:p>
+                  </a:txBody>
+                  <a:tcPr marL="0" marR="0" marT="0" marB="0" anchor="ctr">
+                    <a:lnL w="12700" cap="flat" cmpd="sng" algn="ctr">
+                      <a:solidFill>
+                        <a:schemeClr val="tx1"/>
+                      </a:solidFill>
+                      <a:prstDash val="solid"/>
+                      <a:round/>
+                      <a:headEnd type="none" w="med" len="med"/>
+                      <a:tailEnd type="none" w="med" len="med"/>
+                    </a:lnL>
+                    <a:lnR w="12700" cap="flat" cmpd="sng" algn="ctr">
+                      <a:solidFill>
+                        <a:schemeClr val="tx1"/>
+                      </a:solidFill>
+                      <a:prstDash val="solid"/>
+                      <a:round/>
+                      <a:headEnd type="none" w="med" len="med"/>
+                      <a:tailEnd type="none" w="med" len="med"/>
+                    </a:lnR>
+                    <a:lnT w="12700" cap="flat" cmpd="sng" algn="ctr">
+                      <a:solidFill>
+                        <a:schemeClr val="tx1"/>
+                      </a:solidFill>
+                      <a:prstDash val="solid"/>
+                      <a:round/>
+                      <a:headEnd type="none" w="med" len="med"/>
+                      <a:tailEnd type="none" w="med" len="med"/>
+                    </a:lnT>
+                    <a:lnB w="12700" cap="flat" cmpd="sng" algn="ctr">
+                      <a:solidFill>
+                        <a:schemeClr val="tx1"/>
+                      </a:solidFill>
+                      <a:prstDash val="solid"/>
+                      <a:round/>
+                      <a:headEnd type="none" w="med" len="med"/>
+                      <a:tailEnd type="none" w="med" len="med"/>
+                    </a:lnB>
+                    <a:noFill/>
+                  </a:tcPr>
+                </a:tc>
+                <a:tc>
+                  <a:txBody>
+                    <a:bodyPr/>
+                    <a:lstStyle/>
+                    <a:p>
+                      <a:pPr marL="3810" algn="ctr">
+                        <a:lnSpc>
+                          <a:spcPts val="1800"/>
+                        </a:lnSpc>
+                      </a:pPr>
+                      <a:r>
+                        <a:rPr lang="es-MX" sz="1400" b="0" spc="-5" dirty="0">
+                          <a:solidFill>
+                            <a:schemeClr val="tx1"/>
+                          </a:solidFill>
+                          <a:effectLst/>
+                          <a:latin typeface="Arial" panose="020B0604020202020204" pitchFamily="34" charset="0"/>
+                          <a:cs typeface="Arial" panose="020B0604020202020204" pitchFamily="34" charset="0"/>
+                        </a:rPr>
+                        <a:t>193.168.1.144</a:t>
+                      </a:r>
+                      <a:endParaRPr lang="es-MX" sz="1400" b="0" dirty="0">
+                        <a:solidFill>
+                          <a:schemeClr val="tx1"/>
+                        </a:solidFill>
+                        <a:effectLst/>
+                        <a:latin typeface="Arial" panose="020B0604020202020204" pitchFamily="34" charset="0"/>
+                        <a:ea typeface="Calibri" panose="020F0502020204030204" pitchFamily="34" charset="0"/>
+                        <a:cs typeface="Arial" panose="020B0604020202020204" pitchFamily="34" charset="0"/>
+                      </a:endParaRPr>
+                    </a:p>
+                  </a:txBody>
+                  <a:tcPr marL="0" marR="0" marT="0" marB="0" anchor="ctr">
+                    <a:lnL w="12700" cap="flat" cmpd="sng" algn="ctr">
+                      <a:solidFill>
+                        <a:schemeClr val="tx1"/>
+                      </a:solidFill>
+                      <a:prstDash val="solid"/>
+                      <a:round/>
+                      <a:headEnd type="none" w="med" len="med"/>
+                      <a:tailEnd type="none" w="med" len="med"/>
+                    </a:lnL>
+                    <a:lnR w="12700" cap="flat" cmpd="sng" algn="ctr">
+                      <a:solidFill>
+                        <a:schemeClr val="tx1"/>
+                      </a:solidFill>
+                      <a:prstDash val="solid"/>
+                      <a:round/>
+                      <a:headEnd type="none" w="med" len="med"/>
+                      <a:tailEnd type="none" w="med" len="med"/>
+                    </a:lnR>
+                    <a:lnT w="12700" cap="flat" cmpd="sng" algn="ctr">
+                      <a:solidFill>
+                        <a:schemeClr val="tx1"/>
+                      </a:solidFill>
+                      <a:prstDash val="solid"/>
+                      <a:round/>
+                      <a:headEnd type="none" w="med" len="med"/>
+                      <a:tailEnd type="none" w="med" len="med"/>
+                    </a:lnT>
+                    <a:lnB w="12700" cap="flat" cmpd="sng" algn="ctr">
+                      <a:solidFill>
+                        <a:schemeClr val="tx1"/>
+                      </a:solidFill>
+                      <a:prstDash val="solid"/>
+                      <a:round/>
+                      <a:headEnd type="none" w="med" len="med"/>
+                      <a:tailEnd type="none" w="med" len="med"/>
+                    </a:lnB>
+                    <a:noFill/>
+                  </a:tcPr>
+                </a:tc>
+                <a:tc>
+                  <a:txBody>
+                    <a:bodyPr/>
+                    <a:lstStyle/>
+                    <a:p>
+                      <a:pPr marL="5080" algn="ctr">
+                        <a:lnSpc>
+                          <a:spcPts val="1800"/>
+                        </a:lnSpc>
+                      </a:pPr>
+                      <a:r>
+                        <a:rPr lang="es-MX" sz="1400" b="0" spc="-5" dirty="0">
+                          <a:solidFill>
+                            <a:schemeClr val="tx1"/>
+                          </a:solidFill>
+                          <a:effectLst/>
+                          <a:latin typeface="Arial" panose="020B0604020202020204" pitchFamily="34" charset="0"/>
+                          <a:cs typeface="Arial" panose="020B0604020202020204" pitchFamily="34" charset="0"/>
+                        </a:rPr>
+                        <a:t>255.255.255.248</a:t>
+                      </a:r>
+                      <a:endParaRPr lang="es-MX" sz="1400" b="0" dirty="0">
+                        <a:solidFill>
+                          <a:schemeClr val="tx1"/>
+                        </a:solidFill>
+                        <a:effectLst/>
+                        <a:latin typeface="Arial" panose="020B0604020202020204" pitchFamily="34" charset="0"/>
+                        <a:ea typeface="Calibri" panose="020F0502020204030204" pitchFamily="34" charset="0"/>
+                        <a:cs typeface="Arial" panose="020B0604020202020204" pitchFamily="34" charset="0"/>
+                      </a:endParaRPr>
+                    </a:p>
+                  </a:txBody>
+                  <a:tcPr marL="0" marR="0" marT="0" marB="0" anchor="ctr">
+                    <a:lnL w="12700" cap="flat" cmpd="sng" algn="ctr">
+                      <a:solidFill>
+                        <a:schemeClr val="tx1"/>
+                      </a:solidFill>
+                      <a:prstDash val="solid"/>
+                      <a:round/>
+                      <a:headEnd type="none" w="med" len="med"/>
+                      <a:tailEnd type="none" w="med" len="med"/>
+                    </a:lnL>
+                    <a:lnR w="12700" cap="flat" cmpd="sng" algn="ctr">
+                      <a:solidFill>
+                        <a:schemeClr val="tx1"/>
+                      </a:solidFill>
+                      <a:prstDash val="solid"/>
+                      <a:round/>
+                      <a:headEnd type="none" w="med" len="med"/>
+                      <a:tailEnd type="none" w="med" len="med"/>
+                    </a:lnR>
+                    <a:lnT w="12700" cap="flat" cmpd="sng" algn="ctr">
+                      <a:solidFill>
+                        <a:schemeClr val="tx1"/>
+                      </a:solidFill>
+                      <a:prstDash val="solid"/>
+                      <a:round/>
+                      <a:headEnd type="none" w="med" len="med"/>
+                      <a:tailEnd type="none" w="med" len="med"/>
+                    </a:lnT>
+                    <a:lnB w="12700" cap="flat" cmpd="sng" algn="ctr">
+                      <a:solidFill>
+                        <a:schemeClr val="tx1"/>
+                      </a:solidFill>
+                      <a:prstDash val="solid"/>
+                      <a:round/>
+                      <a:headEnd type="none" w="med" len="med"/>
+                      <a:tailEnd type="none" w="med" len="med"/>
+                    </a:lnB>
+                    <a:noFill/>
+                  </a:tcPr>
+                </a:tc>
+                <a:extLst>
+                  <a:ext uri="{0D108BD9-81ED-4DB2-BD59-A6C34878D82A}">
+                    <a16:rowId xmlns:a16="http://schemas.microsoft.com/office/drawing/2014/main" val="1959322335"/>
+                  </a:ext>
+                </a:extLst>
+              </a:tr>
+              <a:tr h="363855">
+                <a:tc>
+                  <a:txBody>
+                    <a:bodyPr/>
+                    <a:lstStyle/>
+                    <a:p>
+                      <a:pPr marL="5080" algn="ctr">
+                        <a:lnSpc>
+                          <a:spcPts val="1800"/>
+                        </a:lnSpc>
+                      </a:pPr>
+                      <a:r>
+                        <a:rPr lang="es-MX" sz="1400" b="1" dirty="0">
+                          <a:solidFill>
+                            <a:schemeClr val="tx1"/>
+                          </a:solidFill>
+                          <a:effectLst/>
+                          <a:latin typeface="Arial" panose="020B0604020202020204" pitchFamily="34" charset="0"/>
+                          <a:ea typeface="Calibri" panose="020F0502020204030204" pitchFamily="34" charset="0"/>
+                          <a:cs typeface="Arial" panose="020B0604020202020204" pitchFamily="34" charset="0"/>
+                        </a:rPr>
+                        <a:t>Native</a:t>
+                      </a:r>
+                    </a:p>
+                  </a:txBody>
+                  <a:tcPr marL="0" marR="0" marT="0" marB="0" anchor="ctr">
+                    <a:lnL w="12700" cap="flat" cmpd="sng" algn="ctr">
+                      <a:solidFill>
+                        <a:schemeClr val="tx1"/>
+                      </a:solidFill>
+                      <a:prstDash val="solid"/>
+                      <a:round/>
+                      <a:headEnd type="none" w="med" len="med"/>
+                      <a:tailEnd type="none" w="med" len="med"/>
+                    </a:lnL>
+                    <a:lnR w="12700" cap="flat" cmpd="sng" algn="ctr">
+                      <a:solidFill>
+                        <a:schemeClr val="tx1"/>
+                      </a:solidFill>
+                      <a:prstDash val="solid"/>
+                      <a:round/>
+                      <a:headEnd type="none" w="med" len="med"/>
+                      <a:tailEnd type="none" w="med" len="med"/>
+                    </a:lnR>
+                    <a:lnT w="12700" cap="flat" cmpd="sng" algn="ctr">
+                      <a:solidFill>
+                        <a:schemeClr val="tx1"/>
+                      </a:solidFill>
+                      <a:prstDash val="solid"/>
+                      <a:round/>
+                      <a:headEnd type="none" w="med" len="med"/>
+                      <a:tailEnd type="none" w="med" len="med"/>
+                    </a:lnT>
+                    <a:lnB w="12700" cap="flat" cmpd="sng" algn="ctr">
+                      <a:solidFill>
+                        <a:schemeClr val="tx1"/>
+                      </a:solidFill>
+                      <a:prstDash val="solid"/>
+                      <a:round/>
+                      <a:headEnd type="none" w="med" len="med"/>
+                      <a:tailEnd type="none" w="med" len="med"/>
+                    </a:lnB>
+                    <a:noFill/>
+                  </a:tcPr>
+                </a:tc>
+                <a:tc>
+                  <a:txBody>
+                    <a:bodyPr/>
+                    <a:lstStyle/>
+                    <a:p>
+                      <a:pPr marL="3810" algn="ctr">
+                        <a:lnSpc>
+                          <a:spcPts val="1800"/>
+                        </a:lnSpc>
+                      </a:pPr>
+                      <a:r>
+                        <a:rPr lang="es-MX" sz="1400" b="0" dirty="0">
+                          <a:solidFill>
+                            <a:schemeClr val="tx1"/>
+                          </a:solidFill>
+                          <a:effectLst/>
+                          <a:latin typeface="Arial" panose="020B0604020202020204" pitchFamily="34" charset="0"/>
+                          <a:ea typeface="Calibri" panose="020F0502020204030204" pitchFamily="34" charset="0"/>
+                          <a:cs typeface="Arial" panose="020B0604020202020204" pitchFamily="34" charset="0"/>
+                        </a:rPr>
+                        <a:t>1</a:t>
+                      </a:r>
+                    </a:p>
+                  </a:txBody>
+                  <a:tcPr marL="0" marR="0" marT="0" marB="0" anchor="ctr">
+                    <a:lnL w="12700" cap="flat" cmpd="sng" algn="ctr">
+                      <a:solidFill>
+                        <a:schemeClr val="tx1"/>
+                      </a:solidFill>
+                      <a:prstDash val="solid"/>
+                      <a:round/>
+                      <a:headEnd type="none" w="med" len="med"/>
+                      <a:tailEnd type="none" w="med" len="med"/>
+                    </a:lnL>
+                    <a:lnR w="12700" cap="flat" cmpd="sng" algn="ctr">
+                      <a:solidFill>
+                        <a:schemeClr val="tx1"/>
+                      </a:solidFill>
+                      <a:prstDash val="solid"/>
+                      <a:round/>
+                      <a:headEnd type="none" w="med" len="med"/>
+                      <a:tailEnd type="none" w="med" len="med"/>
+                    </a:lnR>
+                    <a:lnT w="12700" cap="flat" cmpd="sng" algn="ctr">
+                      <a:solidFill>
+                        <a:schemeClr val="tx1"/>
+                      </a:solidFill>
+                      <a:prstDash val="solid"/>
+                      <a:round/>
+                      <a:headEnd type="none" w="med" len="med"/>
+                      <a:tailEnd type="none" w="med" len="med"/>
+                    </a:lnT>
+                    <a:lnB w="12700" cap="flat" cmpd="sng" algn="ctr">
+                      <a:solidFill>
+                        <a:schemeClr val="tx1"/>
+                      </a:solidFill>
+                      <a:prstDash val="solid"/>
+                      <a:round/>
+                      <a:headEnd type="none" w="med" len="med"/>
+                      <a:tailEnd type="none" w="med" len="med"/>
+                    </a:lnB>
+                    <a:noFill/>
+                  </a:tcPr>
+                </a:tc>
+                <a:tc>
+                  <a:txBody>
+                    <a:bodyPr/>
+                    <a:lstStyle/>
+                    <a:p>
+                      <a:pPr marL="5080" algn="ctr">
+                        <a:lnSpc>
+                          <a:spcPts val="1800"/>
+                        </a:lnSpc>
+                      </a:pPr>
+                      <a:r>
+                        <a:rPr lang="es-MX" sz="1400" b="0" dirty="0">
+                          <a:solidFill>
+                            <a:schemeClr val="tx1"/>
+                          </a:solidFill>
+                          <a:effectLst/>
+                          <a:latin typeface="Arial" panose="020B0604020202020204" pitchFamily="34" charset="0"/>
+                          <a:ea typeface="Calibri" panose="020F0502020204030204" pitchFamily="34" charset="0"/>
+                          <a:cs typeface="Arial" panose="020B0604020202020204" pitchFamily="34" charset="0"/>
+                        </a:rPr>
+                        <a:t>No aplica</a:t>
+                      </a:r>
+                    </a:p>
+                  </a:txBody>
+                  <a:tcPr marL="0" marR="0" marT="0" marB="0" anchor="ctr">
+                    <a:lnL w="12700" cap="flat" cmpd="sng" algn="ctr">
+                      <a:solidFill>
+                        <a:schemeClr val="tx1"/>
+                      </a:solidFill>
+                      <a:prstDash val="solid"/>
+                      <a:round/>
+                      <a:headEnd type="none" w="med" len="med"/>
+                      <a:tailEnd type="none" w="med" len="med"/>
+                    </a:lnL>
+                    <a:lnR w="12700" cap="flat" cmpd="sng" algn="ctr">
+                      <a:solidFill>
+                        <a:schemeClr val="tx1"/>
+                      </a:solidFill>
+                      <a:prstDash val="solid"/>
+                      <a:round/>
+                      <a:headEnd type="none" w="med" len="med"/>
+                      <a:tailEnd type="none" w="med" len="med"/>
+                    </a:lnR>
+                    <a:lnT w="12700" cap="flat" cmpd="sng" algn="ctr">
+                      <a:solidFill>
+                        <a:schemeClr val="tx1"/>
+                      </a:solidFill>
+                      <a:prstDash val="solid"/>
+                      <a:round/>
+                      <a:headEnd type="none" w="med" len="med"/>
+                      <a:tailEnd type="none" w="med" len="med"/>
+                    </a:lnT>
+                    <a:lnB w="12700" cap="flat" cmpd="sng" algn="ctr">
+                      <a:solidFill>
+                        <a:schemeClr val="tx1"/>
+                      </a:solidFill>
+                      <a:prstDash val="solid"/>
+                      <a:round/>
+                      <a:headEnd type="none" w="med" len="med"/>
+                      <a:tailEnd type="none" w="med" len="med"/>
+                    </a:lnB>
+                    <a:noFill/>
+                  </a:tcPr>
+                </a:tc>
+                <a:tc>
+                  <a:txBody>
+                    <a:bodyPr/>
+                    <a:lstStyle/>
+                    <a:p>
+                      <a:pPr marL="3810" marR="0" lvl="0" indent="0" algn="ctr" defTabSz="914400" eaLnBrk="1" fontAlgn="auto" latinLnBrk="0" hangingPunct="1">
+                        <a:lnSpc>
+                          <a:spcPts val="1800"/>
+                        </a:lnSpc>
+                        <a:spcBef>
+                          <a:spcPts val="0"/>
+                        </a:spcBef>
+                        <a:spcAft>
+                          <a:spcPts val="0"/>
+                        </a:spcAft>
+                        <a:buClrTx/>
+                        <a:buSzTx/>
+                        <a:buFontTx/>
+                        <a:buNone/>
+                        <a:tabLst/>
+                        <a:defRPr/>
+                      </a:pPr>
+                      <a:r>
+                        <a:rPr lang="es-MX" sz="1400" b="0" spc="-5" dirty="0">
+                          <a:solidFill>
+                            <a:schemeClr val="tx1"/>
+                          </a:solidFill>
+                          <a:effectLst/>
+                          <a:latin typeface="Arial" panose="020B0604020202020204" pitchFamily="34" charset="0"/>
+                          <a:cs typeface="Arial" panose="020B0604020202020204" pitchFamily="34" charset="0"/>
+                        </a:rPr>
+                        <a:t>193.168.1.152</a:t>
+                      </a:r>
+                      <a:endParaRPr lang="es-MX" sz="1400" b="0" dirty="0">
+                        <a:solidFill>
+                          <a:schemeClr val="tx1"/>
+                        </a:solidFill>
+                        <a:effectLst/>
+                        <a:latin typeface="Arial" panose="020B0604020202020204" pitchFamily="34" charset="0"/>
+                        <a:ea typeface="Calibri" panose="020F0502020204030204" pitchFamily="34" charset="0"/>
+                        <a:cs typeface="Arial" panose="020B0604020202020204" pitchFamily="34" charset="0"/>
+                      </a:endParaRPr>
+                    </a:p>
+                  </a:txBody>
+                  <a:tcPr marL="0" marR="0" marT="0" marB="0" anchor="ctr">
+                    <a:lnL w="12700" cap="flat" cmpd="sng" algn="ctr">
+                      <a:solidFill>
+                        <a:schemeClr val="tx1"/>
+                      </a:solidFill>
+                      <a:prstDash val="solid"/>
+                      <a:round/>
+                      <a:headEnd type="none" w="med" len="med"/>
+                      <a:tailEnd type="none" w="med" len="med"/>
+                    </a:lnL>
+                    <a:lnR w="12700" cap="flat" cmpd="sng" algn="ctr">
+                      <a:solidFill>
+                        <a:schemeClr val="tx1"/>
+                      </a:solidFill>
+                      <a:prstDash val="solid"/>
+                      <a:round/>
+                      <a:headEnd type="none" w="med" len="med"/>
+                      <a:tailEnd type="none" w="med" len="med"/>
+                    </a:lnR>
+                    <a:lnT w="12700" cap="flat" cmpd="sng" algn="ctr">
+                      <a:solidFill>
+                        <a:schemeClr val="tx1"/>
+                      </a:solidFill>
+                      <a:prstDash val="solid"/>
+                      <a:round/>
+                      <a:headEnd type="none" w="med" len="med"/>
+                      <a:tailEnd type="none" w="med" len="med"/>
+                    </a:lnT>
+                    <a:lnB w="12700" cap="flat" cmpd="sng" algn="ctr">
+                      <a:solidFill>
+                        <a:schemeClr val="tx1"/>
+                      </a:solidFill>
+                      <a:prstDash val="solid"/>
+                      <a:round/>
+                      <a:headEnd type="none" w="med" len="med"/>
+                      <a:tailEnd type="none" w="med" len="med"/>
+                    </a:lnB>
+                    <a:noFill/>
+                  </a:tcPr>
+                </a:tc>
+                <a:tc>
+                  <a:txBody>
+                    <a:bodyPr/>
+                    <a:lstStyle/>
+                    <a:p>
+                      <a:pPr marL="5080" algn="ctr">
+                        <a:lnSpc>
+                          <a:spcPts val="1800"/>
+                        </a:lnSpc>
+                      </a:pPr>
+                      <a:r>
+                        <a:rPr lang="es-MX" sz="1400" b="0" dirty="0">
+                          <a:solidFill>
+                            <a:schemeClr val="tx1"/>
+                          </a:solidFill>
+                          <a:effectLst/>
+                          <a:latin typeface="Arial" panose="020B0604020202020204" pitchFamily="34" charset="0"/>
+                          <a:ea typeface="Calibri" panose="020F0502020204030204" pitchFamily="34" charset="0"/>
+                          <a:cs typeface="Arial" panose="020B0604020202020204" pitchFamily="34" charset="0"/>
+                        </a:rPr>
+                        <a:t>255.255.255.252</a:t>
+                      </a:r>
+                    </a:p>
+                  </a:txBody>
+                  <a:tcPr marL="0" marR="0" marT="0" marB="0" anchor="ctr">
+                    <a:lnL w="12700" cap="flat" cmpd="sng" algn="ctr">
+                      <a:solidFill>
+                        <a:schemeClr val="tx1"/>
+                      </a:solidFill>
+                      <a:prstDash val="solid"/>
+                      <a:round/>
+                      <a:headEnd type="none" w="med" len="med"/>
+                      <a:tailEnd type="none" w="med" len="med"/>
+                    </a:lnL>
+                    <a:lnR w="12700" cap="flat" cmpd="sng" algn="ctr">
+                      <a:solidFill>
+                        <a:schemeClr val="tx1"/>
+                      </a:solidFill>
+                      <a:prstDash val="solid"/>
+                      <a:round/>
+                      <a:headEnd type="none" w="med" len="med"/>
+                      <a:tailEnd type="none" w="med" len="med"/>
+                    </a:lnR>
+                    <a:lnT w="12700" cap="flat" cmpd="sng" algn="ctr">
+                      <a:solidFill>
+                        <a:schemeClr val="tx1"/>
+                      </a:solidFill>
+                      <a:prstDash val="solid"/>
+                      <a:round/>
+                      <a:headEnd type="none" w="med" len="med"/>
+                      <a:tailEnd type="none" w="med" len="med"/>
+                    </a:lnT>
+                    <a:lnB w="12700" cap="flat" cmpd="sng" algn="ctr">
+                      <a:solidFill>
+                        <a:schemeClr val="tx1"/>
+                      </a:solidFill>
+                      <a:prstDash val="solid"/>
+                      <a:round/>
+                      <a:headEnd type="none" w="med" len="med"/>
+                      <a:tailEnd type="none" w="med" len="med"/>
+                    </a:lnB>
+                    <a:noFill/>
+                  </a:tcPr>
+                </a:tc>
+                <a:extLst>
+                  <a:ext uri="{0D108BD9-81ED-4DB2-BD59-A6C34878D82A}">
+                    <a16:rowId xmlns:a16="http://schemas.microsoft.com/office/drawing/2014/main" val="3568639124"/>
+                  </a:ext>
+                </a:extLst>
+              </a:tr>
+            </a:tbl>
+          </a:graphicData>
+        </a:graphic>
+      </p:graphicFrame>
+      <p:sp>
+        <p:nvSpPr>
+          <p:cNvPr id="3" name="object 2">
+            <a:extLst>
+              <a:ext uri="{FF2B5EF4-FFF2-40B4-BE49-F238E27FC236}">
+                <a16:creationId xmlns:a16="http://schemas.microsoft.com/office/drawing/2014/main" id="{971A254D-C5FF-A9A5-062C-50421163077C}"/>
+              </a:ext>
+            </a:extLst>
+          </p:cNvPr>
+          <p:cNvSpPr txBox="1"/>
+          <p:nvPr/>
+        </p:nvSpPr>
+        <p:spPr>
+          <a:xfrm>
+            <a:off x="3276600" y="160126"/>
+            <a:ext cx="5164455" cy="800219"/>
+          </a:xfrm>
+          <a:prstGeom prst="rect">
+            <a:avLst/>
+          </a:prstGeom>
+        </p:spPr>
+        <p:txBody>
+          <a:bodyPr vert="horz" wrap="square" lIns="0" tIns="0" rIns="0" bIns="0" rtlCol="0">
+            <a:spAutoFit/>
+          </a:bodyPr>
+          <a:lstStyle/>
+          <a:p>
+            <a:pPr marL="12700" algn="ctr">
+              <a:lnSpc>
+                <a:spcPct val="100000"/>
+              </a:lnSpc>
+            </a:pPr>
+            <a:r>
+              <a:rPr lang="es-ES" sz="3200" b="1" spc="-25" dirty="0">
+                <a:latin typeface="Calibri"/>
+                <a:cs typeface="Calibri"/>
+              </a:rPr>
+              <a:t>Configuración de VLANs</a:t>
+            </a:r>
+          </a:p>
+          <a:p>
+            <a:pPr marL="12700" algn="ctr">
+              <a:lnSpc>
+                <a:spcPct val="100000"/>
+              </a:lnSpc>
+            </a:pPr>
+            <a:r>
+              <a:rPr lang="es-ES" sz="2000" spc="-25" dirty="0">
+                <a:latin typeface="Calibri"/>
+                <a:cs typeface="Calibri"/>
+              </a:rPr>
+              <a:t>Switch</a:t>
+            </a:r>
+            <a:endParaRPr sz="2000" dirty="0">
+              <a:latin typeface="Calibri"/>
+              <a:cs typeface="Calibri"/>
+            </a:endParaRPr>
+          </a:p>
+        </p:txBody>
+      </p:sp>
     </p:spTree>
     <p:extLst>
       <p:ext uri="{BB962C8B-B14F-4D97-AF65-F5344CB8AC3E}">
-        <p14:creationId xmlns:p14="http://schemas.microsoft.com/office/powerpoint/2010/main" val="2195457052"/>
+        <p14:creationId xmlns:p14="http://schemas.microsoft.com/office/powerpoint/2010/main" val="4006668520"/>
       </p:ext>
     </p:extLst>
   </p:cSld>
